--- a/HustFarm_Plan_v1.pptx
+++ b/HustFarm_Plan_v1.pptx
@@ -5,25 +5,26 @@
     <p:sldMasterId id="2147483658" r:id="rId1"/>
   </p:sldMasterIdLst>
   <p:notesMasterIdLst>
-    <p:notesMasterId r:id="rId15"/>
+    <p:notesMasterId r:id="rId16"/>
   </p:notesMasterIdLst>
   <p:handoutMasterIdLst>
-    <p:handoutMasterId r:id="rId16"/>
+    <p:handoutMasterId r:id="rId17"/>
   </p:handoutMasterIdLst>
   <p:sldIdLst>
     <p:sldId id="275" r:id="rId2"/>
-    <p:sldId id="276" r:id="rId3"/>
-    <p:sldId id="257" r:id="rId4"/>
-    <p:sldId id="265" r:id="rId5"/>
-    <p:sldId id="266" r:id="rId6"/>
-    <p:sldId id="271" r:id="rId7"/>
-    <p:sldId id="270" r:id="rId8"/>
-    <p:sldId id="272" r:id="rId9"/>
-    <p:sldId id="278" r:id="rId10"/>
-    <p:sldId id="261" r:id="rId11"/>
-    <p:sldId id="277" r:id="rId12"/>
-    <p:sldId id="279" r:id="rId13"/>
-    <p:sldId id="269" r:id="rId14"/>
+    <p:sldId id="257" r:id="rId3"/>
+    <p:sldId id="265" r:id="rId4"/>
+    <p:sldId id="266" r:id="rId5"/>
+    <p:sldId id="271" r:id="rId6"/>
+    <p:sldId id="270" r:id="rId7"/>
+    <p:sldId id="272" r:id="rId8"/>
+    <p:sldId id="278" r:id="rId9"/>
+    <p:sldId id="261" r:id="rId10"/>
+    <p:sldId id="277" r:id="rId11"/>
+    <p:sldId id="280" r:id="rId12"/>
+    <p:sldId id="281" r:id="rId13"/>
+    <p:sldId id="279" r:id="rId14"/>
+    <p:sldId id="269" r:id="rId15"/>
   </p:sldIdLst>
   <p:sldSz cx="9144000" cy="6858000" type="screen4x3"/>
   <p:notesSz cx="6858000" cy="9144000"/>
@@ -224,7 +225,7 @@
           <a:p>
             <a:fld id="{48B45424-6BAC-416C-8F6C-5F9DE854A36B}" type="datetimeFigureOut">
               <a:rPr lang="en-US" smtClean="0"/>
-              <a:t>3/3/2025</a:t>
+              <a:t>3/6/2025</a:t>
             </a:fld>
             <a:endParaRPr lang="en-US"/>
           </a:p>
@@ -402,7 +403,7 @@
           <a:p>
             <a:fld id="{6B733702-C25A-40B9-9167-54BAA79B29B0}" type="datetimeFigureOut">
               <a:rPr lang="en-US" smtClean="0"/>
-              <a:t>3/3/2025</a:t>
+              <a:t>3/6/2025</a:t>
             </a:fld>
             <a:endParaRPr lang="en-US"/>
           </a:p>
@@ -716,441 +717,6 @@
 
 <file path=ppt/slideLayouts/slideLayout10.xml><?xml version="1.0" encoding="utf-8"?>
 <p:sldLayout xmlns:a="http://schemas.openxmlformats.org/drawingml/2006/main" xmlns:r="http://schemas.openxmlformats.org/officeDocument/2006/relationships" xmlns:p="http://schemas.openxmlformats.org/presentationml/2006/main" preserve="1" userDrawn="1">
-  <p:cSld name="3_Blank">
-    <p:bg>
-      <p:bgPr>
-        <a:blipFill dpi="0" rotWithShape="1">
-          <a:blip r:embed="rId2">
-            <a:lum/>
-          </a:blip>
-          <a:srcRect/>
-          <a:stretch>
-            <a:fillRect/>
-          </a:stretch>
-        </a:blipFill>
-        <a:effectLst/>
-      </p:bgPr>
-    </p:bg>
-    <p:spTree>
-      <p:nvGrpSpPr>
-        <p:cNvPr id="1" name=""/>
-        <p:cNvGrpSpPr/>
-        <p:nvPr/>
-      </p:nvGrpSpPr>
-      <p:grpSpPr>
-        <a:xfrm>
-          <a:off x="0" y="0"/>
-          <a:ext cx="0" cy="0"/>
-          <a:chOff x="0" y="0"/>
-          <a:chExt cx="0" cy="0"/>
-        </a:xfrm>
-      </p:grpSpPr>
-      <p:sp>
-        <p:nvSpPr>
-          <p:cNvPr id="13" name="Title 6">
-            <a:extLst>
-              <a:ext uri="{FF2B5EF4-FFF2-40B4-BE49-F238E27FC236}">
-                <a16:creationId xmlns:a16="http://schemas.microsoft.com/office/drawing/2014/main" id="{74BADCE4-794A-4B69-9AB7-3D794A1F9A49}"/>
-              </a:ext>
-            </a:extLst>
-          </p:cNvPr>
-          <p:cNvSpPr>
-            <a:spLocks noGrp="1"/>
-          </p:cNvSpPr>
-          <p:nvPr>
-            <p:ph type="title" hasCustomPrompt="1"/>
-          </p:nvPr>
-        </p:nvSpPr>
-        <p:spPr>
-          <a:xfrm>
-            <a:off x="235077" y="78613"/>
-            <a:ext cx="8673846" cy="451739"/>
-          </a:xfrm>
-          <a:prstGeom prst="rect">
-            <a:avLst/>
-          </a:prstGeom>
-        </p:spPr>
-        <p:txBody>
-          <a:bodyPr/>
-          <a:lstStyle>
-            <a:lvl1pPr>
-              <a:defRPr sz="2800" b="1">
-                <a:solidFill>
-                  <a:schemeClr val="bg1"/>
-                </a:solidFill>
-                <a:latin typeface="Lato" panose="020F0502020204030203" pitchFamily="34" charset="0"/>
-                <a:ea typeface="Lato" panose="020F0502020204030203" pitchFamily="34" charset="0"/>
-                <a:cs typeface="Lato" panose="020F0502020204030203" pitchFamily="34" charset="0"/>
-              </a:defRPr>
-            </a:lvl1pPr>
-          </a:lstStyle>
-          <a:p>
-            <a:r>
-              <a:rPr lang="en-US" dirty="0"/>
-              <a:t>Title 8: ………………………………………</a:t>
-            </a:r>
-          </a:p>
-        </p:txBody>
-      </p:sp>
-      <p:sp>
-        <p:nvSpPr>
-          <p:cNvPr id="14" name="Content Placeholder 2">
-            <a:extLst>
-              <a:ext uri="{FF2B5EF4-FFF2-40B4-BE49-F238E27FC236}">
-                <a16:creationId xmlns:a16="http://schemas.microsoft.com/office/drawing/2014/main" id="{38375D86-D290-4003-A314-C916116C4238}"/>
-              </a:ext>
-            </a:extLst>
-          </p:cNvPr>
-          <p:cNvSpPr>
-            <a:spLocks noGrp="1"/>
-          </p:cNvSpPr>
-          <p:nvPr>
-            <p:ph sz="half" idx="1"/>
-          </p:nvPr>
-        </p:nvSpPr>
-        <p:spPr>
-          <a:xfrm>
-            <a:off x="595884" y="1533017"/>
-            <a:ext cx="3886200" cy="4351338"/>
-          </a:xfrm>
-          <a:prstGeom prst="rect">
-            <a:avLst/>
-          </a:prstGeom>
-        </p:spPr>
-        <p:txBody>
-          <a:bodyPr/>
-          <a:lstStyle>
-            <a:lvl1pPr>
-              <a:defRPr>
-                <a:latin typeface="Lato" panose="020F0502020204030203" pitchFamily="34" charset="0"/>
-                <a:ea typeface="Lato" panose="020F0502020204030203" pitchFamily="34" charset="0"/>
-                <a:cs typeface="Lato" panose="020F0502020204030203" pitchFamily="34" charset="0"/>
-              </a:defRPr>
-            </a:lvl1pPr>
-            <a:lvl2pPr>
-              <a:defRPr>
-                <a:latin typeface="Lato" panose="020F0502020204030203" pitchFamily="34" charset="0"/>
-                <a:ea typeface="Lato" panose="020F0502020204030203" pitchFamily="34" charset="0"/>
-                <a:cs typeface="Lato" panose="020F0502020204030203" pitchFamily="34" charset="0"/>
-              </a:defRPr>
-            </a:lvl2pPr>
-            <a:lvl3pPr>
-              <a:defRPr>
-                <a:latin typeface="Lato" panose="020F0502020204030203" pitchFamily="34" charset="0"/>
-                <a:ea typeface="Lato" panose="020F0502020204030203" pitchFamily="34" charset="0"/>
-                <a:cs typeface="Lato" panose="020F0502020204030203" pitchFamily="34" charset="0"/>
-              </a:defRPr>
-            </a:lvl3pPr>
-            <a:lvl4pPr>
-              <a:defRPr>
-                <a:latin typeface="Lato" panose="020F0502020204030203" pitchFamily="34" charset="0"/>
-                <a:ea typeface="Lato" panose="020F0502020204030203" pitchFamily="34" charset="0"/>
-                <a:cs typeface="Lato" panose="020F0502020204030203" pitchFamily="34" charset="0"/>
-              </a:defRPr>
-            </a:lvl4pPr>
-            <a:lvl5pPr>
-              <a:defRPr>
-                <a:latin typeface="Lato" panose="020F0502020204030203" pitchFamily="34" charset="0"/>
-                <a:ea typeface="Lato" panose="020F0502020204030203" pitchFamily="34" charset="0"/>
-                <a:cs typeface="Lato" panose="020F0502020204030203" pitchFamily="34" charset="0"/>
-              </a:defRPr>
-            </a:lvl5pPr>
-          </a:lstStyle>
-          <a:p>
-            <a:pPr lvl="0"/>
-            <a:r>
-              <a:rPr lang="en-US" dirty="0"/>
-              <a:t>Click to edit Master text styles</a:t>
-            </a:r>
-          </a:p>
-          <a:p>
-            <a:pPr lvl="1"/>
-            <a:r>
-              <a:rPr lang="en-US" dirty="0"/>
-              <a:t>Second level</a:t>
-            </a:r>
-          </a:p>
-          <a:p>
-            <a:pPr lvl="2"/>
-            <a:r>
-              <a:rPr lang="en-US" dirty="0"/>
-              <a:t>Third level</a:t>
-            </a:r>
-          </a:p>
-          <a:p>
-            <a:pPr lvl="3"/>
-            <a:r>
-              <a:rPr lang="en-US" dirty="0"/>
-              <a:t>Fourth level</a:t>
-            </a:r>
-          </a:p>
-          <a:p>
-            <a:pPr lvl="4"/>
-            <a:r>
-              <a:rPr lang="en-US" dirty="0"/>
-              <a:t>Fifth level</a:t>
-            </a:r>
-          </a:p>
-        </p:txBody>
-      </p:sp>
-      <p:sp>
-        <p:nvSpPr>
-          <p:cNvPr id="15" name="Content Placeholder 3">
-            <a:extLst>
-              <a:ext uri="{FF2B5EF4-FFF2-40B4-BE49-F238E27FC236}">
-                <a16:creationId xmlns:a16="http://schemas.microsoft.com/office/drawing/2014/main" id="{FB62406B-26DB-4A01-B048-1F2C7540F82F}"/>
-              </a:ext>
-            </a:extLst>
-          </p:cNvPr>
-          <p:cNvSpPr>
-            <a:spLocks noGrp="1"/>
-          </p:cNvSpPr>
-          <p:nvPr>
-            <p:ph sz="half" idx="2"/>
-          </p:nvPr>
-        </p:nvSpPr>
-        <p:spPr>
-          <a:xfrm>
-            <a:off x="4639056" y="1533017"/>
-            <a:ext cx="3886200" cy="4351338"/>
-          </a:xfrm>
-          <a:prstGeom prst="rect">
-            <a:avLst/>
-          </a:prstGeom>
-        </p:spPr>
-        <p:txBody>
-          <a:bodyPr/>
-          <a:lstStyle>
-            <a:lvl1pPr>
-              <a:defRPr>
-                <a:latin typeface="Lato" panose="020F0502020204030203" pitchFamily="34" charset="0"/>
-                <a:ea typeface="Lato" panose="020F0502020204030203" pitchFamily="34" charset="0"/>
-                <a:cs typeface="Lato" panose="020F0502020204030203" pitchFamily="34" charset="0"/>
-              </a:defRPr>
-            </a:lvl1pPr>
-            <a:lvl2pPr>
-              <a:defRPr>
-                <a:latin typeface="Lato" panose="020F0502020204030203" pitchFamily="34" charset="0"/>
-                <a:ea typeface="Lato" panose="020F0502020204030203" pitchFamily="34" charset="0"/>
-                <a:cs typeface="Lato" panose="020F0502020204030203" pitchFamily="34" charset="0"/>
-              </a:defRPr>
-            </a:lvl2pPr>
-            <a:lvl3pPr>
-              <a:defRPr>
-                <a:latin typeface="Lato" panose="020F0502020204030203" pitchFamily="34" charset="0"/>
-                <a:ea typeface="Lato" panose="020F0502020204030203" pitchFamily="34" charset="0"/>
-                <a:cs typeface="Lato" panose="020F0502020204030203" pitchFamily="34" charset="0"/>
-              </a:defRPr>
-            </a:lvl3pPr>
-            <a:lvl4pPr>
-              <a:defRPr>
-                <a:latin typeface="Lato" panose="020F0502020204030203" pitchFamily="34" charset="0"/>
-                <a:ea typeface="Lato" panose="020F0502020204030203" pitchFamily="34" charset="0"/>
-                <a:cs typeface="Lato" panose="020F0502020204030203" pitchFamily="34" charset="0"/>
-              </a:defRPr>
-            </a:lvl4pPr>
-            <a:lvl5pPr>
-              <a:defRPr>
-                <a:latin typeface="Lato" panose="020F0502020204030203" pitchFamily="34" charset="0"/>
-                <a:ea typeface="Lato" panose="020F0502020204030203" pitchFamily="34" charset="0"/>
-                <a:cs typeface="Lato" panose="020F0502020204030203" pitchFamily="34" charset="0"/>
-              </a:defRPr>
-            </a:lvl5pPr>
-          </a:lstStyle>
-          <a:p>
-            <a:pPr lvl="0"/>
-            <a:r>
-              <a:rPr lang="en-US" dirty="0"/>
-              <a:t>Click to edit Master text styles</a:t>
-            </a:r>
-          </a:p>
-          <a:p>
-            <a:pPr lvl="1"/>
-            <a:r>
-              <a:rPr lang="en-US" dirty="0"/>
-              <a:t>Second level</a:t>
-            </a:r>
-          </a:p>
-          <a:p>
-            <a:pPr lvl="2"/>
-            <a:r>
-              <a:rPr lang="en-US" dirty="0"/>
-              <a:t>Third level</a:t>
-            </a:r>
-          </a:p>
-          <a:p>
-            <a:pPr lvl="3"/>
-            <a:r>
-              <a:rPr lang="en-US" dirty="0"/>
-              <a:t>Fourth level</a:t>
-            </a:r>
-          </a:p>
-          <a:p>
-            <a:pPr lvl="4"/>
-            <a:r>
-              <a:rPr lang="en-US" dirty="0"/>
-              <a:t>Fifth level</a:t>
-            </a:r>
-          </a:p>
-        </p:txBody>
-      </p:sp>
-      <p:sp>
-        <p:nvSpPr>
-          <p:cNvPr id="16" name="Date Placeholder 3">
-            <a:extLst>
-              <a:ext uri="{FF2B5EF4-FFF2-40B4-BE49-F238E27FC236}">
-                <a16:creationId xmlns:a16="http://schemas.microsoft.com/office/drawing/2014/main" id="{A52862E5-D8E1-49BF-8D1B-BF0ED6579EA7}"/>
-              </a:ext>
-            </a:extLst>
-          </p:cNvPr>
-          <p:cNvSpPr>
-            <a:spLocks noGrp="1"/>
-          </p:cNvSpPr>
-          <p:nvPr>
-            <p:ph type="dt" sz="half" idx="10"/>
-          </p:nvPr>
-        </p:nvSpPr>
-        <p:spPr>
-          <a:xfrm>
-            <a:off x="628650" y="6565257"/>
-            <a:ext cx="2057400" cy="365125"/>
-          </a:xfrm>
-          <a:prstGeom prst="rect">
-            <a:avLst/>
-          </a:prstGeom>
-        </p:spPr>
-        <p:txBody>
-          <a:bodyPr/>
-          <a:lstStyle>
-            <a:lvl1pPr>
-              <a:defRPr sz="1200" b="1">
-                <a:solidFill>
-                  <a:srgbClr val="C00000"/>
-                </a:solidFill>
-                <a:latin typeface="Lato" panose="020F0502020204030203" pitchFamily="34" charset="0"/>
-                <a:ea typeface="Lato" panose="020F0502020204030203" pitchFamily="34" charset="0"/>
-                <a:cs typeface="Lato" panose="020F0502020204030203" pitchFamily="34" charset="0"/>
-              </a:defRPr>
-            </a:lvl1pPr>
-          </a:lstStyle>
-          <a:p>
-            <a:fld id="{F70EAA40-3A53-4A3D-924A-D38F1059C7D5}" type="datetime1">
-              <a:rPr lang="en-US" smtClean="0"/>
-              <a:pPr/>
-              <a:t>3/3/2025</a:t>
-            </a:fld>
-            <a:endParaRPr lang="en-US"/>
-          </a:p>
-        </p:txBody>
-      </p:sp>
-      <p:sp>
-        <p:nvSpPr>
-          <p:cNvPr id="17" name="Footer Placeholder 4">
-            <a:extLst>
-              <a:ext uri="{FF2B5EF4-FFF2-40B4-BE49-F238E27FC236}">
-                <a16:creationId xmlns:a16="http://schemas.microsoft.com/office/drawing/2014/main" id="{591AAF74-01FB-49A8-9375-959140F1D0E6}"/>
-              </a:ext>
-            </a:extLst>
-          </p:cNvPr>
-          <p:cNvSpPr>
-            <a:spLocks noGrp="1"/>
-          </p:cNvSpPr>
-          <p:nvPr>
-            <p:ph type="ftr" sz="quarter" idx="11"/>
-          </p:nvPr>
-        </p:nvSpPr>
-        <p:spPr>
-          <a:xfrm>
-            <a:off x="3028950" y="6565257"/>
-            <a:ext cx="3086100" cy="365125"/>
-          </a:xfrm>
-          <a:prstGeom prst="rect">
-            <a:avLst/>
-          </a:prstGeom>
-        </p:spPr>
-        <p:txBody>
-          <a:bodyPr/>
-          <a:lstStyle>
-            <a:lvl1pPr algn="ctr">
-              <a:defRPr sz="1200" b="1">
-                <a:solidFill>
-                  <a:srgbClr val="C00000"/>
-                </a:solidFill>
-                <a:latin typeface="Lato" panose="020F0502020204030203" pitchFamily="34" charset="0"/>
-                <a:ea typeface="Lato" panose="020F0502020204030203" pitchFamily="34" charset="0"/>
-                <a:cs typeface="Lato" panose="020F0502020204030203" pitchFamily="34" charset="0"/>
-              </a:defRPr>
-            </a:lvl1pPr>
-          </a:lstStyle>
-          <a:p>
-            <a:endParaRPr lang="en-US"/>
-          </a:p>
-        </p:txBody>
-      </p:sp>
-      <p:sp>
-        <p:nvSpPr>
-          <p:cNvPr id="18" name="Slide Number Placeholder 5">
-            <a:extLst>
-              <a:ext uri="{FF2B5EF4-FFF2-40B4-BE49-F238E27FC236}">
-                <a16:creationId xmlns:a16="http://schemas.microsoft.com/office/drawing/2014/main" id="{BBF4BC2F-980C-499D-A4B9-E7CD3D44754C}"/>
-              </a:ext>
-            </a:extLst>
-          </p:cNvPr>
-          <p:cNvSpPr>
-            <a:spLocks noGrp="1"/>
-          </p:cNvSpPr>
-          <p:nvPr>
-            <p:ph type="sldNum" sz="quarter" idx="12"/>
-          </p:nvPr>
-        </p:nvSpPr>
-        <p:spPr>
-          <a:xfrm>
-            <a:off x="6867383" y="6572126"/>
-            <a:ext cx="2057400" cy="365125"/>
-          </a:xfrm>
-          <a:prstGeom prst="rect">
-            <a:avLst/>
-          </a:prstGeom>
-        </p:spPr>
-        <p:txBody>
-          <a:bodyPr/>
-          <a:lstStyle>
-            <a:lvl1pPr algn="r">
-              <a:defRPr sz="1200" b="1">
-                <a:solidFill>
-                  <a:srgbClr val="C00000"/>
-                </a:solidFill>
-                <a:latin typeface="Lato" panose="020F0502020204030203" pitchFamily="34" charset="0"/>
-                <a:ea typeface="Lato" panose="020F0502020204030203" pitchFamily="34" charset="0"/>
-                <a:cs typeface="Lato" panose="020F0502020204030203" pitchFamily="34" charset="0"/>
-              </a:defRPr>
-            </a:lvl1pPr>
-          </a:lstStyle>
-          <a:p>
-            <a:fld id="{9EA0BE3B-158A-4EDF-80DC-E394A0D1600F}" type="slidenum">
-              <a:rPr lang="en-US" smtClean="0"/>
-              <a:pPr/>
-              <a:t>‹#›</a:t>
-            </a:fld>
-            <a:endParaRPr lang="en-US" dirty="0"/>
-          </a:p>
-        </p:txBody>
-      </p:sp>
-    </p:spTree>
-    <p:extLst>
-      <p:ext uri="{BB962C8B-B14F-4D97-AF65-F5344CB8AC3E}">
-        <p14:creationId xmlns:p14="http://schemas.microsoft.com/office/powerpoint/2010/main" val="1629018821"/>
-      </p:ext>
-    </p:extLst>
-  </p:cSld>
-  <p:clrMapOvr>
-    <a:masterClrMapping/>
-  </p:clrMapOvr>
-</p:sldLayout>
-</file>
-
-<file path=ppt/slideLayouts/slideLayout11.xml><?xml version="1.0" encoding="utf-8"?>
-<p:sldLayout xmlns:a="http://schemas.openxmlformats.org/drawingml/2006/main" xmlns:r="http://schemas.openxmlformats.org/officeDocument/2006/relationships" xmlns:p="http://schemas.openxmlformats.org/presentationml/2006/main" preserve="1" userDrawn="1">
   <p:cSld name="3_Comparison">
     <p:bg>
       <p:bgPr>
@@ -1223,7 +789,7 @@
             <a:fld id="{F70EAA40-3A53-4A3D-924A-D38F1059C7D5}" type="datetime1">
               <a:rPr lang="en-US" smtClean="0"/>
               <a:pPr/>
-              <a:t>3/3/2025</a:t>
+              <a:t>3/6/2025</a:t>
             </a:fld>
             <a:endParaRPr lang="en-US"/>
           </a:p>
@@ -1483,7 +1049,7 @@
 </p:sldLayout>
 </file>
 
-<file path=ppt/slideLayouts/slideLayout12.xml><?xml version="1.0" encoding="utf-8"?>
+<file path=ppt/slideLayouts/slideLayout11.xml><?xml version="1.0" encoding="utf-8"?>
 <p:sldLayout xmlns:a="http://schemas.openxmlformats.org/drawingml/2006/main" xmlns:r="http://schemas.openxmlformats.org/officeDocument/2006/relationships" xmlns:p="http://schemas.openxmlformats.org/presentationml/2006/main" userDrawn="1">
   <p:cSld name="1_Content with Caption">
     <p:bg>
@@ -1559,7 +1125,7 @@
             <a:fld id="{F70EAA40-3A53-4A3D-924A-D38F1059C7D5}" type="datetime1">
               <a:rPr lang="en-US" smtClean="0"/>
               <a:pPr/>
-              <a:t>3/3/2025</a:t>
+              <a:t>3/6/2025</a:t>
             </a:fld>
             <a:endParaRPr lang="en-US"/>
           </a:p>
@@ -1672,97 +1238,6 @@
 </file>
 
 <file path=ppt/slideLayouts/slideLayout2.xml><?xml version="1.0" encoding="utf-8"?>
-<p:sldLayout xmlns:a="http://schemas.openxmlformats.org/drawingml/2006/main" xmlns:r="http://schemas.openxmlformats.org/officeDocument/2006/relationships" xmlns:p="http://schemas.openxmlformats.org/presentationml/2006/main" userDrawn="1">
-  <p:cSld name="1_Title Slide">
-    <p:bg>
-      <p:bgPr>
-        <a:blipFill dpi="0" rotWithShape="1">
-          <a:blip r:embed="rId2">
-            <a:lum/>
-          </a:blip>
-          <a:srcRect/>
-          <a:stretch>
-            <a:fillRect/>
-          </a:stretch>
-        </a:blipFill>
-        <a:effectLst/>
-      </p:bgPr>
-    </p:bg>
-    <p:spTree>
-      <p:nvGrpSpPr>
-        <p:cNvPr id="1" name=""/>
-        <p:cNvGrpSpPr/>
-        <p:nvPr/>
-      </p:nvGrpSpPr>
-      <p:grpSpPr>
-        <a:xfrm>
-          <a:off x="0" y="0"/>
-          <a:ext cx="0" cy="0"/>
-          <a:chOff x="0" y="0"/>
-          <a:chExt cx="0" cy="0"/>
-        </a:xfrm>
-      </p:grpSpPr>
-      <p:sp>
-        <p:nvSpPr>
-          <p:cNvPr id="3" name="Title 6">
-            <a:extLst>
-              <a:ext uri="{FF2B5EF4-FFF2-40B4-BE49-F238E27FC236}">
-                <a16:creationId xmlns:a16="http://schemas.microsoft.com/office/drawing/2014/main" id="{C5DD3B49-F775-49FC-ACAD-45B074D1C945}"/>
-              </a:ext>
-            </a:extLst>
-          </p:cNvPr>
-          <p:cNvSpPr>
-            <a:spLocks noGrp="1"/>
-          </p:cNvSpPr>
-          <p:nvPr>
-            <p:ph type="title" hasCustomPrompt="1"/>
-          </p:nvPr>
-        </p:nvSpPr>
-        <p:spPr>
-          <a:xfrm>
-            <a:off x="2380488" y="2365248"/>
-            <a:ext cx="4383024" cy="2127504"/>
-          </a:xfrm>
-          <a:prstGeom prst="rect">
-            <a:avLst/>
-          </a:prstGeom>
-        </p:spPr>
-        <p:txBody>
-          <a:bodyPr/>
-          <a:lstStyle>
-            <a:lvl1pPr algn="ctr">
-              <a:defRPr sz="4800" b="1">
-                <a:solidFill>
-                  <a:schemeClr val="bg1"/>
-                </a:solidFill>
-                <a:latin typeface="Lato" panose="020F0502020204030203" pitchFamily="34" charset="0"/>
-                <a:ea typeface="Lato" panose="020F0502020204030203" pitchFamily="34" charset="0"/>
-                <a:cs typeface="Lato" panose="020F0502020204030203" pitchFamily="34" charset="0"/>
-              </a:defRPr>
-            </a:lvl1pPr>
-          </a:lstStyle>
-          <a:p>
-            <a:r>
-              <a:rPr lang="en-US" dirty="0"/>
-              <a:t>CLICK TO EDIT MASTER TITLE STYLE</a:t>
-            </a:r>
-          </a:p>
-        </p:txBody>
-      </p:sp>
-    </p:spTree>
-    <p:extLst>
-      <p:ext uri="{BB962C8B-B14F-4D97-AF65-F5344CB8AC3E}">
-        <p14:creationId xmlns:p14="http://schemas.microsoft.com/office/powerpoint/2010/main" val="678804056"/>
-      </p:ext>
-    </p:extLst>
-  </p:cSld>
-  <p:clrMapOvr>
-    <a:masterClrMapping/>
-  </p:clrMapOvr>
-</p:sldLayout>
-</file>
-
-<file path=ppt/slideLayouts/slideLayout3.xml><?xml version="1.0" encoding="utf-8"?>
 <p:sldLayout xmlns:a="http://schemas.openxmlformats.org/drawingml/2006/main" xmlns:r="http://schemas.openxmlformats.org/officeDocument/2006/relationships" xmlns:p="http://schemas.openxmlformats.org/presentationml/2006/main" userDrawn="1">
   <p:cSld name="1_Title and Content">
     <p:bg>
@@ -1806,7 +1281,7 @@
 </p:sldLayout>
 </file>
 
-<file path=ppt/slideLayouts/slideLayout4.xml><?xml version="1.0" encoding="utf-8"?>
+<file path=ppt/slideLayouts/slideLayout3.xml><?xml version="1.0" encoding="utf-8"?>
 <p:sldLayout xmlns:a="http://schemas.openxmlformats.org/drawingml/2006/main" xmlns:r="http://schemas.openxmlformats.org/officeDocument/2006/relationships" xmlns:p="http://schemas.openxmlformats.org/presentationml/2006/main" userDrawn="1">
   <p:cSld name="1_Section Header">
     <p:bg>
@@ -1880,7 +1355,7 @@
             <a:fld id="{F70EAA40-3A53-4A3D-924A-D38F1059C7D5}" type="datetime1">
               <a:rPr lang="en-US" smtClean="0"/>
               <a:pPr/>
-              <a:t>3/3/2025</a:t>
+              <a:t>3/6/2025</a:t>
             </a:fld>
             <a:endParaRPr lang="en-US"/>
           </a:p>
@@ -2140,7 +1615,7 @@
 </p:sldLayout>
 </file>
 
-<file path=ppt/slideLayouts/slideLayout5.xml><?xml version="1.0" encoding="utf-8"?>
+<file path=ppt/slideLayouts/slideLayout4.xml><?xml version="1.0" encoding="utf-8"?>
 <p:sldLayout xmlns:a="http://schemas.openxmlformats.org/drawingml/2006/main" xmlns:r="http://schemas.openxmlformats.org/officeDocument/2006/relationships" xmlns:p="http://schemas.openxmlformats.org/presentationml/2006/main" userDrawn="1">
   <p:cSld name="1_Two Content">
     <p:bg>
@@ -2214,7 +1689,7 @@
             <a:fld id="{F70EAA40-3A53-4A3D-924A-D38F1059C7D5}" type="datetime1">
               <a:rPr lang="en-US" smtClean="0"/>
               <a:pPr/>
-              <a:t>3/3/2025</a:t>
+              <a:t>3/6/2025</a:t>
             </a:fld>
             <a:endParaRPr lang="en-US"/>
           </a:p>
@@ -2575,7 +2050,7 @@
 </p:sldLayout>
 </file>
 
-<file path=ppt/slideLayouts/slideLayout6.xml><?xml version="1.0" encoding="utf-8"?>
+<file path=ppt/slideLayouts/slideLayout5.xml><?xml version="1.0" encoding="utf-8"?>
 <p:sldLayout xmlns:a="http://schemas.openxmlformats.org/drawingml/2006/main" xmlns:r="http://schemas.openxmlformats.org/officeDocument/2006/relationships" xmlns:p="http://schemas.openxmlformats.org/presentationml/2006/main" userDrawn="1">
   <p:cSld name="1_Comparison">
     <p:bg>
@@ -2649,7 +2124,7 @@
             <a:fld id="{F70EAA40-3A53-4A3D-924A-D38F1059C7D5}" type="datetime1">
               <a:rPr lang="en-US" smtClean="0"/>
               <a:pPr/>
-              <a:t>3/3/2025</a:t>
+              <a:t>3/6/2025</a:t>
             </a:fld>
             <a:endParaRPr lang="en-US"/>
           </a:p>
@@ -2909,7 +2384,7 @@
 </p:sldLayout>
 </file>
 
-<file path=ppt/slideLayouts/slideLayout7.xml><?xml version="1.0" encoding="utf-8"?>
+<file path=ppt/slideLayouts/slideLayout6.xml><?xml version="1.0" encoding="utf-8"?>
 <p:sldLayout xmlns:a="http://schemas.openxmlformats.org/drawingml/2006/main" xmlns:r="http://schemas.openxmlformats.org/officeDocument/2006/relationships" xmlns:p="http://schemas.openxmlformats.org/presentationml/2006/main" preserve="1" userDrawn="1">
   <p:cSld name="2_Two Content">
     <p:bg>
@@ -2983,7 +2458,7 @@
             <a:fld id="{F70EAA40-3A53-4A3D-924A-D38F1059C7D5}" type="datetime1">
               <a:rPr lang="en-US" smtClean="0"/>
               <a:pPr/>
-              <a:t>3/3/2025</a:t>
+              <a:t>3/6/2025</a:t>
             </a:fld>
             <a:endParaRPr lang="en-US"/>
           </a:p>
@@ -3344,7 +2819,7 @@
 </p:sldLayout>
 </file>
 
-<file path=ppt/slideLayouts/slideLayout8.xml><?xml version="1.0" encoding="utf-8"?>
+<file path=ppt/slideLayouts/slideLayout7.xml><?xml version="1.0" encoding="utf-8"?>
 <p:sldLayout xmlns:a="http://schemas.openxmlformats.org/drawingml/2006/main" xmlns:r="http://schemas.openxmlformats.org/officeDocument/2006/relationships" xmlns:p="http://schemas.openxmlformats.org/presentationml/2006/main" preserve="1" userDrawn="1">
   <p:cSld name="2_Blank">
     <p:bg>
@@ -3669,7 +3144,7 @@
             <a:fld id="{F70EAA40-3A53-4A3D-924A-D38F1059C7D5}" type="datetime1">
               <a:rPr lang="en-US" smtClean="0"/>
               <a:pPr/>
-              <a:t>3/3/2025</a:t>
+              <a:t>3/6/2025</a:t>
             </a:fld>
             <a:endParaRPr lang="en-US"/>
           </a:p>
@@ -3785,7 +3260,7 @@
 </p:sldLayout>
 </file>
 
-<file path=ppt/slideLayouts/slideLayout9.xml><?xml version="1.0" encoding="utf-8"?>
+<file path=ppt/slideLayouts/slideLayout8.xml><?xml version="1.0" encoding="utf-8"?>
 <p:sldLayout xmlns:a="http://schemas.openxmlformats.org/drawingml/2006/main" xmlns:r="http://schemas.openxmlformats.org/officeDocument/2006/relationships" xmlns:p="http://schemas.openxmlformats.org/presentationml/2006/main" preserve="1" userDrawn="1">
   <p:cSld name="2_Comparison">
     <p:bg>
@@ -3859,7 +3334,7 @@
             <a:fld id="{F70EAA40-3A53-4A3D-924A-D38F1059C7D5}" type="datetime1">
               <a:rPr lang="en-US" smtClean="0"/>
               <a:pPr/>
-              <a:t>3/3/2025</a:t>
+              <a:t>3/6/2025</a:t>
             </a:fld>
             <a:endParaRPr lang="en-US"/>
           </a:p>
@@ -4119,13 +3594,448 @@
 </p:sldLayout>
 </file>
 
+<file path=ppt/slideLayouts/slideLayout9.xml><?xml version="1.0" encoding="utf-8"?>
+<p:sldLayout xmlns:a="http://schemas.openxmlformats.org/drawingml/2006/main" xmlns:r="http://schemas.openxmlformats.org/officeDocument/2006/relationships" xmlns:p="http://schemas.openxmlformats.org/presentationml/2006/main" preserve="1" userDrawn="1">
+  <p:cSld name="3_Blank">
+    <p:bg>
+      <p:bgPr>
+        <a:blipFill dpi="0" rotWithShape="1">
+          <a:blip r:embed="rId2">
+            <a:lum/>
+          </a:blip>
+          <a:srcRect/>
+          <a:stretch>
+            <a:fillRect/>
+          </a:stretch>
+        </a:blipFill>
+        <a:effectLst/>
+      </p:bgPr>
+    </p:bg>
+    <p:spTree>
+      <p:nvGrpSpPr>
+        <p:cNvPr id="1" name=""/>
+        <p:cNvGrpSpPr/>
+        <p:nvPr/>
+      </p:nvGrpSpPr>
+      <p:grpSpPr>
+        <a:xfrm>
+          <a:off x="0" y="0"/>
+          <a:ext cx="0" cy="0"/>
+          <a:chOff x="0" y="0"/>
+          <a:chExt cx="0" cy="0"/>
+        </a:xfrm>
+      </p:grpSpPr>
+      <p:sp>
+        <p:nvSpPr>
+          <p:cNvPr id="13" name="Title 6">
+            <a:extLst>
+              <a:ext uri="{FF2B5EF4-FFF2-40B4-BE49-F238E27FC236}">
+                <a16:creationId xmlns:a16="http://schemas.microsoft.com/office/drawing/2014/main" id="{74BADCE4-794A-4B69-9AB7-3D794A1F9A49}"/>
+              </a:ext>
+            </a:extLst>
+          </p:cNvPr>
+          <p:cNvSpPr>
+            <a:spLocks noGrp="1"/>
+          </p:cNvSpPr>
+          <p:nvPr>
+            <p:ph type="title" hasCustomPrompt="1"/>
+          </p:nvPr>
+        </p:nvSpPr>
+        <p:spPr>
+          <a:xfrm>
+            <a:off x="235077" y="78613"/>
+            <a:ext cx="8673846" cy="451739"/>
+          </a:xfrm>
+          <a:prstGeom prst="rect">
+            <a:avLst/>
+          </a:prstGeom>
+        </p:spPr>
+        <p:txBody>
+          <a:bodyPr/>
+          <a:lstStyle>
+            <a:lvl1pPr>
+              <a:defRPr sz="2800" b="1">
+                <a:solidFill>
+                  <a:schemeClr val="bg1"/>
+                </a:solidFill>
+                <a:latin typeface="Lato" panose="020F0502020204030203" pitchFamily="34" charset="0"/>
+                <a:ea typeface="Lato" panose="020F0502020204030203" pitchFamily="34" charset="0"/>
+                <a:cs typeface="Lato" panose="020F0502020204030203" pitchFamily="34" charset="0"/>
+              </a:defRPr>
+            </a:lvl1pPr>
+          </a:lstStyle>
+          <a:p>
+            <a:r>
+              <a:rPr lang="en-US" dirty="0"/>
+              <a:t>Title 8: ………………………………………</a:t>
+            </a:r>
+          </a:p>
+        </p:txBody>
+      </p:sp>
+      <p:sp>
+        <p:nvSpPr>
+          <p:cNvPr id="14" name="Content Placeholder 2">
+            <a:extLst>
+              <a:ext uri="{FF2B5EF4-FFF2-40B4-BE49-F238E27FC236}">
+                <a16:creationId xmlns:a16="http://schemas.microsoft.com/office/drawing/2014/main" id="{38375D86-D290-4003-A314-C916116C4238}"/>
+              </a:ext>
+            </a:extLst>
+          </p:cNvPr>
+          <p:cNvSpPr>
+            <a:spLocks noGrp="1"/>
+          </p:cNvSpPr>
+          <p:nvPr>
+            <p:ph sz="half" idx="1"/>
+          </p:nvPr>
+        </p:nvSpPr>
+        <p:spPr>
+          <a:xfrm>
+            <a:off x="595884" y="1533017"/>
+            <a:ext cx="3886200" cy="4351338"/>
+          </a:xfrm>
+          <a:prstGeom prst="rect">
+            <a:avLst/>
+          </a:prstGeom>
+        </p:spPr>
+        <p:txBody>
+          <a:bodyPr/>
+          <a:lstStyle>
+            <a:lvl1pPr>
+              <a:defRPr>
+                <a:latin typeface="Lato" panose="020F0502020204030203" pitchFamily="34" charset="0"/>
+                <a:ea typeface="Lato" panose="020F0502020204030203" pitchFamily="34" charset="0"/>
+                <a:cs typeface="Lato" panose="020F0502020204030203" pitchFamily="34" charset="0"/>
+              </a:defRPr>
+            </a:lvl1pPr>
+            <a:lvl2pPr>
+              <a:defRPr>
+                <a:latin typeface="Lato" panose="020F0502020204030203" pitchFamily="34" charset="0"/>
+                <a:ea typeface="Lato" panose="020F0502020204030203" pitchFamily="34" charset="0"/>
+                <a:cs typeface="Lato" panose="020F0502020204030203" pitchFamily="34" charset="0"/>
+              </a:defRPr>
+            </a:lvl2pPr>
+            <a:lvl3pPr>
+              <a:defRPr>
+                <a:latin typeface="Lato" panose="020F0502020204030203" pitchFamily="34" charset="0"/>
+                <a:ea typeface="Lato" panose="020F0502020204030203" pitchFamily="34" charset="0"/>
+                <a:cs typeface="Lato" panose="020F0502020204030203" pitchFamily="34" charset="0"/>
+              </a:defRPr>
+            </a:lvl3pPr>
+            <a:lvl4pPr>
+              <a:defRPr>
+                <a:latin typeface="Lato" panose="020F0502020204030203" pitchFamily="34" charset="0"/>
+                <a:ea typeface="Lato" panose="020F0502020204030203" pitchFamily="34" charset="0"/>
+                <a:cs typeface="Lato" panose="020F0502020204030203" pitchFamily="34" charset="0"/>
+              </a:defRPr>
+            </a:lvl4pPr>
+            <a:lvl5pPr>
+              <a:defRPr>
+                <a:latin typeface="Lato" panose="020F0502020204030203" pitchFamily="34" charset="0"/>
+                <a:ea typeface="Lato" panose="020F0502020204030203" pitchFamily="34" charset="0"/>
+                <a:cs typeface="Lato" panose="020F0502020204030203" pitchFamily="34" charset="0"/>
+              </a:defRPr>
+            </a:lvl5pPr>
+          </a:lstStyle>
+          <a:p>
+            <a:pPr lvl="0"/>
+            <a:r>
+              <a:rPr lang="en-US" dirty="0"/>
+              <a:t>Click to edit Master text styles</a:t>
+            </a:r>
+          </a:p>
+          <a:p>
+            <a:pPr lvl="1"/>
+            <a:r>
+              <a:rPr lang="en-US" dirty="0"/>
+              <a:t>Second level</a:t>
+            </a:r>
+          </a:p>
+          <a:p>
+            <a:pPr lvl="2"/>
+            <a:r>
+              <a:rPr lang="en-US" dirty="0"/>
+              <a:t>Third level</a:t>
+            </a:r>
+          </a:p>
+          <a:p>
+            <a:pPr lvl="3"/>
+            <a:r>
+              <a:rPr lang="en-US" dirty="0"/>
+              <a:t>Fourth level</a:t>
+            </a:r>
+          </a:p>
+          <a:p>
+            <a:pPr lvl="4"/>
+            <a:r>
+              <a:rPr lang="en-US" dirty="0"/>
+              <a:t>Fifth level</a:t>
+            </a:r>
+          </a:p>
+        </p:txBody>
+      </p:sp>
+      <p:sp>
+        <p:nvSpPr>
+          <p:cNvPr id="15" name="Content Placeholder 3">
+            <a:extLst>
+              <a:ext uri="{FF2B5EF4-FFF2-40B4-BE49-F238E27FC236}">
+                <a16:creationId xmlns:a16="http://schemas.microsoft.com/office/drawing/2014/main" id="{FB62406B-26DB-4A01-B048-1F2C7540F82F}"/>
+              </a:ext>
+            </a:extLst>
+          </p:cNvPr>
+          <p:cNvSpPr>
+            <a:spLocks noGrp="1"/>
+          </p:cNvSpPr>
+          <p:nvPr>
+            <p:ph sz="half" idx="2"/>
+          </p:nvPr>
+        </p:nvSpPr>
+        <p:spPr>
+          <a:xfrm>
+            <a:off x="4639056" y="1533017"/>
+            <a:ext cx="3886200" cy="4351338"/>
+          </a:xfrm>
+          <a:prstGeom prst="rect">
+            <a:avLst/>
+          </a:prstGeom>
+        </p:spPr>
+        <p:txBody>
+          <a:bodyPr/>
+          <a:lstStyle>
+            <a:lvl1pPr>
+              <a:defRPr>
+                <a:latin typeface="Lato" panose="020F0502020204030203" pitchFamily="34" charset="0"/>
+                <a:ea typeface="Lato" panose="020F0502020204030203" pitchFamily="34" charset="0"/>
+                <a:cs typeface="Lato" panose="020F0502020204030203" pitchFamily="34" charset="0"/>
+              </a:defRPr>
+            </a:lvl1pPr>
+            <a:lvl2pPr>
+              <a:defRPr>
+                <a:latin typeface="Lato" panose="020F0502020204030203" pitchFamily="34" charset="0"/>
+                <a:ea typeface="Lato" panose="020F0502020204030203" pitchFamily="34" charset="0"/>
+                <a:cs typeface="Lato" panose="020F0502020204030203" pitchFamily="34" charset="0"/>
+              </a:defRPr>
+            </a:lvl2pPr>
+            <a:lvl3pPr>
+              <a:defRPr>
+                <a:latin typeface="Lato" panose="020F0502020204030203" pitchFamily="34" charset="0"/>
+                <a:ea typeface="Lato" panose="020F0502020204030203" pitchFamily="34" charset="0"/>
+                <a:cs typeface="Lato" panose="020F0502020204030203" pitchFamily="34" charset="0"/>
+              </a:defRPr>
+            </a:lvl3pPr>
+            <a:lvl4pPr>
+              <a:defRPr>
+                <a:latin typeface="Lato" panose="020F0502020204030203" pitchFamily="34" charset="0"/>
+                <a:ea typeface="Lato" panose="020F0502020204030203" pitchFamily="34" charset="0"/>
+                <a:cs typeface="Lato" panose="020F0502020204030203" pitchFamily="34" charset="0"/>
+              </a:defRPr>
+            </a:lvl4pPr>
+            <a:lvl5pPr>
+              <a:defRPr>
+                <a:latin typeface="Lato" panose="020F0502020204030203" pitchFamily="34" charset="0"/>
+                <a:ea typeface="Lato" panose="020F0502020204030203" pitchFamily="34" charset="0"/>
+                <a:cs typeface="Lato" panose="020F0502020204030203" pitchFamily="34" charset="0"/>
+              </a:defRPr>
+            </a:lvl5pPr>
+          </a:lstStyle>
+          <a:p>
+            <a:pPr lvl="0"/>
+            <a:r>
+              <a:rPr lang="en-US" dirty="0"/>
+              <a:t>Click to edit Master text styles</a:t>
+            </a:r>
+          </a:p>
+          <a:p>
+            <a:pPr lvl="1"/>
+            <a:r>
+              <a:rPr lang="en-US" dirty="0"/>
+              <a:t>Second level</a:t>
+            </a:r>
+          </a:p>
+          <a:p>
+            <a:pPr lvl="2"/>
+            <a:r>
+              <a:rPr lang="en-US" dirty="0"/>
+              <a:t>Third level</a:t>
+            </a:r>
+          </a:p>
+          <a:p>
+            <a:pPr lvl="3"/>
+            <a:r>
+              <a:rPr lang="en-US" dirty="0"/>
+              <a:t>Fourth level</a:t>
+            </a:r>
+          </a:p>
+          <a:p>
+            <a:pPr lvl="4"/>
+            <a:r>
+              <a:rPr lang="en-US" dirty="0"/>
+              <a:t>Fifth level</a:t>
+            </a:r>
+          </a:p>
+        </p:txBody>
+      </p:sp>
+      <p:sp>
+        <p:nvSpPr>
+          <p:cNvPr id="16" name="Date Placeholder 3">
+            <a:extLst>
+              <a:ext uri="{FF2B5EF4-FFF2-40B4-BE49-F238E27FC236}">
+                <a16:creationId xmlns:a16="http://schemas.microsoft.com/office/drawing/2014/main" id="{A52862E5-D8E1-49BF-8D1B-BF0ED6579EA7}"/>
+              </a:ext>
+            </a:extLst>
+          </p:cNvPr>
+          <p:cNvSpPr>
+            <a:spLocks noGrp="1"/>
+          </p:cNvSpPr>
+          <p:nvPr>
+            <p:ph type="dt" sz="half" idx="10"/>
+          </p:nvPr>
+        </p:nvSpPr>
+        <p:spPr>
+          <a:xfrm>
+            <a:off x="628650" y="6565257"/>
+            <a:ext cx="2057400" cy="365125"/>
+          </a:xfrm>
+          <a:prstGeom prst="rect">
+            <a:avLst/>
+          </a:prstGeom>
+        </p:spPr>
+        <p:txBody>
+          <a:bodyPr/>
+          <a:lstStyle>
+            <a:lvl1pPr>
+              <a:defRPr sz="1200" b="1">
+                <a:solidFill>
+                  <a:srgbClr val="C00000"/>
+                </a:solidFill>
+                <a:latin typeface="Lato" panose="020F0502020204030203" pitchFamily="34" charset="0"/>
+                <a:ea typeface="Lato" panose="020F0502020204030203" pitchFamily="34" charset="0"/>
+                <a:cs typeface="Lato" panose="020F0502020204030203" pitchFamily="34" charset="0"/>
+              </a:defRPr>
+            </a:lvl1pPr>
+          </a:lstStyle>
+          <a:p>
+            <a:fld id="{F70EAA40-3A53-4A3D-924A-D38F1059C7D5}" type="datetime1">
+              <a:rPr lang="en-US" smtClean="0"/>
+              <a:pPr/>
+              <a:t>3/6/2025</a:t>
+            </a:fld>
+            <a:endParaRPr lang="en-US"/>
+          </a:p>
+        </p:txBody>
+      </p:sp>
+      <p:sp>
+        <p:nvSpPr>
+          <p:cNvPr id="17" name="Footer Placeholder 4">
+            <a:extLst>
+              <a:ext uri="{FF2B5EF4-FFF2-40B4-BE49-F238E27FC236}">
+                <a16:creationId xmlns:a16="http://schemas.microsoft.com/office/drawing/2014/main" id="{591AAF74-01FB-49A8-9375-959140F1D0E6}"/>
+              </a:ext>
+            </a:extLst>
+          </p:cNvPr>
+          <p:cNvSpPr>
+            <a:spLocks noGrp="1"/>
+          </p:cNvSpPr>
+          <p:nvPr>
+            <p:ph type="ftr" sz="quarter" idx="11"/>
+          </p:nvPr>
+        </p:nvSpPr>
+        <p:spPr>
+          <a:xfrm>
+            <a:off x="3028950" y="6565257"/>
+            <a:ext cx="3086100" cy="365125"/>
+          </a:xfrm>
+          <a:prstGeom prst="rect">
+            <a:avLst/>
+          </a:prstGeom>
+        </p:spPr>
+        <p:txBody>
+          <a:bodyPr/>
+          <a:lstStyle>
+            <a:lvl1pPr algn="ctr">
+              <a:defRPr sz="1200" b="1">
+                <a:solidFill>
+                  <a:srgbClr val="C00000"/>
+                </a:solidFill>
+                <a:latin typeface="Lato" panose="020F0502020204030203" pitchFamily="34" charset="0"/>
+                <a:ea typeface="Lato" panose="020F0502020204030203" pitchFamily="34" charset="0"/>
+                <a:cs typeface="Lato" panose="020F0502020204030203" pitchFamily="34" charset="0"/>
+              </a:defRPr>
+            </a:lvl1pPr>
+          </a:lstStyle>
+          <a:p>
+            <a:endParaRPr lang="en-US"/>
+          </a:p>
+        </p:txBody>
+      </p:sp>
+      <p:sp>
+        <p:nvSpPr>
+          <p:cNvPr id="18" name="Slide Number Placeholder 5">
+            <a:extLst>
+              <a:ext uri="{FF2B5EF4-FFF2-40B4-BE49-F238E27FC236}">
+                <a16:creationId xmlns:a16="http://schemas.microsoft.com/office/drawing/2014/main" id="{BBF4BC2F-980C-499D-A4B9-E7CD3D44754C}"/>
+              </a:ext>
+            </a:extLst>
+          </p:cNvPr>
+          <p:cNvSpPr>
+            <a:spLocks noGrp="1"/>
+          </p:cNvSpPr>
+          <p:nvPr>
+            <p:ph type="sldNum" sz="quarter" idx="12"/>
+          </p:nvPr>
+        </p:nvSpPr>
+        <p:spPr>
+          <a:xfrm>
+            <a:off x="6867383" y="6572126"/>
+            <a:ext cx="2057400" cy="365125"/>
+          </a:xfrm>
+          <a:prstGeom prst="rect">
+            <a:avLst/>
+          </a:prstGeom>
+        </p:spPr>
+        <p:txBody>
+          <a:bodyPr/>
+          <a:lstStyle>
+            <a:lvl1pPr algn="r">
+              <a:defRPr sz="1200" b="1">
+                <a:solidFill>
+                  <a:srgbClr val="C00000"/>
+                </a:solidFill>
+                <a:latin typeface="Lato" panose="020F0502020204030203" pitchFamily="34" charset="0"/>
+                <a:ea typeface="Lato" panose="020F0502020204030203" pitchFamily="34" charset="0"/>
+                <a:cs typeface="Lato" panose="020F0502020204030203" pitchFamily="34" charset="0"/>
+              </a:defRPr>
+            </a:lvl1pPr>
+          </a:lstStyle>
+          <a:p>
+            <a:fld id="{9EA0BE3B-158A-4EDF-80DC-E394A0D1600F}" type="slidenum">
+              <a:rPr lang="en-US" smtClean="0"/>
+              <a:pPr/>
+              <a:t>‹#›</a:t>
+            </a:fld>
+            <a:endParaRPr lang="en-US" dirty="0"/>
+          </a:p>
+        </p:txBody>
+      </p:sp>
+    </p:spTree>
+    <p:extLst>
+      <p:ext uri="{BB962C8B-B14F-4D97-AF65-F5344CB8AC3E}">
+        <p14:creationId xmlns:p14="http://schemas.microsoft.com/office/powerpoint/2010/main" val="1629018821"/>
+      </p:ext>
+    </p:extLst>
+  </p:cSld>
+  <p:clrMapOvr>
+    <a:masterClrMapping/>
+  </p:clrMapOvr>
+</p:sldLayout>
+</file>
+
 <file path=ppt/slideMasters/slideMaster1.xml><?xml version="1.0" encoding="utf-8"?>
 <p:sldMaster xmlns:a="http://schemas.openxmlformats.org/drawingml/2006/main" xmlns:r="http://schemas.openxmlformats.org/officeDocument/2006/relationships" xmlns:p="http://schemas.openxmlformats.org/presentationml/2006/main">
   <p:cSld>
     <p:bg>
       <p:bgPr>
         <a:blipFill dpi="0" rotWithShape="1">
-          <a:blip r:embed="rId14">
+          <a:blip r:embed="rId13">
             <a:lum/>
           </a:blip>
           <a:srcRect/>
@@ -4160,17 +4070,16 @@
   <p:clrMap bg1="lt1" tx1="dk1" bg2="lt2" tx2="dk2" accent1="accent1" accent2="accent2" accent3="accent3" accent4="accent4" accent5="accent5" accent6="accent6" hlink="hlink" folHlink="folHlink"/>
   <p:sldLayoutIdLst>
     <p:sldLayoutId id="2147483670" r:id="rId1"/>
-    <p:sldLayoutId id="2147483671" r:id="rId2"/>
-    <p:sldLayoutId id="2147483672" r:id="rId3"/>
-    <p:sldLayoutId id="2147483673" r:id="rId4"/>
-    <p:sldLayoutId id="2147483674" r:id="rId5"/>
-    <p:sldLayoutId id="2147483675" r:id="rId6"/>
-    <p:sldLayoutId id="2147483683" r:id="rId7"/>
-    <p:sldLayoutId id="2147483679" r:id="rId8"/>
-    <p:sldLayoutId id="2147483680" r:id="rId9"/>
-    <p:sldLayoutId id="2147483681" r:id="rId10"/>
-    <p:sldLayoutId id="2147483682" r:id="rId11"/>
-    <p:sldLayoutId id="2147483678" r:id="rId12"/>
+    <p:sldLayoutId id="2147483672" r:id="rId2"/>
+    <p:sldLayoutId id="2147483673" r:id="rId3"/>
+    <p:sldLayoutId id="2147483674" r:id="rId4"/>
+    <p:sldLayoutId id="2147483675" r:id="rId5"/>
+    <p:sldLayoutId id="2147483683" r:id="rId6"/>
+    <p:sldLayoutId id="2147483679" r:id="rId7"/>
+    <p:sldLayoutId id="2147483680" r:id="rId8"/>
+    <p:sldLayoutId id="2147483681" r:id="rId9"/>
+    <p:sldLayoutId id="2147483682" r:id="rId10"/>
+    <p:sldLayoutId id="2147483678" r:id="rId11"/>
   </p:sldLayoutIdLst>
   <p:hf hdr="0" ftr="0" dt="0"/>
   <p:txStyles>
@@ -4491,732 +4400,6 @@
   <p:cSld>
     <p:spTree>
       <p:nvGrpSpPr>
-        <p:cNvPr id="1" name=""/>
-        <p:cNvGrpSpPr/>
-        <p:nvPr/>
-      </p:nvGrpSpPr>
-      <p:grpSpPr>
-        <a:xfrm>
-          <a:off x="0" y="0"/>
-          <a:ext cx="0" cy="0"/>
-          <a:chOff x="0" y="0"/>
-          <a:chExt cx="0" cy="0"/>
-        </a:xfrm>
-      </p:grpSpPr>
-      <p:sp>
-        <p:nvSpPr>
-          <p:cNvPr id="5" name="Slide Number Placeholder 4">
-            <a:extLst>
-              <a:ext uri="{FF2B5EF4-FFF2-40B4-BE49-F238E27FC236}">
-                <a16:creationId xmlns:a16="http://schemas.microsoft.com/office/drawing/2014/main" id="{3776946D-AB92-4D05-97ED-4EDF0AB0FF55}"/>
-              </a:ext>
-            </a:extLst>
-          </p:cNvPr>
-          <p:cNvSpPr>
-            <a:spLocks noGrp="1"/>
-          </p:cNvSpPr>
-          <p:nvPr>
-            <p:ph type="sldNum" sz="quarter" idx="12"/>
-          </p:nvPr>
-        </p:nvSpPr>
-        <p:spPr>
-          <a:xfrm>
-            <a:off x="6867383" y="6492878"/>
-            <a:ext cx="2057400" cy="365125"/>
-          </a:xfrm>
-          <a:prstGeom prst="rect">
-            <a:avLst/>
-          </a:prstGeom>
-        </p:spPr>
-        <p:txBody>
-          <a:bodyPr/>
-          <a:lstStyle/>
-          <a:p>
-            <a:fld id="{9EA0BE3B-158A-4EDF-80DC-E394A0D1600F}" type="slidenum">
-              <a:rPr lang="en-US" smtClean="0"/>
-              <a:pPr/>
-              <a:t>10</a:t>
-            </a:fld>
-            <a:endParaRPr lang="en-US"/>
-          </a:p>
-        </p:txBody>
-      </p:sp>
-      <p:sp>
-        <p:nvSpPr>
-          <p:cNvPr id="2" name="Title 1">
-            <a:extLst>
-              <a:ext uri="{FF2B5EF4-FFF2-40B4-BE49-F238E27FC236}">
-                <a16:creationId xmlns:a16="http://schemas.microsoft.com/office/drawing/2014/main" id="{4FB6CB3A-046A-4C56-A02D-DBF672421CAF}"/>
-              </a:ext>
-            </a:extLst>
-          </p:cNvPr>
-          <p:cNvSpPr>
-            <a:spLocks noGrp="1"/>
-          </p:cNvSpPr>
-          <p:nvPr>
-            <p:ph type="title"/>
-          </p:nvPr>
-        </p:nvSpPr>
-        <p:spPr>
-          <a:xfrm>
-            <a:off x="254052" y="112543"/>
-            <a:ext cx="8635896" cy="436098"/>
-          </a:xfrm>
-          <a:prstGeom prst="rect">
-            <a:avLst/>
-          </a:prstGeom>
-        </p:spPr>
-        <p:txBody>
-          <a:bodyPr/>
-          <a:lstStyle/>
-          <a:p>
-            <a:r>
-              <a:rPr lang="en-US" dirty="0"/>
-              <a:t>NỀN  TẢNG TRAO ĐỔI DỰ ÁN</a:t>
-            </a:r>
-          </a:p>
-        </p:txBody>
-      </p:sp>
-      <p:sp>
-        <p:nvSpPr>
-          <p:cNvPr id="6" name="TextBox 5">
-            <a:extLst>
-              <a:ext uri="{FF2B5EF4-FFF2-40B4-BE49-F238E27FC236}">
-                <a16:creationId xmlns:a16="http://schemas.microsoft.com/office/drawing/2014/main" id="{16BAC2D2-0188-F110-76EC-5DE9B7A69E83}"/>
-              </a:ext>
-            </a:extLst>
-          </p:cNvPr>
-          <p:cNvSpPr txBox="1"/>
-          <p:nvPr/>
-        </p:nvSpPr>
-        <p:spPr>
-          <a:xfrm>
-            <a:off x="190831" y="1842011"/>
-            <a:ext cx="4230094" cy="3785652"/>
-          </a:xfrm>
-          <a:prstGeom prst="rect">
-            <a:avLst/>
-          </a:prstGeom>
-          <a:noFill/>
-          <a:ln>
-            <a:solidFill>
-              <a:schemeClr val="tx1"/>
-            </a:solidFill>
-          </a:ln>
-        </p:spPr>
-        <p:txBody>
-          <a:bodyPr wrap="square" rtlCol="0">
-            <a:spAutoFit/>
-          </a:bodyPr>
-          <a:lstStyle/>
-          <a:p>
-            <a:r>
-              <a:rPr lang="vi-VN" sz="2400" b="1" dirty="0">
-                <a:latin typeface="Lato" panose="020F0502020204030203" pitchFamily="34" charset="0"/>
-                <a:ea typeface="Lato" panose="020F0502020204030203" pitchFamily="34" charset="0"/>
-                <a:cs typeface="Lato" panose="020F0502020204030203" pitchFamily="34" charset="0"/>
-              </a:rPr>
-              <a:t>GitHub</a:t>
-            </a:r>
-            <a:r>
-              <a:rPr lang="vi-VN" sz="2400" dirty="0">
-                <a:latin typeface="Lato" panose="020F0502020204030203" pitchFamily="34" charset="0"/>
-                <a:ea typeface="Lato" panose="020F0502020204030203" pitchFamily="34" charset="0"/>
-                <a:cs typeface="Lato" panose="020F0502020204030203" pitchFamily="34" charset="0"/>
-              </a:rPr>
-              <a:t> là một nền tảng quản lý mã nguồn dựa trên Git, giúp các lập trình viên lưu trữ, theo dõi và cộng tác trên các dự án phần mềm</a:t>
-            </a:r>
-            <a:r>
-              <a:rPr lang="vi-VN" sz="2400" dirty="0"/>
-              <a:t>.</a:t>
-            </a:r>
-            <a:endParaRPr lang="en-US" sz="2400" dirty="0"/>
-          </a:p>
-          <a:p>
-            <a:r>
-              <a:rPr lang="en-US" sz="2400" dirty="0" err="1">
-                <a:latin typeface="Lato" panose="020F0502020204030203" pitchFamily="34" charset="0"/>
-                <a:ea typeface="Lato" panose="020F0502020204030203" pitchFamily="34" charset="0"/>
-                <a:cs typeface="Lato" panose="020F0502020204030203" pitchFamily="34" charset="0"/>
-              </a:rPr>
-              <a:t>Các</a:t>
-            </a:r>
-            <a:r>
-              <a:rPr lang="en-US" sz="2400" dirty="0">
-                <a:latin typeface="Lato" panose="020F0502020204030203" pitchFamily="34" charset="0"/>
-                <a:ea typeface="Lato" panose="020F0502020204030203" pitchFamily="34" charset="0"/>
-                <a:cs typeface="Lato" panose="020F0502020204030203" pitchFamily="34" charset="0"/>
-              </a:rPr>
-              <a:t> </a:t>
-            </a:r>
-            <a:r>
-              <a:rPr lang="en-US" sz="2400" dirty="0" err="1">
-                <a:latin typeface="Lato" panose="020F0502020204030203" pitchFamily="34" charset="0"/>
-                <a:ea typeface="Lato" panose="020F0502020204030203" pitchFamily="34" charset="0"/>
-                <a:cs typeface="Lato" panose="020F0502020204030203" pitchFamily="34" charset="0"/>
-              </a:rPr>
-              <a:t>chức</a:t>
-            </a:r>
-            <a:r>
-              <a:rPr lang="en-US" sz="2400" dirty="0">
-                <a:latin typeface="Lato" panose="020F0502020204030203" pitchFamily="34" charset="0"/>
-                <a:ea typeface="Lato" panose="020F0502020204030203" pitchFamily="34" charset="0"/>
-                <a:cs typeface="Lato" panose="020F0502020204030203" pitchFamily="34" charset="0"/>
-              </a:rPr>
-              <a:t> </a:t>
-            </a:r>
-            <a:r>
-              <a:rPr lang="en-US" sz="2400" dirty="0" err="1">
-                <a:latin typeface="Lato" panose="020F0502020204030203" pitchFamily="34" charset="0"/>
-                <a:ea typeface="Lato" panose="020F0502020204030203" pitchFamily="34" charset="0"/>
-                <a:cs typeface="Lato" panose="020F0502020204030203" pitchFamily="34" charset="0"/>
-              </a:rPr>
-              <a:t>năng</a:t>
-            </a:r>
-            <a:r>
-              <a:rPr lang="en-US" sz="2400" dirty="0">
-                <a:latin typeface="Lato" panose="020F0502020204030203" pitchFamily="34" charset="0"/>
-                <a:ea typeface="Lato" panose="020F0502020204030203" pitchFamily="34" charset="0"/>
-                <a:cs typeface="Lato" panose="020F0502020204030203" pitchFamily="34" charset="0"/>
-              </a:rPr>
-              <a:t> </a:t>
-            </a:r>
-            <a:r>
-              <a:rPr lang="en-US" sz="2400" dirty="0" err="1">
-                <a:latin typeface="Lato" panose="020F0502020204030203" pitchFamily="34" charset="0"/>
-                <a:ea typeface="Lato" panose="020F0502020204030203" pitchFamily="34" charset="0"/>
-                <a:cs typeface="Lato" panose="020F0502020204030203" pitchFamily="34" charset="0"/>
-              </a:rPr>
-              <a:t>chính</a:t>
-            </a:r>
-            <a:r>
-              <a:rPr lang="en-US" sz="2400" dirty="0">
-                <a:latin typeface="Lato" panose="020F0502020204030203" pitchFamily="34" charset="0"/>
-                <a:ea typeface="Lato" panose="020F0502020204030203" pitchFamily="34" charset="0"/>
-                <a:cs typeface="Lato" panose="020F0502020204030203" pitchFamily="34" charset="0"/>
-              </a:rPr>
-              <a:t>:</a:t>
-            </a:r>
-          </a:p>
-          <a:p>
-            <a:pPr marL="342900" indent="-342900">
-              <a:buFont typeface="Arial" panose="020B0604020202020204" pitchFamily="34" charset="0"/>
-              <a:buChar char="•"/>
-            </a:pPr>
-            <a:r>
-              <a:rPr lang="en-US" sz="2400" dirty="0" err="1">
-                <a:latin typeface="Lato" panose="020F0502020204030203" pitchFamily="34" charset="0"/>
-                <a:ea typeface="Lato" panose="020F0502020204030203" pitchFamily="34" charset="0"/>
-                <a:cs typeface="Lato" panose="020F0502020204030203" pitchFamily="34" charset="0"/>
-              </a:rPr>
-              <a:t>Lưu</a:t>
-            </a:r>
-            <a:r>
-              <a:rPr lang="en-US" sz="2400" dirty="0">
-                <a:latin typeface="Lato" panose="020F0502020204030203" pitchFamily="34" charset="0"/>
-                <a:ea typeface="Lato" panose="020F0502020204030203" pitchFamily="34" charset="0"/>
-                <a:cs typeface="Lato" panose="020F0502020204030203" pitchFamily="34" charset="0"/>
-              </a:rPr>
-              <a:t> </a:t>
-            </a:r>
-            <a:r>
-              <a:rPr lang="en-US" sz="2400" dirty="0" err="1">
-                <a:latin typeface="Lato" panose="020F0502020204030203" pitchFamily="34" charset="0"/>
-                <a:ea typeface="Lato" panose="020F0502020204030203" pitchFamily="34" charset="0"/>
-                <a:cs typeface="Lato" panose="020F0502020204030203" pitchFamily="34" charset="0"/>
-              </a:rPr>
-              <a:t>trữ</a:t>
-            </a:r>
-            <a:r>
-              <a:rPr lang="en-US" sz="2400" dirty="0">
-                <a:latin typeface="Lato" panose="020F0502020204030203" pitchFamily="34" charset="0"/>
-                <a:ea typeface="Lato" panose="020F0502020204030203" pitchFamily="34" charset="0"/>
-                <a:cs typeface="Lato" panose="020F0502020204030203" pitchFamily="34" charset="0"/>
-              </a:rPr>
-              <a:t>, </a:t>
-            </a:r>
-            <a:r>
-              <a:rPr lang="en-US" sz="2400" dirty="0" err="1">
-                <a:latin typeface="Lato" panose="020F0502020204030203" pitchFamily="34" charset="0"/>
-                <a:ea typeface="Lato" panose="020F0502020204030203" pitchFamily="34" charset="0"/>
-                <a:cs typeface="Lato" panose="020F0502020204030203" pitchFamily="34" charset="0"/>
-              </a:rPr>
-              <a:t>quản</a:t>
-            </a:r>
-            <a:r>
-              <a:rPr lang="en-US" sz="2400" dirty="0">
-                <a:latin typeface="Lato" panose="020F0502020204030203" pitchFamily="34" charset="0"/>
-                <a:ea typeface="Lato" panose="020F0502020204030203" pitchFamily="34" charset="0"/>
-                <a:cs typeface="Lato" panose="020F0502020204030203" pitchFamily="34" charset="0"/>
-              </a:rPr>
-              <a:t> </a:t>
-            </a:r>
-            <a:r>
-              <a:rPr lang="en-US" sz="2400" dirty="0" err="1">
-                <a:latin typeface="Lato" panose="020F0502020204030203" pitchFamily="34" charset="0"/>
-                <a:ea typeface="Lato" panose="020F0502020204030203" pitchFamily="34" charset="0"/>
-                <a:cs typeface="Lato" panose="020F0502020204030203" pitchFamily="34" charset="0"/>
-              </a:rPr>
-              <a:t>lí</a:t>
-            </a:r>
-            <a:r>
-              <a:rPr lang="en-US" sz="2400" dirty="0">
-                <a:latin typeface="Lato" panose="020F0502020204030203" pitchFamily="34" charset="0"/>
-                <a:ea typeface="Lato" panose="020F0502020204030203" pitchFamily="34" charset="0"/>
-                <a:cs typeface="Lato" panose="020F0502020204030203" pitchFamily="34" charset="0"/>
-              </a:rPr>
-              <a:t> </a:t>
-            </a:r>
-            <a:r>
-              <a:rPr lang="en-US" sz="2400" dirty="0" err="1">
-                <a:latin typeface="Lato" panose="020F0502020204030203" pitchFamily="34" charset="0"/>
-                <a:ea typeface="Lato" panose="020F0502020204030203" pitchFamily="34" charset="0"/>
-                <a:cs typeface="Lato" panose="020F0502020204030203" pitchFamily="34" charset="0"/>
-              </a:rPr>
-              <a:t>mã</a:t>
-            </a:r>
-            <a:r>
-              <a:rPr lang="en-US" sz="2400" dirty="0">
-                <a:latin typeface="Lato" panose="020F0502020204030203" pitchFamily="34" charset="0"/>
-                <a:ea typeface="Lato" panose="020F0502020204030203" pitchFamily="34" charset="0"/>
-                <a:cs typeface="Lato" panose="020F0502020204030203" pitchFamily="34" charset="0"/>
-              </a:rPr>
-              <a:t> </a:t>
-            </a:r>
-            <a:r>
-              <a:rPr lang="en-US" sz="2400" dirty="0" err="1">
-                <a:latin typeface="Lato" panose="020F0502020204030203" pitchFamily="34" charset="0"/>
-                <a:ea typeface="Lato" panose="020F0502020204030203" pitchFamily="34" charset="0"/>
-                <a:cs typeface="Lato" panose="020F0502020204030203" pitchFamily="34" charset="0"/>
-              </a:rPr>
-              <a:t>nguồn</a:t>
-            </a:r>
-            <a:endParaRPr lang="en-US" sz="2400" dirty="0">
-              <a:latin typeface="Lato" panose="020F0502020204030203" pitchFamily="34" charset="0"/>
-              <a:ea typeface="Lato" panose="020F0502020204030203" pitchFamily="34" charset="0"/>
-              <a:cs typeface="Lato" panose="020F0502020204030203" pitchFamily="34" charset="0"/>
-            </a:endParaRPr>
-          </a:p>
-          <a:p>
-            <a:r>
-              <a:rPr lang="en-US" sz="2400" dirty="0">
-                <a:latin typeface="Lato" panose="020F0502020204030203" pitchFamily="34" charset="0"/>
-                <a:ea typeface="Lato" panose="020F0502020204030203" pitchFamily="34" charset="0"/>
-                <a:cs typeface="Lato" panose="020F0502020204030203" pitchFamily="34" charset="0"/>
-              </a:rPr>
-              <a:t>( branch, merge )</a:t>
-            </a:r>
-          </a:p>
-          <a:p>
-            <a:pPr marL="342900" indent="-342900">
-              <a:buFont typeface="Arial" panose="020B0604020202020204" pitchFamily="34" charset="0"/>
-              <a:buChar char="•"/>
-            </a:pPr>
-            <a:r>
-              <a:rPr lang="en-US" sz="2400" dirty="0" err="1">
-                <a:latin typeface="Lato" panose="020F0502020204030203" pitchFamily="34" charset="0"/>
-                <a:ea typeface="Lato" panose="020F0502020204030203" pitchFamily="34" charset="0"/>
-                <a:cs typeface="Lato" panose="020F0502020204030203" pitchFamily="34" charset="0"/>
-              </a:rPr>
-              <a:t>Cộng</a:t>
-            </a:r>
-            <a:r>
-              <a:rPr lang="en-US" sz="2400" dirty="0">
-                <a:latin typeface="Lato" panose="020F0502020204030203" pitchFamily="34" charset="0"/>
-                <a:ea typeface="Lato" panose="020F0502020204030203" pitchFamily="34" charset="0"/>
-                <a:cs typeface="Lato" panose="020F0502020204030203" pitchFamily="34" charset="0"/>
-              </a:rPr>
-              <a:t> </a:t>
-            </a:r>
-            <a:r>
-              <a:rPr lang="en-US" sz="2400" dirty="0" err="1">
-                <a:latin typeface="Lato" panose="020F0502020204030203" pitchFamily="34" charset="0"/>
-                <a:ea typeface="Lato" panose="020F0502020204030203" pitchFamily="34" charset="0"/>
-                <a:cs typeface="Lato" panose="020F0502020204030203" pitchFamily="34" charset="0"/>
-              </a:rPr>
-              <a:t>tác</a:t>
-            </a:r>
-            <a:r>
-              <a:rPr lang="en-US" sz="2400" dirty="0">
-                <a:latin typeface="Lato" panose="020F0502020204030203" pitchFamily="34" charset="0"/>
-                <a:ea typeface="Lato" panose="020F0502020204030203" pitchFamily="34" charset="0"/>
-                <a:cs typeface="Lato" panose="020F0502020204030203" pitchFamily="34" charset="0"/>
-              </a:rPr>
-              <a:t> </a:t>
-            </a:r>
-            <a:r>
-              <a:rPr lang="en-US" sz="2400" dirty="0" err="1">
-                <a:latin typeface="Lato" panose="020F0502020204030203" pitchFamily="34" charset="0"/>
-                <a:ea typeface="Lato" panose="020F0502020204030203" pitchFamily="34" charset="0"/>
-                <a:cs typeface="Lato" panose="020F0502020204030203" pitchFamily="34" charset="0"/>
-              </a:rPr>
-              <a:t>nhóm</a:t>
-            </a:r>
-            <a:endParaRPr lang="en-US" sz="2400" dirty="0">
-              <a:latin typeface="Lato" panose="020F0502020204030203" pitchFamily="34" charset="0"/>
-              <a:ea typeface="Lato" panose="020F0502020204030203" pitchFamily="34" charset="0"/>
-              <a:cs typeface="Lato" panose="020F0502020204030203" pitchFamily="34" charset="0"/>
-            </a:endParaRPr>
-          </a:p>
-          <a:p>
-            <a:pPr marL="342900" indent="-342900">
-              <a:buFont typeface="Arial" panose="020B0604020202020204" pitchFamily="34" charset="0"/>
-              <a:buChar char="•"/>
-            </a:pPr>
-            <a:r>
-              <a:rPr lang="en-US" sz="2400" dirty="0" err="1">
-                <a:latin typeface="Lato" panose="020F0502020204030203" pitchFamily="34" charset="0"/>
-                <a:ea typeface="Lato" panose="020F0502020204030203" pitchFamily="34" charset="0"/>
-                <a:cs typeface="Lato" panose="020F0502020204030203" pitchFamily="34" charset="0"/>
-              </a:rPr>
-              <a:t>Quản</a:t>
-            </a:r>
-            <a:r>
-              <a:rPr lang="en-US" sz="2400" dirty="0">
-                <a:latin typeface="Lato" panose="020F0502020204030203" pitchFamily="34" charset="0"/>
-                <a:ea typeface="Lato" panose="020F0502020204030203" pitchFamily="34" charset="0"/>
-                <a:cs typeface="Lato" panose="020F0502020204030203" pitchFamily="34" charset="0"/>
-              </a:rPr>
-              <a:t> </a:t>
-            </a:r>
-            <a:r>
-              <a:rPr lang="en-US" sz="2400" dirty="0" err="1">
-                <a:latin typeface="Lato" panose="020F0502020204030203" pitchFamily="34" charset="0"/>
-                <a:ea typeface="Lato" panose="020F0502020204030203" pitchFamily="34" charset="0"/>
-                <a:cs typeface="Lato" panose="020F0502020204030203" pitchFamily="34" charset="0"/>
-              </a:rPr>
-              <a:t>lí</a:t>
-            </a:r>
-            <a:r>
-              <a:rPr lang="en-US" sz="2400" dirty="0">
-                <a:latin typeface="Lato" panose="020F0502020204030203" pitchFamily="34" charset="0"/>
-                <a:ea typeface="Lato" panose="020F0502020204030203" pitchFamily="34" charset="0"/>
-                <a:cs typeface="Lato" panose="020F0502020204030203" pitchFamily="34" charset="0"/>
-              </a:rPr>
-              <a:t> </a:t>
-            </a:r>
-            <a:r>
-              <a:rPr lang="en-US" sz="2400" dirty="0" err="1">
-                <a:latin typeface="Lato" panose="020F0502020204030203" pitchFamily="34" charset="0"/>
-                <a:ea typeface="Lato" panose="020F0502020204030203" pitchFamily="34" charset="0"/>
-                <a:cs typeface="Lato" panose="020F0502020204030203" pitchFamily="34" charset="0"/>
-              </a:rPr>
-              <a:t>phiên</a:t>
-            </a:r>
-            <a:r>
-              <a:rPr lang="en-US" sz="2400" dirty="0">
-                <a:latin typeface="Lato" panose="020F0502020204030203" pitchFamily="34" charset="0"/>
-                <a:ea typeface="Lato" panose="020F0502020204030203" pitchFamily="34" charset="0"/>
-                <a:cs typeface="Lato" panose="020F0502020204030203" pitchFamily="34" charset="0"/>
-              </a:rPr>
-              <a:t> </a:t>
-            </a:r>
-            <a:r>
-              <a:rPr lang="en-US" sz="2400" dirty="0" err="1">
-                <a:latin typeface="Lato" panose="020F0502020204030203" pitchFamily="34" charset="0"/>
-                <a:ea typeface="Lato" panose="020F0502020204030203" pitchFamily="34" charset="0"/>
-                <a:cs typeface="Lato" panose="020F0502020204030203" pitchFamily="34" charset="0"/>
-              </a:rPr>
-              <a:t>bản</a:t>
-            </a:r>
-            <a:endParaRPr lang="en-US" sz="2400" dirty="0">
-              <a:latin typeface="Lato" panose="020F0502020204030203" pitchFamily="34" charset="0"/>
-              <a:ea typeface="Lato" panose="020F0502020204030203" pitchFamily="34" charset="0"/>
-              <a:cs typeface="Lato" panose="020F0502020204030203" pitchFamily="34" charset="0"/>
-            </a:endParaRPr>
-          </a:p>
-        </p:txBody>
-      </p:sp>
-      <p:pic>
-        <p:nvPicPr>
-          <p:cNvPr id="1026" name="Picture 2" descr="Why you should start using GitHub Right now? | by Sourav Kumar Nanda |  codeburst">
-            <a:extLst>
-              <a:ext uri="{FF2B5EF4-FFF2-40B4-BE49-F238E27FC236}">
-                <a16:creationId xmlns:a16="http://schemas.microsoft.com/office/drawing/2014/main" id="{E9F041EF-E357-E90D-5EBB-68D7C6ED583E}"/>
-              </a:ext>
-            </a:extLst>
-          </p:cNvPr>
-          <p:cNvPicPr>
-            <a:picLocks noChangeAspect="1" noChangeArrowheads="1"/>
-          </p:cNvPicPr>
-          <p:nvPr/>
-        </p:nvPicPr>
-        <p:blipFill>
-          <a:blip r:embed="rId2">
-            <a:extLst>
-              <a:ext uri="{28A0092B-C50C-407E-A947-70E740481C1C}">
-                <a14:useLocalDpi xmlns:a14="http://schemas.microsoft.com/office/drawing/2010/main" val="0"/>
-              </a:ext>
-            </a:extLst>
-          </a:blip>
-          <a:srcRect/>
-          <a:stretch>
-            <a:fillRect/>
-          </a:stretch>
-        </p:blipFill>
-        <p:spPr bwMode="auto">
-          <a:xfrm>
-            <a:off x="4723077" y="2544417"/>
-            <a:ext cx="4083844" cy="2353585"/>
-          </a:xfrm>
-          <a:prstGeom prst="rect">
-            <a:avLst/>
-          </a:prstGeom>
-          <a:noFill/>
-          <a:extLst>
-            <a:ext uri="{909E8E84-426E-40DD-AFC4-6F175D3DCCD1}">
-              <a14:hiddenFill xmlns:a14="http://schemas.microsoft.com/office/drawing/2010/main">
-                <a:solidFill>
-                  <a:srgbClr val="FFFFFF"/>
-                </a:solidFill>
-              </a14:hiddenFill>
-            </a:ext>
-          </a:extLst>
-        </p:spPr>
-      </p:pic>
-      <p:sp>
-        <p:nvSpPr>
-          <p:cNvPr id="7" name="Chart Placeholder 2">
-            <a:extLst>
-              <a:ext uri="{FF2B5EF4-FFF2-40B4-BE49-F238E27FC236}">
-                <a16:creationId xmlns:a16="http://schemas.microsoft.com/office/drawing/2014/main" id="{190A5F72-E0D9-2191-9AA6-7A9F2BE412CB}"/>
-              </a:ext>
-            </a:extLst>
-          </p:cNvPr>
-          <p:cNvSpPr txBox="1">
-            <a:spLocks/>
-          </p:cNvSpPr>
-          <p:nvPr/>
-        </p:nvSpPr>
-        <p:spPr>
-          <a:xfrm>
-            <a:off x="190832" y="1329784"/>
-            <a:ext cx="1582309" cy="512227"/>
-          </a:xfrm>
-          <a:prstGeom prst="rect">
-            <a:avLst/>
-          </a:prstGeom>
-          <a:solidFill>
-            <a:srgbClr val="C00000"/>
-          </a:solidFill>
-          <a:ln w="28575"/>
-        </p:spPr>
-        <p:style>
-          <a:lnRef idx="2">
-            <a:schemeClr val="dk1"/>
-          </a:lnRef>
-          <a:fillRef idx="1">
-            <a:schemeClr val="lt1"/>
-          </a:fillRef>
-          <a:effectRef idx="0">
-            <a:schemeClr val="dk1"/>
-          </a:effectRef>
-          <a:fontRef idx="minor">
-            <a:schemeClr val="dk1"/>
-          </a:fontRef>
-        </p:style>
-        <p:txBody>
-          <a:bodyPr anchor="b"/>
-          <a:lstStyle>
-            <a:defPPr>
-              <a:defRPr lang="en-US"/>
-            </a:defPPr>
-            <a:lvl1pPr marL="228600" indent="-228600" algn="l" defTabSz="914400" rtl="0" eaLnBrk="1" latinLnBrk="0" hangingPunct="1">
-              <a:lnSpc>
-                <a:spcPct val="90000"/>
-              </a:lnSpc>
-              <a:spcBef>
-                <a:spcPts val="1000"/>
-              </a:spcBef>
-              <a:buFont typeface="Arial" panose="020B0604020202020204" pitchFamily="34" charset="0"/>
-              <a:buChar char="•"/>
-              <a:defRPr sz="2800" kern="1200">
-                <a:solidFill>
-                  <a:schemeClr val="tx1"/>
-                </a:solidFill>
-                <a:latin typeface="Lato" panose="020F0502020204030203" pitchFamily="34" charset="0"/>
-                <a:ea typeface="Lato" panose="020F0502020204030203" pitchFamily="34" charset="0"/>
-                <a:cs typeface="Lato" panose="020F0502020204030203" pitchFamily="34" charset="0"/>
-              </a:defRPr>
-            </a:lvl1pPr>
-            <a:lvl2pPr marL="685800" indent="-228600" algn="l" defTabSz="914400" rtl="0" eaLnBrk="1" latinLnBrk="0" hangingPunct="1">
-              <a:lnSpc>
-                <a:spcPct val="90000"/>
-              </a:lnSpc>
-              <a:spcBef>
-                <a:spcPts val="500"/>
-              </a:spcBef>
-              <a:buFont typeface="Arial" panose="020B0604020202020204" pitchFamily="34" charset="0"/>
-              <a:buChar char="•"/>
-              <a:defRPr sz="2400" kern="1200">
-                <a:solidFill>
-                  <a:schemeClr val="tx1"/>
-                </a:solidFill>
-                <a:latin typeface="+mn-lt"/>
-                <a:ea typeface="+mn-ea"/>
-                <a:cs typeface="+mn-cs"/>
-              </a:defRPr>
-            </a:lvl2pPr>
-            <a:lvl3pPr marL="1143000" indent="-228600" algn="l" defTabSz="914400" rtl="0" eaLnBrk="1" latinLnBrk="0" hangingPunct="1">
-              <a:lnSpc>
-                <a:spcPct val="90000"/>
-              </a:lnSpc>
-              <a:spcBef>
-                <a:spcPts val="500"/>
-              </a:spcBef>
-              <a:buFont typeface="Arial" panose="020B0604020202020204" pitchFamily="34" charset="0"/>
-              <a:buChar char="•"/>
-              <a:defRPr sz="2000" kern="1200">
-                <a:solidFill>
-                  <a:schemeClr val="tx1"/>
-                </a:solidFill>
-                <a:latin typeface="+mn-lt"/>
-                <a:ea typeface="+mn-ea"/>
-                <a:cs typeface="+mn-cs"/>
-              </a:defRPr>
-            </a:lvl3pPr>
-            <a:lvl4pPr marL="1600200" indent="-228600" algn="l" defTabSz="914400" rtl="0" eaLnBrk="1" latinLnBrk="0" hangingPunct="1">
-              <a:lnSpc>
-                <a:spcPct val="90000"/>
-              </a:lnSpc>
-              <a:spcBef>
-                <a:spcPts val="500"/>
-              </a:spcBef>
-              <a:buFont typeface="Arial" panose="020B0604020202020204" pitchFamily="34" charset="0"/>
-              <a:buChar char="•"/>
-              <a:defRPr sz="1800" kern="1200">
-                <a:solidFill>
-                  <a:schemeClr val="tx1"/>
-                </a:solidFill>
-                <a:latin typeface="+mn-lt"/>
-                <a:ea typeface="+mn-ea"/>
-                <a:cs typeface="+mn-cs"/>
-              </a:defRPr>
-            </a:lvl4pPr>
-            <a:lvl5pPr marL="2057400" indent="-228600" algn="l" defTabSz="914400" rtl="0" eaLnBrk="1" latinLnBrk="0" hangingPunct="1">
-              <a:lnSpc>
-                <a:spcPct val="90000"/>
-              </a:lnSpc>
-              <a:spcBef>
-                <a:spcPts val="500"/>
-              </a:spcBef>
-              <a:buFont typeface="Arial" panose="020B0604020202020204" pitchFamily="34" charset="0"/>
-              <a:buChar char="•"/>
-              <a:defRPr sz="1800" kern="1200">
-                <a:solidFill>
-                  <a:schemeClr val="tx1"/>
-                </a:solidFill>
-                <a:latin typeface="+mn-lt"/>
-                <a:ea typeface="+mn-ea"/>
-                <a:cs typeface="+mn-cs"/>
-              </a:defRPr>
-            </a:lvl5pPr>
-            <a:lvl6pPr marL="2514600" indent="-228600" algn="l" defTabSz="914400" rtl="0" eaLnBrk="1" latinLnBrk="0" hangingPunct="1">
-              <a:lnSpc>
-                <a:spcPct val="90000"/>
-              </a:lnSpc>
-              <a:spcBef>
-                <a:spcPts val="500"/>
-              </a:spcBef>
-              <a:buFont typeface="Arial" panose="020B0604020202020204" pitchFamily="34" charset="0"/>
-              <a:buChar char="•"/>
-              <a:defRPr sz="1800" kern="1200">
-                <a:solidFill>
-                  <a:schemeClr val="tx1"/>
-                </a:solidFill>
-                <a:latin typeface="+mn-lt"/>
-                <a:ea typeface="+mn-ea"/>
-                <a:cs typeface="+mn-cs"/>
-              </a:defRPr>
-            </a:lvl6pPr>
-            <a:lvl7pPr marL="2971800" indent="-228600" algn="l" defTabSz="914400" rtl="0" eaLnBrk="1" latinLnBrk="0" hangingPunct="1">
-              <a:lnSpc>
-                <a:spcPct val="90000"/>
-              </a:lnSpc>
-              <a:spcBef>
-                <a:spcPts val="500"/>
-              </a:spcBef>
-              <a:buFont typeface="Arial" panose="020B0604020202020204" pitchFamily="34" charset="0"/>
-              <a:buChar char="•"/>
-              <a:defRPr sz="1800" kern="1200">
-                <a:solidFill>
-                  <a:schemeClr val="tx1"/>
-                </a:solidFill>
-                <a:latin typeface="+mn-lt"/>
-                <a:ea typeface="+mn-ea"/>
-                <a:cs typeface="+mn-cs"/>
-              </a:defRPr>
-            </a:lvl7pPr>
-            <a:lvl8pPr marL="3429000" indent="-228600" algn="l" defTabSz="914400" rtl="0" eaLnBrk="1" latinLnBrk="0" hangingPunct="1">
-              <a:lnSpc>
-                <a:spcPct val="90000"/>
-              </a:lnSpc>
-              <a:spcBef>
-                <a:spcPts val="500"/>
-              </a:spcBef>
-              <a:buFont typeface="Arial" panose="020B0604020202020204" pitchFamily="34" charset="0"/>
-              <a:buChar char="•"/>
-              <a:defRPr sz="1800" kern="1200">
-                <a:solidFill>
-                  <a:schemeClr val="tx1"/>
-                </a:solidFill>
-                <a:latin typeface="+mn-lt"/>
-                <a:ea typeface="+mn-ea"/>
-                <a:cs typeface="+mn-cs"/>
-              </a:defRPr>
-            </a:lvl8pPr>
-            <a:lvl9pPr marL="3886200" indent="-228600" algn="l" defTabSz="914400" rtl="0" eaLnBrk="1" latinLnBrk="0" hangingPunct="1">
-              <a:lnSpc>
-                <a:spcPct val="90000"/>
-              </a:lnSpc>
-              <a:spcBef>
-                <a:spcPts val="500"/>
-              </a:spcBef>
-              <a:buFont typeface="Arial" panose="020B0604020202020204" pitchFamily="34" charset="0"/>
-              <a:buChar char="•"/>
-              <a:defRPr sz="1800" kern="1200">
-                <a:solidFill>
-                  <a:schemeClr val="tx1"/>
-                </a:solidFill>
-                <a:latin typeface="+mn-lt"/>
-                <a:ea typeface="+mn-ea"/>
-                <a:cs typeface="+mn-cs"/>
-              </a:defRPr>
-            </a:lvl9pPr>
-          </a:lstStyle>
-          <a:p>
-            <a:pPr marL="0" indent="0" algn="ctr">
-              <a:buNone/>
-            </a:pPr>
-            <a:r>
-              <a:rPr lang="en-US" b="1" dirty="0">
-                <a:solidFill>
-                  <a:schemeClr val="bg1"/>
-                </a:solidFill>
-              </a:rPr>
-              <a:t>GitHub</a:t>
-            </a:r>
-          </a:p>
-        </p:txBody>
-      </p:sp>
-    </p:spTree>
-    <p:extLst>
-      <p:ext uri="{BB962C8B-B14F-4D97-AF65-F5344CB8AC3E}">
-        <p14:creationId xmlns:p14="http://schemas.microsoft.com/office/powerpoint/2010/main" val="64084651"/>
-      </p:ext>
-    </p:extLst>
-  </p:cSld>
-  <p:clrMapOvr>
-    <a:masterClrMapping/>
-  </p:clrMapOvr>
-</p:sld>
-</file>
-
-<file path=ppt/slides/slide11.xml><?xml version="1.0" encoding="utf-8"?>
-<p:sld xmlns:a="http://schemas.openxmlformats.org/drawingml/2006/main" xmlns:r="http://schemas.openxmlformats.org/officeDocument/2006/relationships" xmlns:p="http://schemas.openxmlformats.org/presentationml/2006/main">
-  <p:cSld>
-    <p:spTree>
-      <p:nvGrpSpPr>
         <p:cNvPr id="1" name="">
           <a:extLst>
             <a:ext uri="{FF2B5EF4-FFF2-40B4-BE49-F238E27FC236}">
@@ -5267,7 +4450,7 @@
             <a:fld id="{9EA0BE3B-158A-4EDF-80DC-E394A0D1600F}" type="slidenum">
               <a:rPr lang="en-US" smtClean="0"/>
               <a:pPr/>
-              <a:t>11</a:t>
+              <a:t>10</a:t>
             </a:fld>
             <a:endParaRPr lang="en-US"/>
           </a:p>
@@ -5324,7 +4507,7 @@
         <p:spPr>
           <a:xfrm>
             <a:off x="190831" y="1842011"/>
-            <a:ext cx="3729162" cy="3785652"/>
+            <a:ext cx="3729162" cy="4154984"/>
           </a:xfrm>
           <a:prstGeom prst="rect">
             <a:avLst/>
@@ -5343,373 +4526,732 @@
           <a:lstStyle/>
           <a:p>
             <a:r>
-              <a:rPr lang="en-US" sz="2400" b="1" dirty="0"/>
+              <a:rPr lang="en-US" sz="2400" b="1" dirty="0">
+                <a:latin typeface="Lato" panose="020F0502020204030203" pitchFamily="34" charset="0"/>
+                <a:ea typeface="Lato" panose="020F0502020204030203" pitchFamily="34" charset="0"/>
+                <a:cs typeface="Lato" panose="020F0502020204030203" pitchFamily="34" charset="0"/>
+              </a:rPr>
               <a:t>Vs Code </a:t>
             </a:r>
             <a:r>
-              <a:rPr lang="en-US" sz="2400" dirty="0" err="1"/>
+              <a:rPr lang="en-US" sz="2400" dirty="0" err="1">
+                <a:latin typeface="Lato" panose="020F0502020204030203" pitchFamily="34" charset="0"/>
+                <a:ea typeface="Lato" panose="020F0502020204030203" pitchFamily="34" charset="0"/>
+                <a:cs typeface="Lato" panose="020F0502020204030203" pitchFamily="34" charset="0"/>
+              </a:rPr>
               <a:t>là</a:t>
             </a:r>
             <a:r>
-              <a:rPr lang="en-US" sz="2400" dirty="0"/>
-              <a:t> </a:t>
-            </a:r>
-            <a:r>
-              <a:rPr lang="en-US" sz="2400" dirty="0" err="1"/>
+              <a:rPr lang="en-US" sz="2400" dirty="0">
+                <a:latin typeface="Lato" panose="020F0502020204030203" pitchFamily="34" charset="0"/>
+                <a:ea typeface="Lato" panose="020F0502020204030203" pitchFamily="34" charset="0"/>
+                <a:cs typeface="Lato" panose="020F0502020204030203" pitchFamily="34" charset="0"/>
+              </a:rPr>
+              <a:t> </a:t>
+            </a:r>
+            <a:r>
+              <a:rPr lang="en-US" sz="2400" dirty="0" err="1">
+                <a:latin typeface="Lato" panose="020F0502020204030203" pitchFamily="34" charset="0"/>
+                <a:ea typeface="Lato" panose="020F0502020204030203" pitchFamily="34" charset="0"/>
+                <a:cs typeface="Lato" panose="020F0502020204030203" pitchFamily="34" charset="0"/>
+              </a:rPr>
               <a:t>một</a:t>
             </a:r>
             <a:r>
-              <a:rPr lang="en-US" sz="2400" dirty="0"/>
-              <a:t> </a:t>
-            </a:r>
-            <a:r>
-              <a:rPr lang="en-US" sz="2400" dirty="0" err="1"/>
+              <a:rPr lang="en-US" sz="2400" dirty="0">
+                <a:latin typeface="Lato" panose="020F0502020204030203" pitchFamily="34" charset="0"/>
+                <a:ea typeface="Lato" panose="020F0502020204030203" pitchFamily="34" charset="0"/>
+                <a:cs typeface="Lato" panose="020F0502020204030203" pitchFamily="34" charset="0"/>
+              </a:rPr>
+              <a:t> </a:t>
+            </a:r>
+            <a:r>
+              <a:rPr lang="en-US" sz="2400" dirty="0" err="1">
+                <a:latin typeface="Lato" panose="020F0502020204030203" pitchFamily="34" charset="0"/>
+                <a:ea typeface="Lato" panose="020F0502020204030203" pitchFamily="34" charset="0"/>
+                <a:cs typeface="Lato" panose="020F0502020204030203" pitchFamily="34" charset="0"/>
+              </a:rPr>
               <a:t>công</a:t>
             </a:r>
             <a:r>
-              <a:rPr lang="en-US" sz="2400" dirty="0"/>
-              <a:t> </a:t>
-            </a:r>
-            <a:r>
-              <a:rPr lang="en-US" sz="2400" dirty="0" err="1"/>
+              <a:rPr lang="en-US" sz="2400" dirty="0">
+                <a:latin typeface="Lato" panose="020F0502020204030203" pitchFamily="34" charset="0"/>
+                <a:ea typeface="Lato" panose="020F0502020204030203" pitchFamily="34" charset="0"/>
+                <a:cs typeface="Lato" panose="020F0502020204030203" pitchFamily="34" charset="0"/>
+              </a:rPr>
+              <a:t> </a:t>
+            </a:r>
+            <a:r>
+              <a:rPr lang="en-US" sz="2400" dirty="0" err="1">
+                <a:latin typeface="Lato" panose="020F0502020204030203" pitchFamily="34" charset="0"/>
+                <a:ea typeface="Lato" panose="020F0502020204030203" pitchFamily="34" charset="0"/>
+                <a:cs typeface="Lato" panose="020F0502020204030203" pitchFamily="34" charset="0"/>
+              </a:rPr>
               <a:t>cụ</a:t>
             </a:r>
             <a:r>
-              <a:rPr lang="en-US" sz="2400" dirty="0"/>
-              <a:t> </a:t>
-            </a:r>
-            <a:r>
-              <a:rPr lang="en-US" sz="2400" dirty="0" err="1"/>
+              <a:rPr lang="en-US" sz="2400" dirty="0">
+                <a:latin typeface="Lato" panose="020F0502020204030203" pitchFamily="34" charset="0"/>
+                <a:ea typeface="Lato" panose="020F0502020204030203" pitchFamily="34" charset="0"/>
+                <a:cs typeface="Lato" panose="020F0502020204030203" pitchFamily="34" charset="0"/>
+              </a:rPr>
+              <a:t> </a:t>
+            </a:r>
+            <a:r>
+              <a:rPr lang="en-US" sz="2400" dirty="0" err="1">
+                <a:latin typeface="Lato" panose="020F0502020204030203" pitchFamily="34" charset="0"/>
+                <a:ea typeface="Lato" panose="020F0502020204030203" pitchFamily="34" charset="0"/>
+                <a:cs typeface="Lato" panose="020F0502020204030203" pitchFamily="34" charset="0"/>
+              </a:rPr>
               <a:t>mạnh</a:t>
             </a:r>
             <a:r>
-              <a:rPr lang="en-US" sz="2400" dirty="0"/>
-              <a:t> </a:t>
-            </a:r>
-            <a:r>
-              <a:rPr lang="en-US" sz="2400" dirty="0" err="1"/>
+              <a:rPr lang="en-US" sz="2400" dirty="0">
+                <a:latin typeface="Lato" panose="020F0502020204030203" pitchFamily="34" charset="0"/>
+                <a:ea typeface="Lato" panose="020F0502020204030203" pitchFamily="34" charset="0"/>
+                <a:cs typeface="Lato" panose="020F0502020204030203" pitchFamily="34" charset="0"/>
+              </a:rPr>
+              <a:t> </a:t>
+            </a:r>
+            <a:r>
+              <a:rPr lang="en-US" sz="2400" dirty="0" err="1">
+                <a:latin typeface="Lato" panose="020F0502020204030203" pitchFamily="34" charset="0"/>
+                <a:ea typeface="Lato" panose="020F0502020204030203" pitchFamily="34" charset="0"/>
+                <a:cs typeface="Lato" panose="020F0502020204030203" pitchFamily="34" charset="0"/>
+              </a:rPr>
               <a:t>mẽ</a:t>
             </a:r>
             <a:r>
-              <a:rPr lang="en-US" sz="2400" dirty="0"/>
-              <a:t> </a:t>
-            </a:r>
-            <a:r>
-              <a:rPr lang="en-US" sz="2400" dirty="0" err="1"/>
+              <a:rPr lang="en-US" sz="2400" dirty="0">
+                <a:latin typeface="Lato" panose="020F0502020204030203" pitchFamily="34" charset="0"/>
+                <a:ea typeface="Lato" panose="020F0502020204030203" pitchFamily="34" charset="0"/>
+                <a:cs typeface="Lato" panose="020F0502020204030203" pitchFamily="34" charset="0"/>
+              </a:rPr>
+              <a:t> </a:t>
+            </a:r>
+            <a:r>
+              <a:rPr lang="en-US" sz="2400" dirty="0" err="1">
+                <a:latin typeface="Lato" panose="020F0502020204030203" pitchFamily="34" charset="0"/>
+                <a:ea typeface="Lato" panose="020F0502020204030203" pitchFamily="34" charset="0"/>
+                <a:cs typeface="Lato" panose="020F0502020204030203" pitchFamily="34" charset="0"/>
+              </a:rPr>
               <a:t>và</a:t>
             </a:r>
             <a:r>
-              <a:rPr lang="en-US" sz="2400" dirty="0"/>
-              <a:t> </a:t>
-            </a:r>
-            <a:r>
-              <a:rPr lang="en-US" sz="2400" dirty="0" err="1"/>
+              <a:rPr lang="en-US" sz="2400" dirty="0">
+                <a:latin typeface="Lato" panose="020F0502020204030203" pitchFamily="34" charset="0"/>
+                <a:ea typeface="Lato" panose="020F0502020204030203" pitchFamily="34" charset="0"/>
+                <a:cs typeface="Lato" panose="020F0502020204030203" pitchFamily="34" charset="0"/>
+              </a:rPr>
+              <a:t> </a:t>
+            </a:r>
+            <a:r>
+              <a:rPr lang="en-US" sz="2400" dirty="0" err="1">
+                <a:latin typeface="Lato" panose="020F0502020204030203" pitchFamily="34" charset="0"/>
+                <a:ea typeface="Lato" panose="020F0502020204030203" pitchFamily="34" charset="0"/>
+                <a:cs typeface="Lato" panose="020F0502020204030203" pitchFamily="34" charset="0"/>
+              </a:rPr>
               <a:t>linh</a:t>
             </a:r>
             <a:r>
-              <a:rPr lang="en-US" sz="2400" dirty="0"/>
-              <a:t> </a:t>
-            </a:r>
-            <a:r>
-              <a:rPr lang="en-US" sz="2400" dirty="0" err="1"/>
+              <a:rPr lang="en-US" sz="2400" dirty="0">
+                <a:latin typeface="Lato" panose="020F0502020204030203" pitchFamily="34" charset="0"/>
+                <a:ea typeface="Lato" panose="020F0502020204030203" pitchFamily="34" charset="0"/>
+                <a:cs typeface="Lato" panose="020F0502020204030203" pitchFamily="34" charset="0"/>
+              </a:rPr>
+              <a:t> </a:t>
+            </a:r>
+            <a:r>
+              <a:rPr lang="en-US" sz="2400" dirty="0" err="1">
+                <a:latin typeface="Lato" panose="020F0502020204030203" pitchFamily="34" charset="0"/>
+                <a:ea typeface="Lato" panose="020F0502020204030203" pitchFamily="34" charset="0"/>
+                <a:cs typeface="Lato" panose="020F0502020204030203" pitchFamily="34" charset="0"/>
+              </a:rPr>
               <a:t>hoạt</a:t>
             </a:r>
             <a:r>
-              <a:rPr lang="en-US" sz="2400" dirty="0"/>
+              <a:rPr lang="en-US" sz="2400" dirty="0">
+                <a:latin typeface="Lato" panose="020F0502020204030203" pitchFamily="34" charset="0"/>
+                <a:ea typeface="Lato" panose="020F0502020204030203" pitchFamily="34" charset="0"/>
+                <a:cs typeface="Lato" panose="020F0502020204030203" pitchFamily="34" charset="0"/>
+              </a:rPr>
               <a:t>, </a:t>
             </a:r>
             <a:r>
-              <a:rPr lang="en-US" sz="2400" dirty="0" err="1"/>
+              <a:rPr lang="en-US" sz="2400" dirty="0" err="1">
+                <a:latin typeface="Lato" panose="020F0502020204030203" pitchFamily="34" charset="0"/>
+                <a:ea typeface="Lato" panose="020F0502020204030203" pitchFamily="34" charset="0"/>
+                <a:cs typeface="Lato" panose="020F0502020204030203" pitchFamily="34" charset="0"/>
+              </a:rPr>
               <a:t>hỗ</a:t>
             </a:r>
             <a:r>
-              <a:rPr lang="en-US" sz="2400" dirty="0"/>
-              <a:t> </a:t>
-            </a:r>
-            <a:r>
-              <a:rPr lang="en-US" sz="2400" dirty="0" err="1"/>
+              <a:rPr lang="en-US" sz="2400" dirty="0">
+                <a:latin typeface="Lato" panose="020F0502020204030203" pitchFamily="34" charset="0"/>
+                <a:ea typeface="Lato" panose="020F0502020204030203" pitchFamily="34" charset="0"/>
+                <a:cs typeface="Lato" panose="020F0502020204030203" pitchFamily="34" charset="0"/>
+              </a:rPr>
+              <a:t> </a:t>
+            </a:r>
+            <a:r>
+              <a:rPr lang="en-US" sz="2400" dirty="0" err="1">
+                <a:latin typeface="Lato" panose="020F0502020204030203" pitchFamily="34" charset="0"/>
+                <a:ea typeface="Lato" panose="020F0502020204030203" pitchFamily="34" charset="0"/>
+                <a:cs typeface="Lato" panose="020F0502020204030203" pitchFamily="34" charset="0"/>
+              </a:rPr>
               <a:t>trợ</a:t>
             </a:r>
             <a:r>
-              <a:rPr lang="en-US" sz="2400" dirty="0"/>
-              <a:t> </a:t>
-            </a:r>
-            <a:r>
-              <a:rPr lang="en-US" sz="2400" dirty="0" err="1"/>
+              <a:rPr lang="en-US" sz="2400" dirty="0">
+                <a:latin typeface="Lato" panose="020F0502020204030203" pitchFamily="34" charset="0"/>
+                <a:ea typeface="Lato" panose="020F0502020204030203" pitchFamily="34" charset="0"/>
+                <a:cs typeface="Lato" panose="020F0502020204030203" pitchFamily="34" charset="0"/>
+              </a:rPr>
+              <a:t> </a:t>
+            </a:r>
+            <a:r>
+              <a:rPr lang="en-US" sz="2400" dirty="0" err="1">
+                <a:latin typeface="Lato" panose="020F0502020204030203" pitchFamily="34" charset="0"/>
+                <a:ea typeface="Lato" panose="020F0502020204030203" pitchFamily="34" charset="0"/>
+                <a:cs typeface="Lato" panose="020F0502020204030203" pitchFamily="34" charset="0"/>
+              </a:rPr>
               <a:t>phát</a:t>
             </a:r>
             <a:r>
-              <a:rPr lang="en-US" sz="2400" dirty="0"/>
-              <a:t> </a:t>
-            </a:r>
-            <a:r>
-              <a:rPr lang="en-US" sz="2400" dirty="0" err="1"/>
+              <a:rPr lang="en-US" sz="2400" dirty="0">
+                <a:latin typeface="Lato" panose="020F0502020204030203" pitchFamily="34" charset="0"/>
+                <a:ea typeface="Lato" panose="020F0502020204030203" pitchFamily="34" charset="0"/>
+                <a:cs typeface="Lato" panose="020F0502020204030203" pitchFamily="34" charset="0"/>
+              </a:rPr>
+              <a:t> </a:t>
+            </a:r>
+            <a:r>
+              <a:rPr lang="en-US" sz="2400" dirty="0" err="1">
+                <a:latin typeface="Lato" panose="020F0502020204030203" pitchFamily="34" charset="0"/>
+                <a:ea typeface="Lato" panose="020F0502020204030203" pitchFamily="34" charset="0"/>
+                <a:cs typeface="Lato" panose="020F0502020204030203" pitchFamily="34" charset="0"/>
+              </a:rPr>
               <a:t>triển</a:t>
             </a:r>
             <a:r>
-              <a:rPr lang="en-US" sz="2400" dirty="0"/>
-              <a:t> </a:t>
-            </a:r>
-            <a:r>
-              <a:rPr lang="en-US" sz="2400" dirty="0" err="1"/>
+              <a:rPr lang="en-US" sz="2400" dirty="0">
+                <a:latin typeface="Lato" panose="020F0502020204030203" pitchFamily="34" charset="0"/>
+                <a:ea typeface="Lato" panose="020F0502020204030203" pitchFamily="34" charset="0"/>
+                <a:cs typeface="Lato" panose="020F0502020204030203" pitchFamily="34" charset="0"/>
+              </a:rPr>
+              <a:t> </a:t>
+            </a:r>
+            <a:r>
+              <a:rPr lang="en-US" sz="2400" dirty="0" err="1">
+                <a:latin typeface="Lato" panose="020F0502020204030203" pitchFamily="34" charset="0"/>
+                <a:ea typeface="Lato" panose="020F0502020204030203" pitchFamily="34" charset="0"/>
+                <a:cs typeface="Lato" panose="020F0502020204030203" pitchFamily="34" charset="0"/>
+              </a:rPr>
               <a:t>ứng</a:t>
             </a:r>
             <a:r>
-              <a:rPr lang="en-US" sz="2400" dirty="0"/>
-              <a:t> </a:t>
-            </a:r>
-            <a:r>
-              <a:rPr lang="en-US" sz="2400" dirty="0" err="1"/>
+              <a:rPr lang="en-US" sz="2400" dirty="0">
+                <a:latin typeface="Lato" panose="020F0502020204030203" pitchFamily="34" charset="0"/>
+                <a:ea typeface="Lato" panose="020F0502020204030203" pitchFamily="34" charset="0"/>
+                <a:cs typeface="Lato" panose="020F0502020204030203" pitchFamily="34" charset="0"/>
+              </a:rPr>
+              <a:t> </a:t>
+            </a:r>
+            <a:r>
+              <a:rPr lang="en-US" sz="2400" dirty="0" err="1">
+                <a:latin typeface="Lato" panose="020F0502020204030203" pitchFamily="34" charset="0"/>
+                <a:ea typeface="Lato" panose="020F0502020204030203" pitchFamily="34" charset="0"/>
+                <a:cs typeface="Lato" panose="020F0502020204030203" pitchFamily="34" charset="0"/>
+              </a:rPr>
               <a:t>dụng</a:t>
             </a:r>
             <a:r>
-              <a:rPr lang="en-US" sz="2400" dirty="0"/>
-              <a:t> </a:t>
-            </a:r>
-            <a:r>
-              <a:rPr lang="en-US" sz="2400" dirty="0" err="1"/>
+              <a:rPr lang="en-US" sz="2400" dirty="0">
+                <a:latin typeface="Lato" panose="020F0502020204030203" pitchFamily="34" charset="0"/>
+                <a:ea typeface="Lato" panose="020F0502020204030203" pitchFamily="34" charset="0"/>
+                <a:cs typeface="Lato" panose="020F0502020204030203" pitchFamily="34" charset="0"/>
+              </a:rPr>
+              <a:t> </a:t>
+            </a:r>
+            <a:r>
+              <a:rPr lang="en-US" sz="2400" dirty="0" err="1">
+                <a:latin typeface="Lato" panose="020F0502020204030203" pitchFamily="34" charset="0"/>
+                <a:ea typeface="Lato" panose="020F0502020204030203" pitchFamily="34" charset="0"/>
+                <a:cs typeface="Lato" panose="020F0502020204030203" pitchFamily="34" charset="0"/>
+              </a:rPr>
               <a:t>cho</a:t>
             </a:r>
             <a:r>
-              <a:rPr lang="en-US" sz="2400" dirty="0"/>
-              <a:t> </a:t>
-            </a:r>
-            <a:r>
-              <a:rPr lang="en-US" sz="2400" dirty="0" err="1"/>
+              <a:rPr lang="en-US" sz="2400" dirty="0">
+                <a:latin typeface="Lato" panose="020F0502020204030203" pitchFamily="34" charset="0"/>
+                <a:ea typeface="Lato" panose="020F0502020204030203" pitchFamily="34" charset="0"/>
+                <a:cs typeface="Lato" panose="020F0502020204030203" pitchFamily="34" charset="0"/>
+              </a:rPr>
+              <a:t> </a:t>
+            </a:r>
+            <a:r>
+              <a:rPr lang="en-US" sz="2400" dirty="0" err="1">
+                <a:latin typeface="Lato" panose="020F0502020204030203" pitchFamily="34" charset="0"/>
+                <a:ea typeface="Lato" panose="020F0502020204030203" pitchFamily="34" charset="0"/>
+                <a:cs typeface="Lato" panose="020F0502020204030203" pitchFamily="34" charset="0"/>
+              </a:rPr>
               <a:t>nhiều</a:t>
             </a:r>
             <a:r>
-              <a:rPr lang="en-US" sz="2400" dirty="0"/>
-              <a:t> </a:t>
-            </a:r>
-            <a:r>
-              <a:rPr lang="en-US" sz="2400" dirty="0" err="1"/>
+              <a:rPr lang="en-US" sz="2400" dirty="0">
+                <a:latin typeface="Lato" panose="020F0502020204030203" pitchFamily="34" charset="0"/>
+                <a:ea typeface="Lato" panose="020F0502020204030203" pitchFamily="34" charset="0"/>
+                <a:cs typeface="Lato" panose="020F0502020204030203" pitchFamily="34" charset="0"/>
+              </a:rPr>
+              <a:t> </a:t>
+            </a:r>
+            <a:r>
+              <a:rPr lang="en-US" sz="2400" dirty="0" err="1">
+                <a:latin typeface="Lato" panose="020F0502020204030203" pitchFamily="34" charset="0"/>
+                <a:ea typeface="Lato" panose="020F0502020204030203" pitchFamily="34" charset="0"/>
+                <a:cs typeface="Lato" panose="020F0502020204030203" pitchFamily="34" charset="0"/>
+              </a:rPr>
               <a:t>ngôn</a:t>
             </a:r>
             <a:r>
-              <a:rPr lang="en-US" sz="2400" dirty="0"/>
-              <a:t> </a:t>
-            </a:r>
-            <a:r>
-              <a:rPr lang="en-US" sz="2400" dirty="0" err="1"/>
+              <a:rPr lang="en-US" sz="2400" dirty="0">
+                <a:latin typeface="Lato" panose="020F0502020204030203" pitchFamily="34" charset="0"/>
+                <a:ea typeface="Lato" panose="020F0502020204030203" pitchFamily="34" charset="0"/>
+                <a:cs typeface="Lato" panose="020F0502020204030203" pitchFamily="34" charset="0"/>
+              </a:rPr>
+              <a:t> </a:t>
+            </a:r>
+            <a:r>
+              <a:rPr lang="en-US" sz="2400" dirty="0" err="1">
+                <a:latin typeface="Lato" panose="020F0502020204030203" pitchFamily="34" charset="0"/>
+                <a:ea typeface="Lato" panose="020F0502020204030203" pitchFamily="34" charset="0"/>
+                <a:cs typeface="Lato" panose="020F0502020204030203" pitchFamily="34" charset="0"/>
+              </a:rPr>
               <a:t>ngữ</a:t>
             </a:r>
             <a:r>
-              <a:rPr lang="en-US" sz="2400" dirty="0"/>
-              <a:t> </a:t>
-            </a:r>
-            <a:r>
-              <a:rPr lang="en-US" sz="2400" dirty="0" err="1"/>
+              <a:rPr lang="en-US" sz="2400" dirty="0">
+                <a:latin typeface="Lato" panose="020F0502020204030203" pitchFamily="34" charset="0"/>
+                <a:ea typeface="Lato" panose="020F0502020204030203" pitchFamily="34" charset="0"/>
+                <a:cs typeface="Lato" panose="020F0502020204030203" pitchFamily="34" charset="0"/>
+              </a:rPr>
+              <a:t> </a:t>
+            </a:r>
+            <a:r>
+              <a:rPr lang="en-US" sz="2400" dirty="0" err="1">
+                <a:latin typeface="Lato" panose="020F0502020204030203" pitchFamily="34" charset="0"/>
+                <a:ea typeface="Lato" panose="020F0502020204030203" pitchFamily="34" charset="0"/>
+                <a:cs typeface="Lato" panose="020F0502020204030203" pitchFamily="34" charset="0"/>
+              </a:rPr>
               <a:t>lập</a:t>
             </a:r>
             <a:r>
-              <a:rPr lang="en-US" sz="2400" dirty="0"/>
-              <a:t> </a:t>
-            </a:r>
-            <a:r>
-              <a:rPr lang="en-US" sz="2400" dirty="0" err="1"/>
+              <a:rPr lang="en-US" sz="2400" dirty="0">
+                <a:latin typeface="Lato" panose="020F0502020204030203" pitchFamily="34" charset="0"/>
+                <a:ea typeface="Lato" panose="020F0502020204030203" pitchFamily="34" charset="0"/>
+                <a:cs typeface="Lato" panose="020F0502020204030203" pitchFamily="34" charset="0"/>
+              </a:rPr>
+              <a:t> </a:t>
+            </a:r>
+            <a:r>
+              <a:rPr lang="en-US" sz="2400" dirty="0" err="1">
+                <a:latin typeface="Lato" panose="020F0502020204030203" pitchFamily="34" charset="0"/>
+                <a:ea typeface="Lato" panose="020F0502020204030203" pitchFamily="34" charset="0"/>
+                <a:cs typeface="Lato" panose="020F0502020204030203" pitchFamily="34" charset="0"/>
+              </a:rPr>
               <a:t>trình</a:t>
             </a:r>
             <a:r>
-              <a:rPr lang="en-US" sz="2400" dirty="0"/>
-              <a:t> </a:t>
-            </a:r>
-            <a:r>
-              <a:rPr lang="en-US" sz="2400" dirty="0" err="1"/>
+              <a:rPr lang="en-US" sz="2400" dirty="0">
+                <a:latin typeface="Lato" panose="020F0502020204030203" pitchFamily="34" charset="0"/>
+                <a:ea typeface="Lato" panose="020F0502020204030203" pitchFamily="34" charset="0"/>
+                <a:cs typeface="Lato" panose="020F0502020204030203" pitchFamily="34" charset="0"/>
+              </a:rPr>
+              <a:t> </a:t>
+            </a:r>
+            <a:r>
+              <a:rPr lang="en-US" sz="2400" dirty="0" err="1">
+                <a:latin typeface="Lato" panose="020F0502020204030203" pitchFamily="34" charset="0"/>
+                <a:ea typeface="Lato" panose="020F0502020204030203" pitchFamily="34" charset="0"/>
+                <a:cs typeface="Lato" panose="020F0502020204030203" pitchFamily="34" charset="0"/>
+              </a:rPr>
               <a:t>và</a:t>
             </a:r>
             <a:r>
-              <a:rPr lang="en-US" sz="2400" dirty="0"/>
-              <a:t> </a:t>
-            </a:r>
-            <a:r>
-              <a:rPr lang="en-US" sz="2400" dirty="0" err="1"/>
+              <a:rPr lang="en-US" sz="2400" dirty="0">
+                <a:latin typeface="Lato" panose="020F0502020204030203" pitchFamily="34" charset="0"/>
+                <a:ea typeface="Lato" panose="020F0502020204030203" pitchFamily="34" charset="0"/>
+                <a:cs typeface="Lato" panose="020F0502020204030203" pitchFamily="34" charset="0"/>
+              </a:rPr>
+              <a:t> </a:t>
+            </a:r>
+            <a:r>
+              <a:rPr lang="en-US" sz="2400" dirty="0" err="1">
+                <a:latin typeface="Lato" panose="020F0502020204030203" pitchFamily="34" charset="0"/>
+                <a:ea typeface="Lato" panose="020F0502020204030203" pitchFamily="34" charset="0"/>
+                <a:cs typeface="Lato" panose="020F0502020204030203" pitchFamily="34" charset="0"/>
+              </a:rPr>
               <a:t>nền</a:t>
             </a:r>
             <a:r>
-              <a:rPr lang="en-US" sz="2400" dirty="0"/>
-              <a:t> </a:t>
-            </a:r>
-            <a:r>
-              <a:rPr lang="en-US" sz="2400" dirty="0" err="1"/>
+              <a:rPr lang="en-US" sz="2400" dirty="0">
+                <a:latin typeface="Lato" panose="020F0502020204030203" pitchFamily="34" charset="0"/>
+                <a:ea typeface="Lato" panose="020F0502020204030203" pitchFamily="34" charset="0"/>
+                <a:cs typeface="Lato" panose="020F0502020204030203" pitchFamily="34" charset="0"/>
+              </a:rPr>
+              <a:t> </a:t>
+            </a:r>
+            <a:r>
+              <a:rPr lang="en-US" sz="2400" dirty="0" err="1">
+                <a:latin typeface="Lato" panose="020F0502020204030203" pitchFamily="34" charset="0"/>
+                <a:ea typeface="Lato" panose="020F0502020204030203" pitchFamily="34" charset="0"/>
+                <a:cs typeface="Lato" panose="020F0502020204030203" pitchFamily="34" charset="0"/>
+              </a:rPr>
               <a:t>tảng</a:t>
             </a:r>
             <a:r>
-              <a:rPr lang="en-US" sz="2400" dirty="0"/>
-              <a:t> </a:t>
-            </a:r>
-            <a:r>
-              <a:rPr lang="en-US" sz="2400" dirty="0" err="1"/>
+              <a:rPr lang="en-US" sz="2400" dirty="0">
+                <a:latin typeface="Lato" panose="020F0502020204030203" pitchFamily="34" charset="0"/>
+                <a:ea typeface="Lato" panose="020F0502020204030203" pitchFamily="34" charset="0"/>
+                <a:cs typeface="Lato" panose="020F0502020204030203" pitchFamily="34" charset="0"/>
+              </a:rPr>
+              <a:t> </a:t>
+            </a:r>
+            <a:r>
+              <a:rPr lang="en-US" sz="2400" dirty="0" err="1">
+                <a:latin typeface="Lato" panose="020F0502020204030203" pitchFamily="34" charset="0"/>
+                <a:ea typeface="Lato" panose="020F0502020204030203" pitchFamily="34" charset="0"/>
+                <a:cs typeface="Lato" panose="020F0502020204030203" pitchFamily="34" charset="0"/>
+              </a:rPr>
               <a:t>khác</a:t>
             </a:r>
             <a:r>
-              <a:rPr lang="en-US" sz="2400" dirty="0"/>
-              <a:t> </a:t>
-            </a:r>
-            <a:r>
-              <a:rPr lang="en-US" sz="2400" dirty="0" err="1"/>
+              <a:rPr lang="en-US" sz="2400" dirty="0">
+                <a:latin typeface="Lato" panose="020F0502020204030203" pitchFamily="34" charset="0"/>
+                <a:ea typeface="Lato" panose="020F0502020204030203" pitchFamily="34" charset="0"/>
+                <a:cs typeface="Lato" panose="020F0502020204030203" pitchFamily="34" charset="0"/>
+              </a:rPr>
+              <a:t> </a:t>
+            </a:r>
+            <a:r>
+              <a:rPr lang="en-US" sz="2400" dirty="0" err="1">
+                <a:latin typeface="Lato" panose="020F0502020204030203" pitchFamily="34" charset="0"/>
+                <a:ea typeface="Lato" panose="020F0502020204030203" pitchFamily="34" charset="0"/>
+                <a:cs typeface="Lato" panose="020F0502020204030203" pitchFamily="34" charset="0"/>
+              </a:rPr>
               <a:t>nhau</a:t>
-            </a:r>
-            <a:endParaRPr lang="en-US" sz="2400" dirty="0"/>
-          </a:p>
-          <a:p>
-            <a:r>
-              <a:rPr lang="en-US" sz="2400" b="1" dirty="0"/>
-              <a:t>Vs Code</a:t>
-            </a:r>
-            <a:r>
-              <a:rPr lang="en-US" sz="2400" dirty="0"/>
-              <a:t> </a:t>
-            </a:r>
-            <a:r>
-              <a:rPr lang="en-US" sz="2400" dirty="0" err="1"/>
-              <a:t>tích</a:t>
-            </a:r>
-            <a:r>
-              <a:rPr lang="en-US" sz="2400" dirty="0"/>
-              <a:t> </a:t>
-            </a:r>
-            <a:r>
-              <a:rPr lang="en-US" sz="2400" dirty="0" err="1"/>
-              <a:t>hợp</a:t>
-            </a:r>
-            <a:r>
-              <a:rPr lang="en-US" sz="2400" dirty="0"/>
-              <a:t> </a:t>
-            </a:r>
-            <a:r>
-              <a:rPr lang="en-US" sz="2400" dirty="0" err="1"/>
-              <a:t>sẵn</a:t>
-            </a:r>
-            <a:r>
-              <a:rPr lang="en-US" sz="2400" dirty="0"/>
-              <a:t> GitHub, </a:t>
-            </a:r>
-            <a:r>
-              <a:rPr lang="en-US" sz="2400" dirty="0" err="1"/>
-              <a:t>giúp</a:t>
-            </a:r>
-            <a:r>
-              <a:rPr lang="en-US" sz="2400" dirty="0"/>
-              <a:t> </a:t>
-            </a:r>
-            <a:r>
-              <a:rPr lang="en-US" sz="2400" dirty="0" err="1"/>
-              <a:t>bạn</a:t>
-            </a:r>
-            <a:r>
-              <a:rPr lang="en-US" sz="2400" dirty="0"/>
-              <a:t> </a:t>
-            </a:r>
-            <a:r>
-              <a:rPr lang="en-US" sz="2400" dirty="0" err="1"/>
-              <a:t>dễ</a:t>
-            </a:r>
-            <a:r>
-              <a:rPr lang="en-US" sz="2400" dirty="0"/>
-              <a:t> </a:t>
-            </a:r>
-            <a:r>
-              <a:rPr lang="en-US" sz="2400" dirty="0" err="1"/>
-              <a:t>dàng</a:t>
-            </a:r>
-            <a:r>
-              <a:rPr lang="en-US" sz="2400" dirty="0"/>
-              <a:t> </a:t>
-            </a:r>
-            <a:r>
-              <a:rPr lang="en-US" sz="2400" dirty="0" err="1"/>
-              <a:t>quản</a:t>
-            </a:r>
-            <a:r>
-              <a:rPr lang="en-US" sz="2400" dirty="0"/>
-              <a:t> </a:t>
-            </a:r>
-            <a:r>
-              <a:rPr lang="en-US" sz="2400" dirty="0" err="1"/>
-              <a:t>lý</a:t>
-            </a:r>
-            <a:r>
-              <a:rPr lang="en-US" sz="2400" dirty="0"/>
-              <a:t> code </a:t>
-            </a:r>
-            <a:r>
-              <a:rPr lang="en-US" sz="2400" dirty="0" err="1"/>
-              <a:t>ngay</a:t>
-            </a:r>
-            <a:r>
-              <a:rPr lang="en-US" sz="2400" dirty="0"/>
-              <a:t> </a:t>
-            </a:r>
-            <a:r>
-              <a:rPr lang="en-US" sz="2400" dirty="0" err="1"/>
-              <a:t>trong</a:t>
-            </a:r>
-            <a:r>
-              <a:rPr lang="en-US" sz="2400" dirty="0"/>
-              <a:t> </a:t>
-            </a:r>
-            <a:r>
-              <a:rPr lang="en-US" sz="2400" dirty="0" err="1"/>
-              <a:t>trình</a:t>
-            </a:r>
-            <a:r>
-              <a:rPr lang="en-US" sz="2400" dirty="0"/>
-              <a:t> </a:t>
-            </a:r>
-            <a:r>
-              <a:rPr lang="en-US" sz="2400" dirty="0" err="1"/>
-              <a:t>soạn</a:t>
-            </a:r>
-            <a:r>
-              <a:rPr lang="en-US" sz="2400" dirty="0"/>
-              <a:t> </a:t>
-            </a:r>
-            <a:r>
-              <a:rPr lang="en-US" sz="2400" dirty="0" err="1"/>
-              <a:t>thảo</a:t>
-            </a:r>
-            <a:r>
-              <a:rPr lang="en-US" sz="2400" dirty="0"/>
-              <a:t> </a:t>
-            </a:r>
-            <a:r>
-              <a:rPr lang="en-US" sz="2400" dirty="0" err="1"/>
-              <a:t>mà</a:t>
-            </a:r>
-            <a:r>
-              <a:rPr lang="en-US" sz="2400" dirty="0"/>
-              <a:t> </a:t>
-            </a:r>
-            <a:r>
-              <a:rPr lang="en-US" sz="2400" dirty="0" err="1"/>
-              <a:t>không</a:t>
-            </a:r>
-            <a:r>
-              <a:rPr lang="en-US" sz="2400" dirty="0"/>
-              <a:t> </a:t>
-            </a:r>
-            <a:r>
-              <a:rPr lang="en-US" sz="2400" dirty="0" err="1"/>
-              <a:t>cần</a:t>
-            </a:r>
-            <a:r>
-              <a:rPr lang="en-US" sz="2400" dirty="0"/>
-              <a:t> </a:t>
-            </a:r>
-            <a:r>
-              <a:rPr lang="en-US" sz="2400" dirty="0" err="1"/>
-              <a:t>dùng</a:t>
-            </a:r>
-            <a:r>
-              <a:rPr lang="en-US" sz="2400" dirty="0"/>
-              <a:t> Terminal. </a:t>
             </a:r>
             <a:endParaRPr lang="en-US" sz="2400" dirty="0">
               <a:latin typeface="Lato" panose="020F0502020204030203" pitchFamily="34" charset="0"/>
               <a:ea typeface="Lato" panose="020F0502020204030203" pitchFamily="34" charset="0"/>
               <a:cs typeface="Lato" panose="020F0502020204030203" pitchFamily="34" charset="0"/>
             </a:endParaRPr>
+          </a:p>
+          <a:p>
+            <a:r>
+              <a:rPr lang="en-US" sz="2400" b="1" dirty="0">
+                <a:latin typeface="Lato" panose="020F0502020204030203" pitchFamily="34" charset="0"/>
+                <a:ea typeface="Lato" panose="020F0502020204030203" pitchFamily="34" charset="0"/>
+                <a:cs typeface="Lato" panose="020F0502020204030203" pitchFamily="34" charset="0"/>
+              </a:rPr>
+              <a:t>Vs Code</a:t>
+            </a:r>
+            <a:r>
+              <a:rPr lang="en-US" sz="2400" dirty="0">
+                <a:latin typeface="Lato" panose="020F0502020204030203" pitchFamily="34" charset="0"/>
+                <a:ea typeface="Lato" panose="020F0502020204030203" pitchFamily="34" charset="0"/>
+                <a:cs typeface="Lato" panose="020F0502020204030203" pitchFamily="34" charset="0"/>
+              </a:rPr>
+              <a:t> </a:t>
+            </a:r>
+            <a:r>
+              <a:rPr lang="en-US" sz="2400" dirty="0" err="1">
+                <a:latin typeface="Lato" panose="020F0502020204030203" pitchFamily="34" charset="0"/>
+                <a:ea typeface="Lato" panose="020F0502020204030203" pitchFamily="34" charset="0"/>
+                <a:cs typeface="Lato" panose="020F0502020204030203" pitchFamily="34" charset="0"/>
+              </a:rPr>
+              <a:t>tích</a:t>
+            </a:r>
+            <a:r>
+              <a:rPr lang="en-US" sz="2400" dirty="0">
+                <a:latin typeface="Lato" panose="020F0502020204030203" pitchFamily="34" charset="0"/>
+                <a:ea typeface="Lato" panose="020F0502020204030203" pitchFamily="34" charset="0"/>
+                <a:cs typeface="Lato" panose="020F0502020204030203" pitchFamily="34" charset="0"/>
+              </a:rPr>
+              <a:t> </a:t>
+            </a:r>
+            <a:r>
+              <a:rPr lang="en-US" sz="2400" dirty="0" err="1">
+                <a:latin typeface="Lato" panose="020F0502020204030203" pitchFamily="34" charset="0"/>
+                <a:ea typeface="Lato" panose="020F0502020204030203" pitchFamily="34" charset="0"/>
+                <a:cs typeface="Lato" panose="020F0502020204030203" pitchFamily="34" charset="0"/>
+              </a:rPr>
+              <a:t>hợp</a:t>
+            </a:r>
+            <a:r>
+              <a:rPr lang="en-US" sz="2400" dirty="0">
+                <a:latin typeface="Lato" panose="020F0502020204030203" pitchFamily="34" charset="0"/>
+                <a:ea typeface="Lato" panose="020F0502020204030203" pitchFamily="34" charset="0"/>
+                <a:cs typeface="Lato" panose="020F0502020204030203" pitchFamily="34" charset="0"/>
+              </a:rPr>
+              <a:t> </a:t>
+            </a:r>
+            <a:r>
+              <a:rPr lang="en-US" sz="2400" dirty="0" err="1">
+                <a:latin typeface="Lato" panose="020F0502020204030203" pitchFamily="34" charset="0"/>
+                <a:ea typeface="Lato" panose="020F0502020204030203" pitchFamily="34" charset="0"/>
+                <a:cs typeface="Lato" panose="020F0502020204030203" pitchFamily="34" charset="0"/>
+              </a:rPr>
+              <a:t>sẵn</a:t>
+            </a:r>
+            <a:r>
+              <a:rPr lang="en-US" sz="2400" dirty="0">
+                <a:latin typeface="Lato" panose="020F0502020204030203" pitchFamily="34" charset="0"/>
+                <a:ea typeface="Lato" panose="020F0502020204030203" pitchFamily="34" charset="0"/>
+                <a:cs typeface="Lato" panose="020F0502020204030203" pitchFamily="34" charset="0"/>
+              </a:rPr>
+              <a:t> GitHub, </a:t>
+            </a:r>
+            <a:r>
+              <a:rPr lang="en-US" sz="2400" dirty="0" err="1">
+                <a:latin typeface="Lato" panose="020F0502020204030203" pitchFamily="34" charset="0"/>
+                <a:ea typeface="Lato" panose="020F0502020204030203" pitchFamily="34" charset="0"/>
+                <a:cs typeface="Lato" panose="020F0502020204030203" pitchFamily="34" charset="0"/>
+              </a:rPr>
+              <a:t>giúp</a:t>
+            </a:r>
+            <a:r>
+              <a:rPr lang="en-US" sz="2400" dirty="0">
+                <a:latin typeface="Lato" panose="020F0502020204030203" pitchFamily="34" charset="0"/>
+                <a:ea typeface="Lato" panose="020F0502020204030203" pitchFamily="34" charset="0"/>
+                <a:cs typeface="Lato" panose="020F0502020204030203" pitchFamily="34" charset="0"/>
+              </a:rPr>
+              <a:t> </a:t>
+            </a:r>
+            <a:r>
+              <a:rPr lang="en-US" sz="2400" dirty="0" err="1">
+                <a:latin typeface="Lato" panose="020F0502020204030203" pitchFamily="34" charset="0"/>
+                <a:ea typeface="Lato" panose="020F0502020204030203" pitchFamily="34" charset="0"/>
+                <a:cs typeface="Lato" panose="020F0502020204030203" pitchFamily="34" charset="0"/>
+              </a:rPr>
+              <a:t>bạn</a:t>
+            </a:r>
+            <a:r>
+              <a:rPr lang="en-US" sz="2400" dirty="0">
+                <a:latin typeface="Lato" panose="020F0502020204030203" pitchFamily="34" charset="0"/>
+                <a:ea typeface="Lato" panose="020F0502020204030203" pitchFamily="34" charset="0"/>
+                <a:cs typeface="Lato" panose="020F0502020204030203" pitchFamily="34" charset="0"/>
+              </a:rPr>
+              <a:t> </a:t>
+            </a:r>
+            <a:r>
+              <a:rPr lang="en-US" sz="2400" dirty="0" err="1">
+                <a:latin typeface="Lato" panose="020F0502020204030203" pitchFamily="34" charset="0"/>
+                <a:ea typeface="Lato" panose="020F0502020204030203" pitchFamily="34" charset="0"/>
+                <a:cs typeface="Lato" panose="020F0502020204030203" pitchFamily="34" charset="0"/>
+              </a:rPr>
+              <a:t>dễ</a:t>
+            </a:r>
+            <a:r>
+              <a:rPr lang="en-US" sz="2400" dirty="0">
+                <a:latin typeface="Lato" panose="020F0502020204030203" pitchFamily="34" charset="0"/>
+                <a:ea typeface="Lato" panose="020F0502020204030203" pitchFamily="34" charset="0"/>
+                <a:cs typeface="Lato" panose="020F0502020204030203" pitchFamily="34" charset="0"/>
+              </a:rPr>
+              <a:t> </a:t>
+            </a:r>
+            <a:r>
+              <a:rPr lang="en-US" sz="2400" dirty="0" err="1">
+                <a:latin typeface="Lato" panose="020F0502020204030203" pitchFamily="34" charset="0"/>
+                <a:ea typeface="Lato" panose="020F0502020204030203" pitchFamily="34" charset="0"/>
+                <a:cs typeface="Lato" panose="020F0502020204030203" pitchFamily="34" charset="0"/>
+              </a:rPr>
+              <a:t>dàng</a:t>
+            </a:r>
+            <a:r>
+              <a:rPr lang="en-US" sz="2400" dirty="0">
+                <a:latin typeface="Lato" panose="020F0502020204030203" pitchFamily="34" charset="0"/>
+                <a:ea typeface="Lato" panose="020F0502020204030203" pitchFamily="34" charset="0"/>
+                <a:cs typeface="Lato" panose="020F0502020204030203" pitchFamily="34" charset="0"/>
+              </a:rPr>
+              <a:t> </a:t>
+            </a:r>
+            <a:r>
+              <a:rPr lang="en-US" sz="2400" dirty="0" err="1">
+                <a:latin typeface="Lato" panose="020F0502020204030203" pitchFamily="34" charset="0"/>
+                <a:ea typeface="Lato" panose="020F0502020204030203" pitchFamily="34" charset="0"/>
+                <a:cs typeface="Lato" panose="020F0502020204030203" pitchFamily="34" charset="0"/>
+              </a:rPr>
+              <a:t>quản</a:t>
+            </a:r>
+            <a:r>
+              <a:rPr lang="en-US" sz="2400" dirty="0">
+                <a:latin typeface="Lato" panose="020F0502020204030203" pitchFamily="34" charset="0"/>
+                <a:ea typeface="Lato" panose="020F0502020204030203" pitchFamily="34" charset="0"/>
+                <a:cs typeface="Lato" panose="020F0502020204030203" pitchFamily="34" charset="0"/>
+              </a:rPr>
+              <a:t> </a:t>
+            </a:r>
+            <a:r>
+              <a:rPr lang="en-US" sz="2400" dirty="0" err="1">
+                <a:latin typeface="Lato" panose="020F0502020204030203" pitchFamily="34" charset="0"/>
+                <a:ea typeface="Lato" panose="020F0502020204030203" pitchFamily="34" charset="0"/>
+                <a:cs typeface="Lato" panose="020F0502020204030203" pitchFamily="34" charset="0"/>
+              </a:rPr>
+              <a:t>lý</a:t>
+            </a:r>
+            <a:r>
+              <a:rPr lang="en-US" sz="2400" dirty="0">
+                <a:latin typeface="Lato" panose="020F0502020204030203" pitchFamily="34" charset="0"/>
+                <a:ea typeface="Lato" panose="020F0502020204030203" pitchFamily="34" charset="0"/>
+                <a:cs typeface="Lato" panose="020F0502020204030203" pitchFamily="34" charset="0"/>
+              </a:rPr>
+              <a:t> code </a:t>
+            </a:r>
+            <a:r>
+              <a:rPr lang="en-US" sz="2400" dirty="0" err="1">
+                <a:latin typeface="Lato" panose="020F0502020204030203" pitchFamily="34" charset="0"/>
+                <a:ea typeface="Lato" panose="020F0502020204030203" pitchFamily="34" charset="0"/>
+                <a:cs typeface="Lato" panose="020F0502020204030203" pitchFamily="34" charset="0"/>
+              </a:rPr>
+              <a:t>ngay</a:t>
+            </a:r>
+            <a:r>
+              <a:rPr lang="en-US" sz="2400" dirty="0">
+                <a:latin typeface="Lato" panose="020F0502020204030203" pitchFamily="34" charset="0"/>
+                <a:ea typeface="Lato" panose="020F0502020204030203" pitchFamily="34" charset="0"/>
+                <a:cs typeface="Lato" panose="020F0502020204030203" pitchFamily="34" charset="0"/>
+              </a:rPr>
+              <a:t> </a:t>
+            </a:r>
+            <a:r>
+              <a:rPr lang="en-US" sz="2400" dirty="0" err="1">
+                <a:latin typeface="Lato" panose="020F0502020204030203" pitchFamily="34" charset="0"/>
+                <a:ea typeface="Lato" panose="020F0502020204030203" pitchFamily="34" charset="0"/>
+                <a:cs typeface="Lato" panose="020F0502020204030203" pitchFamily="34" charset="0"/>
+              </a:rPr>
+              <a:t>trong</a:t>
+            </a:r>
+            <a:r>
+              <a:rPr lang="en-US" sz="2400" dirty="0">
+                <a:latin typeface="Lato" panose="020F0502020204030203" pitchFamily="34" charset="0"/>
+                <a:ea typeface="Lato" panose="020F0502020204030203" pitchFamily="34" charset="0"/>
+                <a:cs typeface="Lato" panose="020F0502020204030203" pitchFamily="34" charset="0"/>
+              </a:rPr>
+              <a:t> </a:t>
+            </a:r>
+            <a:r>
+              <a:rPr lang="en-US" sz="2400" dirty="0" err="1">
+                <a:latin typeface="Lato" panose="020F0502020204030203" pitchFamily="34" charset="0"/>
+                <a:ea typeface="Lato" panose="020F0502020204030203" pitchFamily="34" charset="0"/>
+                <a:cs typeface="Lato" panose="020F0502020204030203" pitchFamily="34" charset="0"/>
+              </a:rPr>
+              <a:t>trình</a:t>
+            </a:r>
+            <a:r>
+              <a:rPr lang="en-US" sz="2400" dirty="0">
+                <a:latin typeface="Lato" panose="020F0502020204030203" pitchFamily="34" charset="0"/>
+                <a:ea typeface="Lato" panose="020F0502020204030203" pitchFamily="34" charset="0"/>
+                <a:cs typeface="Lato" panose="020F0502020204030203" pitchFamily="34" charset="0"/>
+              </a:rPr>
+              <a:t> </a:t>
+            </a:r>
+            <a:r>
+              <a:rPr lang="en-US" sz="2400" dirty="0" err="1">
+                <a:latin typeface="Lato" panose="020F0502020204030203" pitchFamily="34" charset="0"/>
+                <a:ea typeface="Lato" panose="020F0502020204030203" pitchFamily="34" charset="0"/>
+                <a:cs typeface="Lato" panose="020F0502020204030203" pitchFamily="34" charset="0"/>
+              </a:rPr>
+              <a:t>soạn</a:t>
+            </a:r>
+            <a:r>
+              <a:rPr lang="en-US" sz="2400" dirty="0">
+                <a:latin typeface="Lato" panose="020F0502020204030203" pitchFamily="34" charset="0"/>
+                <a:ea typeface="Lato" panose="020F0502020204030203" pitchFamily="34" charset="0"/>
+                <a:cs typeface="Lato" panose="020F0502020204030203" pitchFamily="34" charset="0"/>
+              </a:rPr>
+              <a:t> </a:t>
+            </a:r>
+            <a:r>
+              <a:rPr lang="en-US" sz="2400" dirty="0" err="1">
+                <a:latin typeface="Lato" panose="020F0502020204030203" pitchFamily="34" charset="0"/>
+                <a:ea typeface="Lato" panose="020F0502020204030203" pitchFamily="34" charset="0"/>
+                <a:cs typeface="Lato" panose="020F0502020204030203" pitchFamily="34" charset="0"/>
+              </a:rPr>
+              <a:t>thảo</a:t>
+            </a:r>
+            <a:r>
+              <a:rPr lang="en-US" sz="2400" dirty="0">
+                <a:latin typeface="Lato" panose="020F0502020204030203" pitchFamily="34" charset="0"/>
+                <a:ea typeface="Lato" panose="020F0502020204030203" pitchFamily="34" charset="0"/>
+                <a:cs typeface="Lato" panose="020F0502020204030203" pitchFamily="34" charset="0"/>
+              </a:rPr>
+              <a:t> </a:t>
+            </a:r>
+            <a:r>
+              <a:rPr lang="en-US" sz="2400" dirty="0" err="1">
+                <a:latin typeface="Lato" panose="020F0502020204030203" pitchFamily="34" charset="0"/>
+                <a:ea typeface="Lato" panose="020F0502020204030203" pitchFamily="34" charset="0"/>
+                <a:cs typeface="Lato" panose="020F0502020204030203" pitchFamily="34" charset="0"/>
+              </a:rPr>
+              <a:t>mà</a:t>
+            </a:r>
+            <a:r>
+              <a:rPr lang="en-US" sz="2400" dirty="0">
+                <a:latin typeface="Lato" panose="020F0502020204030203" pitchFamily="34" charset="0"/>
+                <a:ea typeface="Lato" panose="020F0502020204030203" pitchFamily="34" charset="0"/>
+                <a:cs typeface="Lato" panose="020F0502020204030203" pitchFamily="34" charset="0"/>
+              </a:rPr>
+              <a:t> </a:t>
+            </a:r>
+            <a:r>
+              <a:rPr lang="en-US" sz="2400" dirty="0" err="1">
+                <a:latin typeface="Lato" panose="020F0502020204030203" pitchFamily="34" charset="0"/>
+                <a:ea typeface="Lato" panose="020F0502020204030203" pitchFamily="34" charset="0"/>
+                <a:cs typeface="Lato" panose="020F0502020204030203" pitchFamily="34" charset="0"/>
+              </a:rPr>
+              <a:t>không</a:t>
+            </a:r>
+            <a:r>
+              <a:rPr lang="en-US" sz="2400" dirty="0">
+                <a:latin typeface="Lato" panose="020F0502020204030203" pitchFamily="34" charset="0"/>
+                <a:ea typeface="Lato" panose="020F0502020204030203" pitchFamily="34" charset="0"/>
+                <a:cs typeface="Lato" panose="020F0502020204030203" pitchFamily="34" charset="0"/>
+              </a:rPr>
+              <a:t> </a:t>
+            </a:r>
+            <a:r>
+              <a:rPr lang="en-US" sz="2400" dirty="0" err="1">
+                <a:latin typeface="Lato" panose="020F0502020204030203" pitchFamily="34" charset="0"/>
+                <a:ea typeface="Lato" panose="020F0502020204030203" pitchFamily="34" charset="0"/>
+                <a:cs typeface="Lato" panose="020F0502020204030203" pitchFamily="34" charset="0"/>
+              </a:rPr>
+              <a:t>cần</a:t>
+            </a:r>
+            <a:r>
+              <a:rPr lang="en-US" sz="2400" dirty="0">
+                <a:latin typeface="Lato" panose="020F0502020204030203" pitchFamily="34" charset="0"/>
+                <a:ea typeface="Lato" panose="020F0502020204030203" pitchFamily="34" charset="0"/>
+                <a:cs typeface="Lato" panose="020F0502020204030203" pitchFamily="34" charset="0"/>
+              </a:rPr>
+              <a:t> </a:t>
+            </a:r>
+            <a:r>
+              <a:rPr lang="en-US" sz="2400" dirty="0" err="1">
+                <a:latin typeface="Lato" panose="020F0502020204030203" pitchFamily="34" charset="0"/>
+                <a:ea typeface="Lato" panose="020F0502020204030203" pitchFamily="34" charset="0"/>
+                <a:cs typeface="Lato" panose="020F0502020204030203" pitchFamily="34" charset="0"/>
+              </a:rPr>
+              <a:t>dùng</a:t>
+            </a:r>
+            <a:r>
+              <a:rPr lang="en-US" sz="2400" dirty="0">
+                <a:latin typeface="Lato" panose="020F0502020204030203" pitchFamily="34" charset="0"/>
+                <a:ea typeface="Lato" panose="020F0502020204030203" pitchFamily="34" charset="0"/>
+                <a:cs typeface="Lato" panose="020F0502020204030203" pitchFamily="34" charset="0"/>
+              </a:rPr>
+              <a:t> Terminal. </a:t>
+            </a:r>
           </a:p>
         </p:txBody>
       </p:sp>
@@ -5998,7 +5540,1014 @@
 </p:sld>
 </file>
 
+<file path=ppt/slides/slide11.xml><?xml version="1.0" encoding="utf-8"?>
+<p:sld xmlns:a="http://schemas.openxmlformats.org/drawingml/2006/main" xmlns:r="http://schemas.openxmlformats.org/officeDocument/2006/relationships" xmlns:p="http://schemas.openxmlformats.org/presentationml/2006/main">
+  <p:cSld>
+    <p:spTree>
+      <p:nvGrpSpPr>
+        <p:cNvPr id="1" name="">
+          <a:extLst>
+            <a:ext uri="{FF2B5EF4-FFF2-40B4-BE49-F238E27FC236}">
+              <a16:creationId xmlns:a16="http://schemas.microsoft.com/office/drawing/2014/main" id="{F56955FB-4D44-9383-CC00-C2EF92407958}"/>
+            </a:ext>
+          </a:extLst>
+        </p:cNvPr>
+        <p:cNvGrpSpPr/>
+        <p:nvPr/>
+      </p:nvGrpSpPr>
+      <p:grpSpPr>
+        <a:xfrm>
+          <a:off x="0" y="0"/>
+          <a:ext cx="0" cy="0"/>
+          <a:chOff x="0" y="0"/>
+          <a:chExt cx="0" cy="0"/>
+        </a:xfrm>
+      </p:grpSpPr>
+      <p:sp>
+        <p:nvSpPr>
+          <p:cNvPr id="5" name="Slide Number Placeholder 4">
+            <a:extLst>
+              <a:ext uri="{FF2B5EF4-FFF2-40B4-BE49-F238E27FC236}">
+                <a16:creationId xmlns:a16="http://schemas.microsoft.com/office/drawing/2014/main" id="{B0C19021-3C12-F20B-A95D-2F4EAE881E8D}"/>
+              </a:ext>
+            </a:extLst>
+          </p:cNvPr>
+          <p:cNvSpPr>
+            <a:spLocks noGrp="1"/>
+          </p:cNvSpPr>
+          <p:nvPr>
+            <p:ph type="sldNum" sz="quarter" idx="12"/>
+          </p:nvPr>
+        </p:nvSpPr>
+        <p:spPr>
+          <a:xfrm>
+            <a:off x="6867383" y="6492878"/>
+            <a:ext cx="2057400" cy="365125"/>
+          </a:xfrm>
+          <a:prstGeom prst="rect">
+            <a:avLst/>
+          </a:prstGeom>
+        </p:spPr>
+        <p:txBody>
+          <a:bodyPr/>
+          <a:lstStyle/>
+          <a:p>
+            <a:fld id="{9EA0BE3B-158A-4EDF-80DC-E394A0D1600F}" type="slidenum">
+              <a:rPr lang="en-US" smtClean="0"/>
+              <a:pPr/>
+              <a:t>11</a:t>
+            </a:fld>
+            <a:endParaRPr lang="en-US"/>
+          </a:p>
+        </p:txBody>
+      </p:sp>
+      <p:sp>
+        <p:nvSpPr>
+          <p:cNvPr id="2" name="Title 1">
+            <a:extLst>
+              <a:ext uri="{FF2B5EF4-FFF2-40B4-BE49-F238E27FC236}">
+                <a16:creationId xmlns:a16="http://schemas.microsoft.com/office/drawing/2014/main" id="{43CDCF02-9984-39D2-EF2A-EDA4DDF65C66}"/>
+              </a:ext>
+            </a:extLst>
+          </p:cNvPr>
+          <p:cNvSpPr>
+            <a:spLocks noGrp="1"/>
+          </p:cNvSpPr>
+          <p:nvPr>
+            <p:ph type="title"/>
+          </p:nvPr>
+        </p:nvSpPr>
+        <p:spPr>
+          <a:xfrm>
+            <a:off x="254052" y="112543"/>
+            <a:ext cx="8635896" cy="436098"/>
+          </a:xfrm>
+          <a:prstGeom prst="rect">
+            <a:avLst/>
+          </a:prstGeom>
+        </p:spPr>
+        <p:txBody>
+          <a:bodyPr/>
+          <a:lstStyle/>
+          <a:p>
+            <a:r>
+              <a:rPr lang="en-US" dirty="0"/>
+              <a:t>PHÂN CÔNG NHIỆM VỤ</a:t>
+            </a:r>
+          </a:p>
+        </p:txBody>
+      </p:sp>
+      <p:sp>
+        <p:nvSpPr>
+          <p:cNvPr id="7" name="Chart Placeholder 2">
+            <a:extLst>
+              <a:ext uri="{FF2B5EF4-FFF2-40B4-BE49-F238E27FC236}">
+                <a16:creationId xmlns:a16="http://schemas.microsoft.com/office/drawing/2014/main" id="{448CD588-3016-7A91-C448-FC1D3D74E735}"/>
+              </a:ext>
+            </a:extLst>
+          </p:cNvPr>
+          <p:cNvSpPr txBox="1">
+            <a:spLocks/>
+          </p:cNvSpPr>
+          <p:nvPr/>
+        </p:nvSpPr>
+        <p:spPr>
+          <a:xfrm>
+            <a:off x="190831" y="1329784"/>
+            <a:ext cx="2183879" cy="512227"/>
+          </a:xfrm>
+          <a:prstGeom prst="rect">
+            <a:avLst/>
+          </a:prstGeom>
+          <a:solidFill>
+            <a:srgbClr val="C00000"/>
+          </a:solidFill>
+          <a:ln w="28575"/>
+        </p:spPr>
+        <p:style>
+          <a:lnRef idx="2">
+            <a:schemeClr val="dk1"/>
+          </a:lnRef>
+          <a:fillRef idx="1">
+            <a:schemeClr val="lt1"/>
+          </a:fillRef>
+          <a:effectRef idx="0">
+            <a:schemeClr val="dk1"/>
+          </a:effectRef>
+          <a:fontRef idx="minor">
+            <a:schemeClr val="dk1"/>
+          </a:fontRef>
+        </p:style>
+        <p:txBody>
+          <a:bodyPr anchor="b"/>
+          <a:lstStyle>
+            <a:defPPr>
+              <a:defRPr lang="en-US"/>
+            </a:defPPr>
+            <a:lvl1pPr marL="228600" indent="-228600" algn="l" defTabSz="914400" rtl="0" eaLnBrk="1" latinLnBrk="0" hangingPunct="1">
+              <a:lnSpc>
+                <a:spcPct val="90000"/>
+              </a:lnSpc>
+              <a:spcBef>
+                <a:spcPts val="1000"/>
+              </a:spcBef>
+              <a:buFont typeface="Arial" panose="020B0604020202020204" pitchFamily="34" charset="0"/>
+              <a:buChar char="•"/>
+              <a:defRPr sz="2800" kern="1200">
+                <a:solidFill>
+                  <a:schemeClr val="tx1"/>
+                </a:solidFill>
+                <a:latin typeface="Lato" panose="020F0502020204030203" pitchFamily="34" charset="0"/>
+                <a:ea typeface="Lato" panose="020F0502020204030203" pitchFamily="34" charset="0"/>
+                <a:cs typeface="Lato" panose="020F0502020204030203" pitchFamily="34" charset="0"/>
+              </a:defRPr>
+            </a:lvl1pPr>
+            <a:lvl2pPr marL="685800" indent="-228600" algn="l" defTabSz="914400" rtl="0" eaLnBrk="1" latinLnBrk="0" hangingPunct="1">
+              <a:lnSpc>
+                <a:spcPct val="90000"/>
+              </a:lnSpc>
+              <a:spcBef>
+                <a:spcPts val="500"/>
+              </a:spcBef>
+              <a:buFont typeface="Arial" panose="020B0604020202020204" pitchFamily="34" charset="0"/>
+              <a:buChar char="•"/>
+              <a:defRPr sz="2400" kern="1200">
+                <a:solidFill>
+                  <a:schemeClr val="tx1"/>
+                </a:solidFill>
+                <a:latin typeface="+mn-lt"/>
+                <a:ea typeface="+mn-ea"/>
+                <a:cs typeface="+mn-cs"/>
+              </a:defRPr>
+            </a:lvl2pPr>
+            <a:lvl3pPr marL="1143000" indent="-228600" algn="l" defTabSz="914400" rtl="0" eaLnBrk="1" latinLnBrk="0" hangingPunct="1">
+              <a:lnSpc>
+                <a:spcPct val="90000"/>
+              </a:lnSpc>
+              <a:spcBef>
+                <a:spcPts val="500"/>
+              </a:spcBef>
+              <a:buFont typeface="Arial" panose="020B0604020202020204" pitchFamily="34" charset="0"/>
+              <a:buChar char="•"/>
+              <a:defRPr sz="2000" kern="1200">
+                <a:solidFill>
+                  <a:schemeClr val="tx1"/>
+                </a:solidFill>
+                <a:latin typeface="+mn-lt"/>
+                <a:ea typeface="+mn-ea"/>
+                <a:cs typeface="+mn-cs"/>
+              </a:defRPr>
+            </a:lvl3pPr>
+            <a:lvl4pPr marL="1600200" indent="-228600" algn="l" defTabSz="914400" rtl="0" eaLnBrk="1" latinLnBrk="0" hangingPunct="1">
+              <a:lnSpc>
+                <a:spcPct val="90000"/>
+              </a:lnSpc>
+              <a:spcBef>
+                <a:spcPts val="500"/>
+              </a:spcBef>
+              <a:buFont typeface="Arial" panose="020B0604020202020204" pitchFamily="34" charset="0"/>
+              <a:buChar char="•"/>
+              <a:defRPr sz="1800" kern="1200">
+                <a:solidFill>
+                  <a:schemeClr val="tx1"/>
+                </a:solidFill>
+                <a:latin typeface="+mn-lt"/>
+                <a:ea typeface="+mn-ea"/>
+                <a:cs typeface="+mn-cs"/>
+              </a:defRPr>
+            </a:lvl4pPr>
+            <a:lvl5pPr marL="2057400" indent="-228600" algn="l" defTabSz="914400" rtl="0" eaLnBrk="1" latinLnBrk="0" hangingPunct="1">
+              <a:lnSpc>
+                <a:spcPct val="90000"/>
+              </a:lnSpc>
+              <a:spcBef>
+                <a:spcPts val="500"/>
+              </a:spcBef>
+              <a:buFont typeface="Arial" panose="020B0604020202020204" pitchFamily="34" charset="0"/>
+              <a:buChar char="•"/>
+              <a:defRPr sz="1800" kern="1200">
+                <a:solidFill>
+                  <a:schemeClr val="tx1"/>
+                </a:solidFill>
+                <a:latin typeface="+mn-lt"/>
+                <a:ea typeface="+mn-ea"/>
+                <a:cs typeface="+mn-cs"/>
+              </a:defRPr>
+            </a:lvl5pPr>
+            <a:lvl6pPr marL="2514600" indent="-228600" algn="l" defTabSz="914400" rtl="0" eaLnBrk="1" latinLnBrk="0" hangingPunct="1">
+              <a:lnSpc>
+                <a:spcPct val="90000"/>
+              </a:lnSpc>
+              <a:spcBef>
+                <a:spcPts val="500"/>
+              </a:spcBef>
+              <a:buFont typeface="Arial" panose="020B0604020202020204" pitchFamily="34" charset="0"/>
+              <a:buChar char="•"/>
+              <a:defRPr sz="1800" kern="1200">
+                <a:solidFill>
+                  <a:schemeClr val="tx1"/>
+                </a:solidFill>
+                <a:latin typeface="+mn-lt"/>
+                <a:ea typeface="+mn-ea"/>
+                <a:cs typeface="+mn-cs"/>
+              </a:defRPr>
+            </a:lvl6pPr>
+            <a:lvl7pPr marL="2971800" indent="-228600" algn="l" defTabSz="914400" rtl="0" eaLnBrk="1" latinLnBrk="0" hangingPunct="1">
+              <a:lnSpc>
+                <a:spcPct val="90000"/>
+              </a:lnSpc>
+              <a:spcBef>
+                <a:spcPts val="500"/>
+              </a:spcBef>
+              <a:buFont typeface="Arial" panose="020B0604020202020204" pitchFamily="34" charset="0"/>
+              <a:buChar char="•"/>
+              <a:defRPr sz="1800" kern="1200">
+                <a:solidFill>
+                  <a:schemeClr val="tx1"/>
+                </a:solidFill>
+                <a:latin typeface="+mn-lt"/>
+                <a:ea typeface="+mn-ea"/>
+                <a:cs typeface="+mn-cs"/>
+              </a:defRPr>
+            </a:lvl7pPr>
+            <a:lvl8pPr marL="3429000" indent="-228600" algn="l" defTabSz="914400" rtl="0" eaLnBrk="1" latinLnBrk="0" hangingPunct="1">
+              <a:lnSpc>
+                <a:spcPct val="90000"/>
+              </a:lnSpc>
+              <a:spcBef>
+                <a:spcPts val="500"/>
+              </a:spcBef>
+              <a:buFont typeface="Arial" panose="020B0604020202020204" pitchFamily="34" charset="0"/>
+              <a:buChar char="•"/>
+              <a:defRPr sz="1800" kern="1200">
+                <a:solidFill>
+                  <a:schemeClr val="tx1"/>
+                </a:solidFill>
+                <a:latin typeface="+mn-lt"/>
+                <a:ea typeface="+mn-ea"/>
+                <a:cs typeface="+mn-cs"/>
+              </a:defRPr>
+            </a:lvl8pPr>
+            <a:lvl9pPr marL="3886200" indent="-228600" algn="l" defTabSz="914400" rtl="0" eaLnBrk="1" latinLnBrk="0" hangingPunct="1">
+              <a:lnSpc>
+                <a:spcPct val="90000"/>
+              </a:lnSpc>
+              <a:spcBef>
+                <a:spcPts val="500"/>
+              </a:spcBef>
+              <a:buFont typeface="Arial" panose="020B0604020202020204" pitchFamily="34" charset="0"/>
+              <a:buChar char="•"/>
+              <a:defRPr sz="1800" kern="1200">
+                <a:solidFill>
+                  <a:schemeClr val="tx1"/>
+                </a:solidFill>
+                <a:latin typeface="+mn-lt"/>
+                <a:ea typeface="+mn-ea"/>
+                <a:cs typeface="+mn-cs"/>
+              </a:defRPr>
+            </a:lvl9pPr>
+          </a:lstStyle>
+          <a:p>
+            <a:pPr marL="0" indent="0" algn="ctr">
+              <a:buNone/>
+            </a:pPr>
+            <a:r>
+              <a:rPr lang="en-US" b="1" dirty="0" err="1">
+                <a:solidFill>
+                  <a:schemeClr val="bg1"/>
+                </a:solidFill>
+              </a:rPr>
+              <a:t>Công</a:t>
+            </a:r>
+            <a:r>
+              <a:rPr lang="en-US" b="1" dirty="0">
+                <a:solidFill>
+                  <a:schemeClr val="bg1"/>
+                </a:solidFill>
+              </a:rPr>
+              <a:t> </a:t>
+            </a:r>
+            <a:r>
+              <a:rPr lang="en-US" b="1" dirty="0" err="1">
+                <a:solidFill>
+                  <a:schemeClr val="bg1"/>
+                </a:solidFill>
+              </a:rPr>
+              <a:t>việc</a:t>
+            </a:r>
+            <a:endParaRPr lang="en-US" b="1" dirty="0">
+              <a:solidFill>
+                <a:schemeClr val="bg1"/>
+              </a:solidFill>
+            </a:endParaRPr>
+          </a:p>
+        </p:txBody>
+      </p:sp>
+      <p:sp>
+        <p:nvSpPr>
+          <p:cNvPr id="3" name="Rectangle 2">
+            <a:extLst>
+              <a:ext uri="{FF2B5EF4-FFF2-40B4-BE49-F238E27FC236}">
+                <a16:creationId xmlns:a16="http://schemas.microsoft.com/office/drawing/2014/main" id="{E772D49E-480D-B54E-854C-37948483772E}"/>
+              </a:ext>
+            </a:extLst>
+          </p:cNvPr>
+          <p:cNvSpPr/>
+          <p:nvPr/>
+        </p:nvSpPr>
+        <p:spPr>
+          <a:xfrm>
+            <a:off x="190831" y="1842011"/>
+            <a:ext cx="6676552" cy="1692759"/>
+          </a:xfrm>
+          <a:prstGeom prst="rect">
+            <a:avLst/>
+          </a:prstGeom>
+          <a:ln>
+            <a:solidFill>
+              <a:schemeClr val="tx1"/>
+            </a:solidFill>
+          </a:ln>
+        </p:spPr>
+        <p:style>
+          <a:lnRef idx="2">
+            <a:schemeClr val="accent6"/>
+          </a:lnRef>
+          <a:fillRef idx="1">
+            <a:schemeClr val="lt1"/>
+          </a:fillRef>
+          <a:effectRef idx="0">
+            <a:schemeClr val="accent6"/>
+          </a:effectRef>
+          <a:fontRef idx="minor">
+            <a:schemeClr val="dk1"/>
+          </a:fontRef>
+        </p:style>
+        <p:txBody>
+          <a:bodyPr rtlCol="0" anchor="ctr"/>
+          <a:lstStyle/>
+          <a:p>
+            <a:r>
+              <a:rPr lang="en-US" sz="2400" b="1" dirty="0">
+                <a:latin typeface="Lato" panose="020F0502020204030203" pitchFamily="34" charset="0"/>
+                <a:ea typeface="Lato" panose="020F0502020204030203" pitchFamily="34" charset="0"/>
+                <a:cs typeface="Lato" panose="020F0502020204030203" pitchFamily="34" charset="0"/>
+              </a:rPr>
+              <a:t>Vũ </a:t>
+            </a:r>
+            <a:r>
+              <a:rPr lang="en-US" sz="2400" b="1" dirty="0" err="1">
+                <a:latin typeface="Lato" panose="020F0502020204030203" pitchFamily="34" charset="0"/>
+                <a:ea typeface="Lato" panose="020F0502020204030203" pitchFamily="34" charset="0"/>
+                <a:cs typeface="Lato" panose="020F0502020204030203" pitchFamily="34" charset="0"/>
+              </a:rPr>
+              <a:t>Quốc</a:t>
+            </a:r>
+            <a:r>
+              <a:rPr lang="en-US" sz="2400" b="1" dirty="0">
+                <a:latin typeface="Lato" panose="020F0502020204030203" pitchFamily="34" charset="0"/>
+                <a:ea typeface="Lato" panose="020F0502020204030203" pitchFamily="34" charset="0"/>
+                <a:cs typeface="Lato" panose="020F0502020204030203" pitchFamily="34" charset="0"/>
+              </a:rPr>
+              <a:t> Khánh - 20226647</a:t>
+            </a:r>
+            <a:r>
+              <a:rPr lang="en-US" sz="2400" dirty="0">
+                <a:latin typeface="Lato" panose="020F0502020204030203" pitchFamily="34" charset="0"/>
+                <a:ea typeface="Lato" panose="020F0502020204030203" pitchFamily="34" charset="0"/>
+                <a:cs typeface="Lato" panose="020F0502020204030203" pitchFamily="34" charset="0"/>
+              </a:rPr>
+              <a:t>: </a:t>
+            </a:r>
+          </a:p>
+          <a:p>
+            <a:r>
+              <a:rPr lang="en-US" sz="2400" b="1" dirty="0">
+                <a:latin typeface="Lato" panose="020F0502020204030203" pitchFamily="34" charset="0"/>
+                <a:ea typeface="Lato" panose="020F0502020204030203" pitchFamily="34" charset="0"/>
+                <a:cs typeface="Lato" panose="020F0502020204030203" pitchFamily="34" charset="0"/>
+              </a:rPr>
+              <a:t>Lê Hoàng Long - 20233506</a:t>
+            </a:r>
+            <a:r>
+              <a:rPr lang="en-US" sz="2400" dirty="0">
+                <a:latin typeface="Lato" panose="020F0502020204030203" pitchFamily="34" charset="0"/>
+                <a:ea typeface="Lato" panose="020F0502020204030203" pitchFamily="34" charset="0"/>
+                <a:cs typeface="Lato" panose="020F0502020204030203" pitchFamily="34" charset="0"/>
+              </a:rPr>
+              <a:t>:</a:t>
+            </a:r>
+          </a:p>
+          <a:p>
+            <a:r>
+              <a:rPr lang="en-US" sz="2400" b="1" dirty="0" err="1">
+                <a:latin typeface="Lato" panose="020F0502020204030203" pitchFamily="34" charset="0"/>
+                <a:ea typeface="Lato" panose="020F0502020204030203" pitchFamily="34" charset="0"/>
+                <a:cs typeface="Lato" panose="020F0502020204030203" pitchFamily="34" charset="0"/>
+              </a:rPr>
+              <a:t>Nguyễn</a:t>
+            </a:r>
+            <a:r>
+              <a:rPr lang="en-US" sz="2400" b="1" dirty="0">
+                <a:latin typeface="Lato" panose="020F0502020204030203" pitchFamily="34" charset="0"/>
+                <a:ea typeface="Lato" panose="020F0502020204030203" pitchFamily="34" charset="0"/>
+                <a:cs typeface="Lato" panose="020F0502020204030203" pitchFamily="34" charset="0"/>
+              </a:rPr>
+              <a:t> Minh Sang - 20226718</a:t>
+            </a:r>
+            <a:r>
+              <a:rPr lang="en-US" sz="2400" dirty="0">
+                <a:latin typeface="Lato" panose="020F0502020204030203" pitchFamily="34" charset="0"/>
+                <a:ea typeface="Lato" panose="020F0502020204030203" pitchFamily="34" charset="0"/>
+                <a:cs typeface="Lato" panose="020F0502020204030203" pitchFamily="34" charset="0"/>
+              </a:rPr>
+              <a:t>:</a:t>
+            </a:r>
+          </a:p>
+          <a:p>
+            <a:r>
+              <a:rPr lang="en-US" sz="2400" b="1" dirty="0">
+                <a:latin typeface="Lato" panose="020F0502020204030203" pitchFamily="34" charset="0"/>
+                <a:ea typeface="Lato" panose="020F0502020204030203" pitchFamily="34" charset="0"/>
+                <a:cs typeface="Lato" panose="020F0502020204030203" pitchFamily="34" charset="0"/>
+              </a:rPr>
+              <a:t>Lê Minh </a:t>
+            </a:r>
+            <a:r>
+              <a:rPr lang="en-US" sz="2400" b="1" dirty="0" err="1">
+                <a:latin typeface="Lato" panose="020F0502020204030203" pitchFamily="34" charset="0"/>
+                <a:ea typeface="Lato" panose="020F0502020204030203" pitchFamily="34" charset="0"/>
+                <a:cs typeface="Lato" panose="020F0502020204030203" pitchFamily="34" charset="0"/>
+              </a:rPr>
+              <a:t>Tuấn</a:t>
+            </a:r>
+            <a:r>
+              <a:rPr lang="en-US" sz="2400" b="1" dirty="0">
+                <a:latin typeface="Lato" panose="020F0502020204030203" pitchFamily="34" charset="0"/>
+                <a:ea typeface="Lato" panose="020F0502020204030203" pitchFamily="34" charset="0"/>
+                <a:cs typeface="Lato" panose="020F0502020204030203" pitchFamily="34" charset="0"/>
+              </a:rPr>
+              <a:t> - 20224189</a:t>
+            </a:r>
+            <a:r>
+              <a:rPr lang="en-US" sz="2400" dirty="0">
+                <a:latin typeface="Lato" panose="020F0502020204030203" pitchFamily="34" charset="0"/>
+                <a:ea typeface="Lato" panose="020F0502020204030203" pitchFamily="34" charset="0"/>
+                <a:cs typeface="Lato" panose="020F0502020204030203" pitchFamily="34" charset="0"/>
+              </a:rPr>
+              <a:t>:</a:t>
+            </a:r>
+          </a:p>
+        </p:txBody>
+      </p:sp>
+    </p:spTree>
+    <p:extLst>
+      <p:ext uri="{BB962C8B-B14F-4D97-AF65-F5344CB8AC3E}">
+        <p14:creationId xmlns:p14="http://schemas.microsoft.com/office/powerpoint/2010/main" val="4256498502"/>
+      </p:ext>
+    </p:extLst>
+  </p:cSld>
+  <p:clrMapOvr>
+    <a:masterClrMapping/>
+  </p:clrMapOvr>
+</p:sld>
+</file>
+
 <file path=ppt/slides/slide12.xml><?xml version="1.0" encoding="utf-8"?>
+<p:sld xmlns:a="http://schemas.openxmlformats.org/drawingml/2006/main" xmlns:r="http://schemas.openxmlformats.org/officeDocument/2006/relationships" xmlns:p="http://schemas.openxmlformats.org/presentationml/2006/main">
+  <p:cSld>
+    <p:spTree>
+      <p:nvGrpSpPr>
+        <p:cNvPr id="1" name="">
+          <a:extLst>
+            <a:ext uri="{FF2B5EF4-FFF2-40B4-BE49-F238E27FC236}">
+              <a16:creationId xmlns:a16="http://schemas.microsoft.com/office/drawing/2014/main" id="{E3615179-8DEF-0BAD-7165-4BDA20590646}"/>
+            </a:ext>
+          </a:extLst>
+        </p:cNvPr>
+        <p:cNvGrpSpPr/>
+        <p:nvPr/>
+      </p:nvGrpSpPr>
+      <p:grpSpPr>
+        <a:xfrm>
+          <a:off x="0" y="0"/>
+          <a:ext cx="0" cy="0"/>
+          <a:chOff x="0" y="0"/>
+          <a:chExt cx="0" cy="0"/>
+        </a:xfrm>
+      </p:grpSpPr>
+      <p:sp>
+        <p:nvSpPr>
+          <p:cNvPr id="5" name="Slide Number Placeholder 4">
+            <a:extLst>
+              <a:ext uri="{FF2B5EF4-FFF2-40B4-BE49-F238E27FC236}">
+                <a16:creationId xmlns:a16="http://schemas.microsoft.com/office/drawing/2014/main" id="{99B458D2-7714-BD3A-6BE2-FA6CE35A66A8}"/>
+              </a:ext>
+            </a:extLst>
+          </p:cNvPr>
+          <p:cNvSpPr>
+            <a:spLocks noGrp="1"/>
+          </p:cNvSpPr>
+          <p:nvPr>
+            <p:ph type="sldNum" sz="quarter" idx="12"/>
+          </p:nvPr>
+        </p:nvSpPr>
+        <p:spPr>
+          <a:xfrm>
+            <a:off x="6867383" y="6492878"/>
+            <a:ext cx="2057400" cy="365125"/>
+          </a:xfrm>
+          <a:prstGeom prst="rect">
+            <a:avLst/>
+          </a:prstGeom>
+        </p:spPr>
+        <p:txBody>
+          <a:bodyPr/>
+          <a:lstStyle/>
+          <a:p>
+            <a:fld id="{9EA0BE3B-158A-4EDF-80DC-E394A0D1600F}" type="slidenum">
+              <a:rPr lang="en-US" smtClean="0"/>
+              <a:pPr/>
+              <a:t>12</a:t>
+            </a:fld>
+            <a:endParaRPr lang="en-US"/>
+          </a:p>
+        </p:txBody>
+      </p:sp>
+      <p:sp>
+        <p:nvSpPr>
+          <p:cNvPr id="2" name="Title 1">
+            <a:extLst>
+              <a:ext uri="{FF2B5EF4-FFF2-40B4-BE49-F238E27FC236}">
+                <a16:creationId xmlns:a16="http://schemas.microsoft.com/office/drawing/2014/main" id="{0E0CFF4A-8413-7E2D-2187-3810359DF67E}"/>
+              </a:ext>
+            </a:extLst>
+          </p:cNvPr>
+          <p:cNvSpPr>
+            <a:spLocks noGrp="1"/>
+          </p:cNvSpPr>
+          <p:nvPr>
+            <p:ph type="title"/>
+          </p:nvPr>
+        </p:nvSpPr>
+        <p:spPr>
+          <a:xfrm>
+            <a:off x="254052" y="112543"/>
+            <a:ext cx="8635896" cy="436098"/>
+          </a:xfrm>
+          <a:prstGeom prst="rect">
+            <a:avLst/>
+          </a:prstGeom>
+        </p:spPr>
+        <p:txBody>
+          <a:bodyPr/>
+          <a:lstStyle/>
+          <a:p>
+            <a:r>
+              <a:rPr lang="en-US" dirty="0"/>
+              <a:t>NGÔN NGỮ SỬ DỤNG CHO DỰ ÁN</a:t>
+            </a:r>
+          </a:p>
+        </p:txBody>
+      </p:sp>
+      <p:sp>
+        <p:nvSpPr>
+          <p:cNvPr id="7" name="Chart Placeholder 2">
+            <a:extLst>
+              <a:ext uri="{FF2B5EF4-FFF2-40B4-BE49-F238E27FC236}">
+                <a16:creationId xmlns:a16="http://schemas.microsoft.com/office/drawing/2014/main" id="{DF465915-D063-4B93-25CF-4D0FC03ABEB3}"/>
+              </a:ext>
+            </a:extLst>
+          </p:cNvPr>
+          <p:cNvSpPr txBox="1">
+            <a:spLocks/>
+          </p:cNvSpPr>
+          <p:nvPr/>
+        </p:nvSpPr>
+        <p:spPr>
+          <a:xfrm>
+            <a:off x="190831" y="1329784"/>
+            <a:ext cx="2975450" cy="512227"/>
+          </a:xfrm>
+          <a:prstGeom prst="rect">
+            <a:avLst/>
+          </a:prstGeom>
+          <a:solidFill>
+            <a:srgbClr val="C00000"/>
+          </a:solidFill>
+          <a:ln w="28575"/>
+        </p:spPr>
+        <p:style>
+          <a:lnRef idx="2">
+            <a:schemeClr val="dk1"/>
+          </a:lnRef>
+          <a:fillRef idx="1">
+            <a:schemeClr val="lt1"/>
+          </a:fillRef>
+          <a:effectRef idx="0">
+            <a:schemeClr val="dk1"/>
+          </a:effectRef>
+          <a:fontRef idx="minor">
+            <a:schemeClr val="dk1"/>
+          </a:fontRef>
+        </p:style>
+        <p:txBody>
+          <a:bodyPr anchor="b"/>
+          <a:lstStyle>
+            <a:defPPr>
+              <a:defRPr lang="en-US"/>
+            </a:defPPr>
+            <a:lvl1pPr marL="228600" indent="-228600" algn="l" defTabSz="914400" rtl="0" eaLnBrk="1" latinLnBrk="0" hangingPunct="1">
+              <a:lnSpc>
+                <a:spcPct val="90000"/>
+              </a:lnSpc>
+              <a:spcBef>
+                <a:spcPts val="1000"/>
+              </a:spcBef>
+              <a:buFont typeface="Arial" panose="020B0604020202020204" pitchFamily="34" charset="0"/>
+              <a:buChar char="•"/>
+              <a:defRPr sz="2800" kern="1200">
+                <a:solidFill>
+                  <a:schemeClr val="tx1"/>
+                </a:solidFill>
+                <a:latin typeface="Lato" panose="020F0502020204030203" pitchFamily="34" charset="0"/>
+                <a:ea typeface="Lato" panose="020F0502020204030203" pitchFamily="34" charset="0"/>
+                <a:cs typeface="Lato" panose="020F0502020204030203" pitchFamily="34" charset="0"/>
+              </a:defRPr>
+            </a:lvl1pPr>
+            <a:lvl2pPr marL="685800" indent="-228600" algn="l" defTabSz="914400" rtl="0" eaLnBrk="1" latinLnBrk="0" hangingPunct="1">
+              <a:lnSpc>
+                <a:spcPct val="90000"/>
+              </a:lnSpc>
+              <a:spcBef>
+                <a:spcPts val="500"/>
+              </a:spcBef>
+              <a:buFont typeface="Arial" panose="020B0604020202020204" pitchFamily="34" charset="0"/>
+              <a:buChar char="•"/>
+              <a:defRPr sz="2400" kern="1200">
+                <a:solidFill>
+                  <a:schemeClr val="tx1"/>
+                </a:solidFill>
+                <a:latin typeface="+mn-lt"/>
+                <a:ea typeface="+mn-ea"/>
+                <a:cs typeface="+mn-cs"/>
+              </a:defRPr>
+            </a:lvl2pPr>
+            <a:lvl3pPr marL="1143000" indent="-228600" algn="l" defTabSz="914400" rtl="0" eaLnBrk="1" latinLnBrk="0" hangingPunct="1">
+              <a:lnSpc>
+                <a:spcPct val="90000"/>
+              </a:lnSpc>
+              <a:spcBef>
+                <a:spcPts val="500"/>
+              </a:spcBef>
+              <a:buFont typeface="Arial" panose="020B0604020202020204" pitchFamily="34" charset="0"/>
+              <a:buChar char="•"/>
+              <a:defRPr sz="2000" kern="1200">
+                <a:solidFill>
+                  <a:schemeClr val="tx1"/>
+                </a:solidFill>
+                <a:latin typeface="+mn-lt"/>
+                <a:ea typeface="+mn-ea"/>
+                <a:cs typeface="+mn-cs"/>
+              </a:defRPr>
+            </a:lvl3pPr>
+            <a:lvl4pPr marL="1600200" indent="-228600" algn="l" defTabSz="914400" rtl="0" eaLnBrk="1" latinLnBrk="0" hangingPunct="1">
+              <a:lnSpc>
+                <a:spcPct val="90000"/>
+              </a:lnSpc>
+              <a:spcBef>
+                <a:spcPts val="500"/>
+              </a:spcBef>
+              <a:buFont typeface="Arial" panose="020B0604020202020204" pitchFamily="34" charset="0"/>
+              <a:buChar char="•"/>
+              <a:defRPr sz="1800" kern="1200">
+                <a:solidFill>
+                  <a:schemeClr val="tx1"/>
+                </a:solidFill>
+                <a:latin typeface="+mn-lt"/>
+                <a:ea typeface="+mn-ea"/>
+                <a:cs typeface="+mn-cs"/>
+              </a:defRPr>
+            </a:lvl4pPr>
+            <a:lvl5pPr marL="2057400" indent="-228600" algn="l" defTabSz="914400" rtl="0" eaLnBrk="1" latinLnBrk="0" hangingPunct="1">
+              <a:lnSpc>
+                <a:spcPct val="90000"/>
+              </a:lnSpc>
+              <a:spcBef>
+                <a:spcPts val="500"/>
+              </a:spcBef>
+              <a:buFont typeface="Arial" panose="020B0604020202020204" pitchFamily="34" charset="0"/>
+              <a:buChar char="•"/>
+              <a:defRPr sz="1800" kern="1200">
+                <a:solidFill>
+                  <a:schemeClr val="tx1"/>
+                </a:solidFill>
+                <a:latin typeface="+mn-lt"/>
+                <a:ea typeface="+mn-ea"/>
+                <a:cs typeface="+mn-cs"/>
+              </a:defRPr>
+            </a:lvl5pPr>
+            <a:lvl6pPr marL="2514600" indent="-228600" algn="l" defTabSz="914400" rtl="0" eaLnBrk="1" latinLnBrk="0" hangingPunct="1">
+              <a:lnSpc>
+                <a:spcPct val="90000"/>
+              </a:lnSpc>
+              <a:spcBef>
+                <a:spcPts val="500"/>
+              </a:spcBef>
+              <a:buFont typeface="Arial" panose="020B0604020202020204" pitchFamily="34" charset="0"/>
+              <a:buChar char="•"/>
+              <a:defRPr sz="1800" kern="1200">
+                <a:solidFill>
+                  <a:schemeClr val="tx1"/>
+                </a:solidFill>
+                <a:latin typeface="+mn-lt"/>
+                <a:ea typeface="+mn-ea"/>
+                <a:cs typeface="+mn-cs"/>
+              </a:defRPr>
+            </a:lvl6pPr>
+            <a:lvl7pPr marL="2971800" indent="-228600" algn="l" defTabSz="914400" rtl="0" eaLnBrk="1" latinLnBrk="0" hangingPunct="1">
+              <a:lnSpc>
+                <a:spcPct val="90000"/>
+              </a:lnSpc>
+              <a:spcBef>
+                <a:spcPts val="500"/>
+              </a:spcBef>
+              <a:buFont typeface="Arial" panose="020B0604020202020204" pitchFamily="34" charset="0"/>
+              <a:buChar char="•"/>
+              <a:defRPr sz="1800" kern="1200">
+                <a:solidFill>
+                  <a:schemeClr val="tx1"/>
+                </a:solidFill>
+                <a:latin typeface="+mn-lt"/>
+                <a:ea typeface="+mn-ea"/>
+                <a:cs typeface="+mn-cs"/>
+              </a:defRPr>
+            </a:lvl7pPr>
+            <a:lvl8pPr marL="3429000" indent="-228600" algn="l" defTabSz="914400" rtl="0" eaLnBrk="1" latinLnBrk="0" hangingPunct="1">
+              <a:lnSpc>
+                <a:spcPct val="90000"/>
+              </a:lnSpc>
+              <a:spcBef>
+                <a:spcPts val="500"/>
+              </a:spcBef>
+              <a:buFont typeface="Arial" panose="020B0604020202020204" pitchFamily="34" charset="0"/>
+              <a:buChar char="•"/>
+              <a:defRPr sz="1800" kern="1200">
+                <a:solidFill>
+                  <a:schemeClr val="tx1"/>
+                </a:solidFill>
+                <a:latin typeface="+mn-lt"/>
+                <a:ea typeface="+mn-ea"/>
+                <a:cs typeface="+mn-cs"/>
+              </a:defRPr>
+            </a:lvl8pPr>
+            <a:lvl9pPr marL="3886200" indent="-228600" algn="l" defTabSz="914400" rtl="0" eaLnBrk="1" latinLnBrk="0" hangingPunct="1">
+              <a:lnSpc>
+                <a:spcPct val="90000"/>
+              </a:lnSpc>
+              <a:spcBef>
+                <a:spcPts val="500"/>
+              </a:spcBef>
+              <a:buFont typeface="Arial" panose="020B0604020202020204" pitchFamily="34" charset="0"/>
+              <a:buChar char="•"/>
+              <a:defRPr sz="1800" kern="1200">
+                <a:solidFill>
+                  <a:schemeClr val="tx1"/>
+                </a:solidFill>
+                <a:latin typeface="+mn-lt"/>
+                <a:ea typeface="+mn-ea"/>
+                <a:cs typeface="+mn-cs"/>
+              </a:defRPr>
+            </a:lvl9pPr>
+          </a:lstStyle>
+          <a:p>
+            <a:pPr marL="0" indent="0" algn="ctr">
+              <a:buNone/>
+            </a:pPr>
+            <a:r>
+              <a:rPr lang="en-US" b="1" dirty="0">
+                <a:solidFill>
+                  <a:schemeClr val="bg1"/>
+                </a:solidFill>
+              </a:rPr>
+              <a:t>C Sharp </a:t>
+            </a:r>
+            <a:r>
+              <a:rPr lang="en-US" b="1" dirty="0" err="1">
+                <a:solidFill>
+                  <a:schemeClr val="bg1"/>
+                </a:solidFill>
+              </a:rPr>
+              <a:t>và</a:t>
+            </a:r>
+            <a:r>
+              <a:rPr lang="en-US" b="1" dirty="0">
+                <a:solidFill>
+                  <a:schemeClr val="bg1"/>
+                </a:solidFill>
+              </a:rPr>
+              <a:t> SQL</a:t>
+            </a:r>
+          </a:p>
+        </p:txBody>
+      </p:sp>
+      <p:sp>
+        <p:nvSpPr>
+          <p:cNvPr id="3" name="Rectangle 2">
+            <a:extLst>
+              <a:ext uri="{FF2B5EF4-FFF2-40B4-BE49-F238E27FC236}">
+                <a16:creationId xmlns:a16="http://schemas.microsoft.com/office/drawing/2014/main" id="{30B17CDF-1E9B-EE2C-F8C7-579B6C61211F}"/>
+              </a:ext>
+            </a:extLst>
+          </p:cNvPr>
+          <p:cNvSpPr/>
+          <p:nvPr/>
+        </p:nvSpPr>
+        <p:spPr>
+          <a:xfrm>
+            <a:off x="190831" y="1842011"/>
+            <a:ext cx="5268273" cy="682825"/>
+          </a:xfrm>
+          <a:prstGeom prst="rect">
+            <a:avLst/>
+          </a:prstGeom>
+          <a:ln>
+            <a:solidFill>
+              <a:schemeClr val="tx1"/>
+            </a:solidFill>
+          </a:ln>
+        </p:spPr>
+        <p:style>
+          <a:lnRef idx="2">
+            <a:schemeClr val="accent6"/>
+          </a:lnRef>
+          <a:fillRef idx="1">
+            <a:schemeClr val="lt1"/>
+          </a:fillRef>
+          <a:effectRef idx="0">
+            <a:schemeClr val="accent6"/>
+          </a:effectRef>
+          <a:fontRef idx="minor">
+            <a:schemeClr val="dk1"/>
+          </a:fontRef>
+        </p:style>
+        <p:txBody>
+          <a:bodyPr rtlCol="0" anchor="ctr"/>
+          <a:lstStyle/>
+          <a:p>
+            <a:r>
+              <a:rPr lang="en-US" sz="2400" dirty="0" err="1">
+                <a:latin typeface="Lato" panose="020F0502020204030203" pitchFamily="34" charset="0"/>
+                <a:ea typeface="Lato" panose="020F0502020204030203" pitchFamily="34" charset="0"/>
+                <a:cs typeface="Lato" panose="020F0502020204030203" pitchFamily="34" charset="0"/>
+              </a:rPr>
+              <a:t>Dự</a:t>
+            </a:r>
+            <a:r>
+              <a:rPr lang="en-US" sz="2400" dirty="0">
+                <a:latin typeface="Lato" panose="020F0502020204030203" pitchFamily="34" charset="0"/>
+                <a:ea typeface="Lato" panose="020F0502020204030203" pitchFamily="34" charset="0"/>
+                <a:cs typeface="Lato" panose="020F0502020204030203" pitchFamily="34" charset="0"/>
+              </a:rPr>
+              <a:t> </a:t>
+            </a:r>
+            <a:r>
+              <a:rPr lang="en-US" sz="2400" dirty="0" err="1">
+                <a:latin typeface="Lato" panose="020F0502020204030203" pitchFamily="34" charset="0"/>
+                <a:ea typeface="Lato" panose="020F0502020204030203" pitchFamily="34" charset="0"/>
+                <a:cs typeface="Lato" panose="020F0502020204030203" pitchFamily="34" charset="0"/>
+              </a:rPr>
+              <a:t>án</a:t>
+            </a:r>
+            <a:r>
+              <a:rPr lang="en-US" sz="2400" dirty="0">
+                <a:latin typeface="Lato" panose="020F0502020204030203" pitchFamily="34" charset="0"/>
+                <a:ea typeface="Lato" panose="020F0502020204030203" pitchFamily="34" charset="0"/>
+                <a:cs typeface="Lato" panose="020F0502020204030203" pitchFamily="34" charset="0"/>
+              </a:rPr>
+              <a:t> </a:t>
+            </a:r>
+            <a:r>
+              <a:rPr lang="en-US" sz="2400" dirty="0" err="1">
+                <a:latin typeface="Lato" panose="020F0502020204030203" pitchFamily="34" charset="0"/>
+                <a:ea typeface="Lato" panose="020F0502020204030203" pitchFamily="34" charset="0"/>
+                <a:cs typeface="Lato" panose="020F0502020204030203" pitchFamily="34" charset="0"/>
+              </a:rPr>
+              <a:t>quản</a:t>
+            </a:r>
+            <a:r>
+              <a:rPr lang="en-US" sz="2400" dirty="0">
+                <a:latin typeface="Lato" panose="020F0502020204030203" pitchFamily="34" charset="0"/>
+                <a:ea typeface="Lato" panose="020F0502020204030203" pitchFamily="34" charset="0"/>
+                <a:cs typeface="Lato" panose="020F0502020204030203" pitchFamily="34" charset="0"/>
+              </a:rPr>
+              <a:t> </a:t>
+            </a:r>
+            <a:r>
+              <a:rPr lang="en-US" sz="2400" dirty="0" err="1">
+                <a:latin typeface="Lato" panose="020F0502020204030203" pitchFamily="34" charset="0"/>
+                <a:ea typeface="Lato" panose="020F0502020204030203" pitchFamily="34" charset="0"/>
+                <a:cs typeface="Lato" panose="020F0502020204030203" pitchFamily="34" charset="0"/>
+              </a:rPr>
+              <a:t>lý</a:t>
+            </a:r>
+            <a:r>
+              <a:rPr lang="en-US" sz="2400" dirty="0">
+                <a:latin typeface="Lato" panose="020F0502020204030203" pitchFamily="34" charset="0"/>
+                <a:ea typeface="Lato" panose="020F0502020204030203" pitchFamily="34" charset="0"/>
+                <a:cs typeface="Lato" panose="020F0502020204030203" pitchFamily="34" charset="0"/>
+              </a:rPr>
+              <a:t> </a:t>
+            </a:r>
+            <a:r>
+              <a:rPr lang="en-US" sz="2400" dirty="0" err="1">
+                <a:latin typeface="Lato" panose="020F0502020204030203" pitchFamily="34" charset="0"/>
+                <a:ea typeface="Lato" panose="020F0502020204030203" pitchFamily="34" charset="0"/>
+                <a:cs typeface="Lato" panose="020F0502020204030203" pitchFamily="34" charset="0"/>
+              </a:rPr>
+              <a:t>chăn</a:t>
+            </a:r>
+            <a:r>
+              <a:rPr lang="en-US" sz="2400" dirty="0">
+                <a:latin typeface="Lato" panose="020F0502020204030203" pitchFamily="34" charset="0"/>
+                <a:ea typeface="Lato" panose="020F0502020204030203" pitchFamily="34" charset="0"/>
+                <a:cs typeface="Lato" panose="020F0502020204030203" pitchFamily="34" charset="0"/>
+              </a:rPr>
+              <a:t> </a:t>
+            </a:r>
+            <a:r>
+              <a:rPr lang="en-US" sz="2400" dirty="0" err="1">
+                <a:latin typeface="Lato" panose="020F0502020204030203" pitchFamily="34" charset="0"/>
+                <a:ea typeface="Lato" panose="020F0502020204030203" pitchFamily="34" charset="0"/>
+                <a:cs typeface="Lato" panose="020F0502020204030203" pitchFamily="34" charset="0"/>
+              </a:rPr>
+              <a:t>nuôi</a:t>
+            </a:r>
+            <a:r>
+              <a:rPr lang="en-US" sz="2400" dirty="0">
+                <a:latin typeface="Lato" panose="020F0502020204030203" pitchFamily="34" charset="0"/>
+                <a:ea typeface="Lato" panose="020F0502020204030203" pitchFamily="34" charset="0"/>
+                <a:cs typeface="Lato" panose="020F0502020204030203" pitchFamily="34" charset="0"/>
+              </a:rPr>
+              <a:t> Desktop app</a:t>
+            </a:r>
+          </a:p>
+        </p:txBody>
+      </p:sp>
+    </p:spTree>
+    <p:extLst>
+      <p:ext uri="{BB962C8B-B14F-4D97-AF65-F5344CB8AC3E}">
+        <p14:creationId xmlns:p14="http://schemas.microsoft.com/office/powerpoint/2010/main" val="1100095166"/>
+      </p:ext>
+    </p:extLst>
+  </p:cSld>
+  <p:clrMapOvr>
+    <a:masterClrMapping/>
+  </p:clrMapOvr>
+</p:sld>
+</file>
+
+<file path=ppt/slides/slide13.xml><?xml version="1.0" encoding="utf-8"?>
 <p:sld xmlns:a="http://schemas.openxmlformats.org/drawingml/2006/main" xmlns:r="http://schemas.openxmlformats.org/officeDocument/2006/relationships" xmlns:p="http://schemas.openxmlformats.org/presentationml/2006/main">
   <p:cSld>
     <p:spTree>
@@ -6053,7 +6602,7 @@
             <a:fld id="{9EA0BE3B-158A-4EDF-80DC-E394A0D1600F}" type="slidenum">
               <a:rPr lang="en-US" smtClean="0"/>
               <a:pPr/>
-              <a:t>12</a:t>
+              <a:t>13</a:t>
             </a:fld>
             <a:endParaRPr lang="en-US"/>
           </a:p>
@@ -6359,7 +6908,7 @@
                   <a:schemeClr val="bg1"/>
                 </a:solidFill>
               </a:rPr>
-              <a:t>ĐANG UPDATE</a:t>
+              <a:t>UPDATING…</a:t>
             </a:r>
           </a:p>
         </p:txBody>
@@ -6377,7 +6926,7 @@
 </p:sld>
 </file>
 
-<file path=ppt/slides/slide13.xml><?xml version="1.0" encoding="utf-8"?>
+<file path=ppt/slides/slide14.xml><?xml version="1.0" encoding="utf-8"?>
 <p:sld xmlns:a="http://schemas.openxmlformats.org/drawingml/2006/main" xmlns:r="http://schemas.openxmlformats.org/officeDocument/2006/relationships" xmlns:p="http://schemas.openxmlformats.org/presentationml/2006/main">
   <p:cSld>
     <p:spTree>
@@ -6418,7 +6967,7 @@
             <a:fld id="{9EA0BE3B-158A-4EDF-80DC-E394A0D1600F}" type="slidenum">
               <a:rPr lang="en-US" smtClean="0"/>
               <a:pPr/>
-              <a:t>13</a:t>
+              <a:t>14</a:t>
             </a:fld>
             <a:endParaRPr lang="en-US" dirty="0"/>
           </a:p>
@@ -6490,61 +7039,6 @@
 </file>
 
 <file path=ppt/slides/slide2.xml><?xml version="1.0" encoding="utf-8"?>
-<p:sld xmlns:a="http://schemas.openxmlformats.org/drawingml/2006/main" xmlns:r="http://schemas.openxmlformats.org/officeDocument/2006/relationships" xmlns:p="http://schemas.openxmlformats.org/presentationml/2006/main">
-  <p:cSld>
-    <p:spTree>
-      <p:nvGrpSpPr>
-        <p:cNvPr id="1" name=""/>
-        <p:cNvGrpSpPr/>
-        <p:nvPr/>
-      </p:nvGrpSpPr>
-      <p:grpSpPr>
-        <a:xfrm>
-          <a:off x="0" y="0"/>
-          <a:ext cx="0" cy="0"/>
-          <a:chOff x="0" y="0"/>
-          <a:chExt cx="0" cy="0"/>
-        </a:xfrm>
-      </p:grpSpPr>
-      <p:sp>
-        <p:nvSpPr>
-          <p:cNvPr id="2" name="Title 1">
-            <a:extLst>
-              <a:ext uri="{FF2B5EF4-FFF2-40B4-BE49-F238E27FC236}">
-                <a16:creationId xmlns:a16="http://schemas.microsoft.com/office/drawing/2014/main" id="{559A3716-1A4C-0838-86B6-64CAAF77DF5B}"/>
-              </a:ext>
-            </a:extLst>
-          </p:cNvPr>
-          <p:cNvSpPr>
-            <a:spLocks noGrp="1"/>
-          </p:cNvSpPr>
-          <p:nvPr>
-            <p:ph type="title"/>
-          </p:nvPr>
-        </p:nvSpPr>
-        <p:spPr/>
-        <p:txBody>
-          <a:bodyPr/>
-          <a:lstStyle/>
-          <a:p>
-            <a:endParaRPr lang="en-US"/>
-          </a:p>
-        </p:txBody>
-      </p:sp>
-    </p:spTree>
-    <p:extLst>
-      <p:ext uri="{BB962C8B-B14F-4D97-AF65-F5344CB8AC3E}">
-        <p14:creationId xmlns:p14="http://schemas.microsoft.com/office/powerpoint/2010/main" val="945003436"/>
-      </p:ext>
-    </p:extLst>
-  </p:cSld>
-  <p:clrMapOvr>
-    <a:masterClrMapping/>
-  </p:clrMapOvr>
-</p:sld>
-</file>
-
-<file path=ppt/slides/slide3.xml><?xml version="1.0" encoding="utf-8"?>
 <p:sld xmlns:a="http://schemas.openxmlformats.org/drawingml/2006/main" xmlns:r="http://schemas.openxmlformats.org/officeDocument/2006/relationships" xmlns:p="http://schemas.openxmlformats.org/presentationml/2006/main">
   <p:cSld>
     <p:spTree>
@@ -6886,7 +7380,7 @@
 </p:sld>
 </file>
 
-<file path=ppt/slides/slide4.xml><?xml version="1.0" encoding="utf-8"?>
+<file path=ppt/slides/slide3.xml><?xml version="1.0" encoding="utf-8"?>
 <p:sld xmlns:a="http://schemas.openxmlformats.org/drawingml/2006/main" xmlns:r="http://schemas.openxmlformats.org/officeDocument/2006/relationships" xmlns:p="http://schemas.openxmlformats.org/presentationml/2006/main">
   <p:cSld>
     <p:spTree>
@@ -6927,7 +7421,7 @@
             <a:fld id="{9EA0BE3B-158A-4EDF-80DC-E394A0D1600F}" type="slidenum">
               <a:rPr lang="en-US" smtClean="0"/>
               <a:pPr/>
-              <a:t>4</a:t>
+              <a:t>3</a:t>
             </a:fld>
             <a:endParaRPr lang="en-US" dirty="0"/>
           </a:p>
@@ -7096,7 +7590,7 @@
 </p:sld>
 </file>
 
-<file path=ppt/slides/slide5.xml><?xml version="1.0" encoding="utf-8"?>
+<file path=ppt/slides/slide4.xml><?xml version="1.0" encoding="utf-8"?>
 <p:sld xmlns:a="http://schemas.openxmlformats.org/drawingml/2006/main" xmlns:r="http://schemas.openxmlformats.org/officeDocument/2006/relationships" xmlns:p="http://schemas.openxmlformats.org/presentationml/2006/main">
   <p:cSld>
     <p:spTree>
@@ -7137,7 +7631,7 @@
             <a:fld id="{9EA0BE3B-158A-4EDF-80DC-E394A0D1600F}" type="slidenum">
               <a:rPr lang="en-US" smtClean="0"/>
               <a:pPr/>
-              <a:t>5</a:t>
+              <a:t>4</a:t>
             </a:fld>
             <a:endParaRPr lang="en-US" dirty="0"/>
           </a:p>
@@ -7521,7 +8015,7 @@
 </p:sld>
 </file>
 
-<file path=ppt/slides/slide6.xml><?xml version="1.0" encoding="utf-8"?>
+<file path=ppt/slides/slide5.xml><?xml version="1.0" encoding="utf-8"?>
 <p:sld xmlns:a="http://schemas.openxmlformats.org/drawingml/2006/main" xmlns:r="http://schemas.openxmlformats.org/officeDocument/2006/relationships" xmlns:p="http://schemas.openxmlformats.org/presentationml/2006/main">
   <p:cSld>
     <p:spTree>
@@ -7590,7 +8084,7 @@
             <a:fld id="{9EA0BE3B-158A-4EDF-80DC-E394A0D1600F}" type="slidenum">
               <a:rPr lang="en-US" smtClean="0"/>
               <a:pPr/>
-              <a:t>6</a:t>
+              <a:t>5</a:t>
             </a:fld>
             <a:endParaRPr lang="en-US" dirty="0"/>
           </a:p>
@@ -8903,7 +9397,7 @@
 </p:sld>
 </file>
 
-<file path=ppt/slides/slide7.xml><?xml version="1.0" encoding="utf-8"?>
+<file path=ppt/slides/slide6.xml><?xml version="1.0" encoding="utf-8"?>
 <p:sld xmlns:a="http://schemas.openxmlformats.org/drawingml/2006/main" xmlns:r="http://schemas.openxmlformats.org/officeDocument/2006/relationships" xmlns:p="http://schemas.openxmlformats.org/presentationml/2006/main">
   <p:cSld>
     <p:spTree>
@@ -8944,7 +9438,7 @@
             <a:fld id="{9EA0BE3B-158A-4EDF-80DC-E394A0D1600F}" type="slidenum">
               <a:rPr lang="en-US" smtClean="0"/>
               <a:pPr/>
-              <a:t>7</a:t>
+              <a:t>6</a:t>
             </a:fld>
             <a:endParaRPr lang="en-US" dirty="0"/>
           </a:p>
@@ -10337,7 +10831,7 @@
 </p:sld>
 </file>
 
-<file path=ppt/slides/slide8.xml><?xml version="1.0" encoding="utf-8"?>
+<file path=ppt/slides/slide7.xml><?xml version="1.0" encoding="utf-8"?>
 <p:sld xmlns:a="http://schemas.openxmlformats.org/drawingml/2006/main" xmlns:r="http://schemas.openxmlformats.org/officeDocument/2006/relationships" xmlns:p="http://schemas.openxmlformats.org/presentationml/2006/main">
   <p:cSld>
     <p:spTree>
@@ -10378,7 +10872,7 @@
             <a:fld id="{9EA0BE3B-158A-4EDF-80DC-E394A0D1600F}" type="slidenum">
               <a:rPr lang="en-US" smtClean="0"/>
               <a:pPr/>
-              <a:t>8</a:t>
+              <a:t>7</a:t>
             </a:fld>
             <a:endParaRPr lang="en-US" dirty="0"/>
           </a:p>
@@ -10495,7 +10989,7 @@
 </p:sld>
 </file>
 
-<file path=ppt/slides/slide9.xml><?xml version="1.0" encoding="utf-8"?>
+<file path=ppt/slides/slide8.xml><?xml version="1.0" encoding="utf-8"?>
 <p:sld xmlns:a="http://schemas.openxmlformats.org/drawingml/2006/main" xmlns:r="http://schemas.openxmlformats.org/officeDocument/2006/relationships" xmlns:p="http://schemas.openxmlformats.org/presentationml/2006/main">
   <p:cSld>
     <p:spTree>
@@ -10542,7 +11036,7 @@
             <a:fld id="{9EA0BE3B-158A-4EDF-80DC-E394A0D1600F}" type="slidenum">
               <a:rPr lang="en-US" smtClean="0"/>
               <a:pPr/>
-              <a:t>9</a:t>
+              <a:t>8</a:t>
             </a:fld>
             <a:endParaRPr lang="en-US" dirty="0"/>
           </a:p>
@@ -11421,10 +11915,18 @@
               <a:buChar char="•"/>
             </a:pPr>
             <a:r>
-              <a:rPr lang="vi-VN" sz="2000" dirty="0"/>
+              <a:rPr lang="vi-VN" sz="2000" dirty="0">
+                <a:latin typeface="Lato" panose="020F0502020204030203" pitchFamily="34" charset="0"/>
+                <a:ea typeface="Lato" panose="020F0502020204030203" pitchFamily="34" charset="0"/>
+                <a:cs typeface="Lato" panose="020F0502020204030203" pitchFamily="34" charset="0"/>
+              </a:rPr>
               <a:t>Web được trình bày đơn giản, gọn, đẹp mà không mất tính mỹ quan, thu hút sự chú ý của người xem</a:t>
             </a:r>
-            <a:endParaRPr lang="en-US" sz="2000" dirty="0"/>
+            <a:endParaRPr lang="en-US" sz="2000" dirty="0">
+              <a:latin typeface="Lato" panose="020F0502020204030203" pitchFamily="34" charset="0"/>
+              <a:ea typeface="Lato" panose="020F0502020204030203" pitchFamily="34" charset="0"/>
+              <a:cs typeface="Lato" panose="020F0502020204030203" pitchFamily="34" charset="0"/>
+            </a:endParaRPr>
           </a:p>
           <a:p>
             <a:pPr marL="342900" indent="-342900">
@@ -11432,10 +11934,18 @@
               <a:buChar char="•"/>
             </a:pPr>
             <a:r>
-              <a:rPr lang="vi-VN" sz="2000" dirty="0"/>
+              <a:rPr lang="vi-VN" sz="2000" dirty="0">
+                <a:latin typeface="Lato" panose="020F0502020204030203" pitchFamily="34" charset="0"/>
+                <a:ea typeface="Lato" panose="020F0502020204030203" pitchFamily="34" charset="0"/>
+                <a:cs typeface="Lato" panose="020F0502020204030203" pitchFamily="34" charset="0"/>
+              </a:rPr>
               <a:t>Chạy trên nền tảng Windows</a:t>
             </a:r>
-            <a:endParaRPr lang="en-US" sz="2000" dirty="0"/>
+            <a:endParaRPr lang="en-US" sz="2000" dirty="0">
+              <a:latin typeface="Lato" panose="020F0502020204030203" pitchFamily="34" charset="0"/>
+              <a:ea typeface="Lato" panose="020F0502020204030203" pitchFamily="34" charset="0"/>
+              <a:cs typeface="Lato" panose="020F0502020204030203" pitchFamily="34" charset="0"/>
+            </a:endParaRPr>
           </a:p>
           <a:p>
             <a:pPr marL="342900" indent="-342900">
@@ -11443,10 +11953,18 @@
               <a:buChar char="•"/>
             </a:pPr>
             <a:r>
-              <a:rPr lang="vi-VN" sz="2000" dirty="0"/>
+              <a:rPr lang="vi-VN" sz="2000" dirty="0">
+                <a:latin typeface="Lato" panose="020F0502020204030203" pitchFamily="34" charset="0"/>
+                <a:ea typeface="Lato" panose="020F0502020204030203" pitchFamily="34" charset="0"/>
+                <a:cs typeface="Lato" panose="020F0502020204030203" pitchFamily="34" charset="0"/>
+              </a:rPr>
               <a:t>Hệ thống hoạt động tin cậy</a:t>
             </a:r>
-            <a:endParaRPr lang="en-US" sz="2000" dirty="0"/>
+            <a:endParaRPr lang="en-US" sz="2000" dirty="0">
+              <a:latin typeface="Lato" panose="020F0502020204030203" pitchFamily="34" charset="0"/>
+              <a:ea typeface="Lato" panose="020F0502020204030203" pitchFamily="34" charset="0"/>
+              <a:cs typeface="Lato" panose="020F0502020204030203" pitchFamily="34" charset="0"/>
+            </a:endParaRPr>
           </a:p>
           <a:p>
             <a:pPr marL="342900" indent="-342900">
@@ -11454,7 +11972,11 @@
               <a:buChar char="•"/>
             </a:pPr>
             <a:r>
-              <a:rPr lang="vi-VN" sz="2000" dirty="0"/>
+              <a:rPr lang="vi-VN" sz="2000" dirty="0">
+                <a:latin typeface="Lato" panose="020F0502020204030203" pitchFamily="34" charset="0"/>
+                <a:ea typeface="Lato" panose="020F0502020204030203" pitchFamily="34" charset="0"/>
+                <a:cs typeface="Lato" panose="020F0502020204030203" pitchFamily="34" charset="0"/>
+              </a:rPr>
               <a:t>Thao tác dễ dàng</a:t>
             </a:r>
             <a:endParaRPr lang="en-US" sz="2000" dirty="0">
@@ -11747,6 +12269,732 @@
     <p:extLst>
       <p:ext uri="{BB962C8B-B14F-4D97-AF65-F5344CB8AC3E}">
         <p14:creationId xmlns:p14="http://schemas.microsoft.com/office/powerpoint/2010/main" val="3421497308"/>
+      </p:ext>
+    </p:extLst>
+  </p:cSld>
+  <p:clrMapOvr>
+    <a:masterClrMapping/>
+  </p:clrMapOvr>
+</p:sld>
+</file>
+
+<file path=ppt/slides/slide9.xml><?xml version="1.0" encoding="utf-8"?>
+<p:sld xmlns:a="http://schemas.openxmlformats.org/drawingml/2006/main" xmlns:r="http://schemas.openxmlformats.org/officeDocument/2006/relationships" xmlns:p="http://schemas.openxmlformats.org/presentationml/2006/main">
+  <p:cSld>
+    <p:spTree>
+      <p:nvGrpSpPr>
+        <p:cNvPr id="1" name=""/>
+        <p:cNvGrpSpPr/>
+        <p:nvPr/>
+      </p:nvGrpSpPr>
+      <p:grpSpPr>
+        <a:xfrm>
+          <a:off x="0" y="0"/>
+          <a:ext cx="0" cy="0"/>
+          <a:chOff x="0" y="0"/>
+          <a:chExt cx="0" cy="0"/>
+        </a:xfrm>
+      </p:grpSpPr>
+      <p:sp>
+        <p:nvSpPr>
+          <p:cNvPr id="5" name="Slide Number Placeholder 4">
+            <a:extLst>
+              <a:ext uri="{FF2B5EF4-FFF2-40B4-BE49-F238E27FC236}">
+                <a16:creationId xmlns:a16="http://schemas.microsoft.com/office/drawing/2014/main" id="{3776946D-AB92-4D05-97ED-4EDF0AB0FF55}"/>
+              </a:ext>
+            </a:extLst>
+          </p:cNvPr>
+          <p:cNvSpPr>
+            <a:spLocks noGrp="1"/>
+          </p:cNvSpPr>
+          <p:nvPr>
+            <p:ph type="sldNum" sz="quarter" idx="12"/>
+          </p:nvPr>
+        </p:nvSpPr>
+        <p:spPr>
+          <a:xfrm>
+            <a:off x="6867383" y="6492878"/>
+            <a:ext cx="2057400" cy="365125"/>
+          </a:xfrm>
+          <a:prstGeom prst="rect">
+            <a:avLst/>
+          </a:prstGeom>
+        </p:spPr>
+        <p:txBody>
+          <a:bodyPr/>
+          <a:lstStyle/>
+          <a:p>
+            <a:fld id="{9EA0BE3B-158A-4EDF-80DC-E394A0D1600F}" type="slidenum">
+              <a:rPr lang="en-US" smtClean="0"/>
+              <a:pPr/>
+              <a:t>9</a:t>
+            </a:fld>
+            <a:endParaRPr lang="en-US"/>
+          </a:p>
+        </p:txBody>
+      </p:sp>
+      <p:sp>
+        <p:nvSpPr>
+          <p:cNvPr id="2" name="Title 1">
+            <a:extLst>
+              <a:ext uri="{FF2B5EF4-FFF2-40B4-BE49-F238E27FC236}">
+                <a16:creationId xmlns:a16="http://schemas.microsoft.com/office/drawing/2014/main" id="{4FB6CB3A-046A-4C56-A02D-DBF672421CAF}"/>
+              </a:ext>
+            </a:extLst>
+          </p:cNvPr>
+          <p:cNvSpPr>
+            <a:spLocks noGrp="1"/>
+          </p:cNvSpPr>
+          <p:nvPr>
+            <p:ph type="title"/>
+          </p:nvPr>
+        </p:nvSpPr>
+        <p:spPr>
+          <a:xfrm>
+            <a:off x="254052" y="112543"/>
+            <a:ext cx="8635896" cy="436098"/>
+          </a:xfrm>
+          <a:prstGeom prst="rect">
+            <a:avLst/>
+          </a:prstGeom>
+        </p:spPr>
+        <p:txBody>
+          <a:bodyPr/>
+          <a:lstStyle/>
+          <a:p>
+            <a:r>
+              <a:rPr lang="en-US" dirty="0"/>
+              <a:t>NỀN  TẢNG TRAO ĐỔI DỰ ÁN</a:t>
+            </a:r>
+          </a:p>
+        </p:txBody>
+      </p:sp>
+      <p:sp>
+        <p:nvSpPr>
+          <p:cNvPr id="6" name="TextBox 5">
+            <a:extLst>
+              <a:ext uri="{FF2B5EF4-FFF2-40B4-BE49-F238E27FC236}">
+                <a16:creationId xmlns:a16="http://schemas.microsoft.com/office/drawing/2014/main" id="{16BAC2D2-0188-F110-76EC-5DE9B7A69E83}"/>
+              </a:ext>
+            </a:extLst>
+          </p:cNvPr>
+          <p:cNvSpPr txBox="1"/>
+          <p:nvPr/>
+        </p:nvSpPr>
+        <p:spPr>
+          <a:xfrm>
+            <a:off x="190831" y="1842011"/>
+            <a:ext cx="4230094" cy="3785652"/>
+          </a:xfrm>
+          <a:prstGeom prst="rect">
+            <a:avLst/>
+          </a:prstGeom>
+          <a:noFill/>
+          <a:ln>
+            <a:solidFill>
+              <a:schemeClr val="tx1"/>
+            </a:solidFill>
+          </a:ln>
+        </p:spPr>
+        <p:txBody>
+          <a:bodyPr wrap="square" rtlCol="0">
+            <a:spAutoFit/>
+          </a:bodyPr>
+          <a:lstStyle/>
+          <a:p>
+            <a:r>
+              <a:rPr lang="vi-VN" sz="2400" b="1" dirty="0">
+                <a:latin typeface="Lato" panose="020F0502020204030203" pitchFamily="34" charset="0"/>
+                <a:ea typeface="Lato" panose="020F0502020204030203" pitchFamily="34" charset="0"/>
+                <a:cs typeface="Lato" panose="020F0502020204030203" pitchFamily="34" charset="0"/>
+              </a:rPr>
+              <a:t>GitHub</a:t>
+            </a:r>
+            <a:r>
+              <a:rPr lang="vi-VN" sz="2400" dirty="0">
+                <a:latin typeface="Lato" panose="020F0502020204030203" pitchFamily="34" charset="0"/>
+                <a:ea typeface="Lato" panose="020F0502020204030203" pitchFamily="34" charset="0"/>
+                <a:cs typeface="Lato" panose="020F0502020204030203" pitchFamily="34" charset="0"/>
+              </a:rPr>
+              <a:t> là một nền tảng quản lý mã nguồn dựa trên Git, giúp các lập trình viên lưu trữ, theo dõi và cộng tác trên các dự án phần mềm</a:t>
+            </a:r>
+            <a:r>
+              <a:rPr lang="vi-VN" sz="2400" dirty="0"/>
+              <a:t>.</a:t>
+            </a:r>
+            <a:endParaRPr lang="en-US" sz="2400" dirty="0"/>
+          </a:p>
+          <a:p>
+            <a:r>
+              <a:rPr lang="en-US" sz="2400" dirty="0" err="1">
+                <a:latin typeface="Lato" panose="020F0502020204030203" pitchFamily="34" charset="0"/>
+                <a:ea typeface="Lato" panose="020F0502020204030203" pitchFamily="34" charset="0"/>
+                <a:cs typeface="Lato" panose="020F0502020204030203" pitchFamily="34" charset="0"/>
+              </a:rPr>
+              <a:t>Các</a:t>
+            </a:r>
+            <a:r>
+              <a:rPr lang="en-US" sz="2400" dirty="0">
+                <a:latin typeface="Lato" panose="020F0502020204030203" pitchFamily="34" charset="0"/>
+                <a:ea typeface="Lato" panose="020F0502020204030203" pitchFamily="34" charset="0"/>
+                <a:cs typeface="Lato" panose="020F0502020204030203" pitchFamily="34" charset="0"/>
+              </a:rPr>
+              <a:t> </a:t>
+            </a:r>
+            <a:r>
+              <a:rPr lang="en-US" sz="2400" dirty="0" err="1">
+                <a:latin typeface="Lato" panose="020F0502020204030203" pitchFamily="34" charset="0"/>
+                <a:ea typeface="Lato" panose="020F0502020204030203" pitchFamily="34" charset="0"/>
+                <a:cs typeface="Lato" panose="020F0502020204030203" pitchFamily="34" charset="0"/>
+              </a:rPr>
+              <a:t>chức</a:t>
+            </a:r>
+            <a:r>
+              <a:rPr lang="en-US" sz="2400" dirty="0">
+                <a:latin typeface="Lato" panose="020F0502020204030203" pitchFamily="34" charset="0"/>
+                <a:ea typeface="Lato" panose="020F0502020204030203" pitchFamily="34" charset="0"/>
+                <a:cs typeface="Lato" panose="020F0502020204030203" pitchFamily="34" charset="0"/>
+              </a:rPr>
+              <a:t> </a:t>
+            </a:r>
+            <a:r>
+              <a:rPr lang="en-US" sz="2400" dirty="0" err="1">
+                <a:latin typeface="Lato" panose="020F0502020204030203" pitchFamily="34" charset="0"/>
+                <a:ea typeface="Lato" panose="020F0502020204030203" pitchFamily="34" charset="0"/>
+                <a:cs typeface="Lato" panose="020F0502020204030203" pitchFamily="34" charset="0"/>
+              </a:rPr>
+              <a:t>năng</a:t>
+            </a:r>
+            <a:r>
+              <a:rPr lang="en-US" sz="2400" dirty="0">
+                <a:latin typeface="Lato" panose="020F0502020204030203" pitchFamily="34" charset="0"/>
+                <a:ea typeface="Lato" panose="020F0502020204030203" pitchFamily="34" charset="0"/>
+                <a:cs typeface="Lato" panose="020F0502020204030203" pitchFamily="34" charset="0"/>
+              </a:rPr>
+              <a:t> </a:t>
+            </a:r>
+            <a:r>
+              <a:rPr lang="en-US" sz="2400" dirty="0" err="1">
+                <a:latin typeface="Lato" panose="020F0502020204030203" pitchFamily="34" charset="0"/>
+                <a:ea typeface="Lato" panose="020F0502020204030203" pitchFamily="34" charset="0"/>
+                <a:cs typeface="Lato" panose="020F0502020204030203" pitchFamily="34" charset="0"/>
+              </a:rPr>
+              <a:t>chính</a:t>
+            </a:r>
+            <a:r>
+              <a:rPr lang="en-US" sz="2400" dirty="0">
+                <a:latin typeface="Lato" panose="020F0502020204030203" pitchFamily="34" charset="0"/>
+                <a:ea typeface="Lato" panose="020F0502020204030203" pitchFamily="34" charset="0"/>
+                <a:cs typeface="Lato" panose="020F0502020204030203" pitchFamily="34" charset="0"/>
+              </a:rPr>
+              <a:t>:</a:t>
+            </a:r>
+          </a:p>
+          <a:p>
+            <a:pPr marL="342900" indent="-342900">
+              <a:buFont typeface="Arial" panose="020B0604020202020204" pitchFamily="34" charset="0"/>
+              <a:buChar char="•"/>
+            </a:pPr>
+            <a:r>
+              <a:rPr lang="en-US" sz="2400" dirty="0" err="1">
+                <a:latin typeface="Lato" panose="020F0502020204030203" pitchFamily="34" charset="0"/>
+                <a:ea typeface="Lato" panose="020F0502020204030203" pitchFamily="34" charset="0"/>
+                <a:cs typeface="Lato" panose="020F0502020204030203" pitchFamily="34" charset="0"/>
+              </a:rPr>
+              <a:t>Lưu</a:t>
+            </a:r>
+            <a:r>
+              <a:rPr lang="en-US" sz="2400" dirty="0">
+                <a:latin typeface="Lato" panose="020F0502020204030203" pitchFamily="34" charset="0"/>
+                <a:ea typeface="Lato" panose="020F0502020204030203" pitchFamily="34" charset="0"/>
+                <a:cs typeface="Lato" panose="020F0502020204030203" pitchFamily="34" charset="0"/>
+              </a:rPr>
+              <a:t> </a:t>
+            </a:r>
+            <a:r>
+              <a:rPr lang="en-US" sz="2400" dirty="0" err="1">
+                <a:latin typeface="Lato" panose="020F0502020204030203" pitchFamily="34" charset="0"/>
+                <a:ea typeface="Lato" panose="020F0502020204030203" pitchFamily="34" charset="0"/>
+                <a:cs typeface="Lato" panose="020F0502020204030203" pitchFamily="34" charset="0"/>
+              </a:rPr>
+              <a:t>trữ</a:t>
+            </a:r>
+            <a:r>
+              <a:rPr lang="en-US" sz="2400" dirty="0">
+                <a:latin typeface="Lato" panose="020F0502020204030203" pitchFamily="34" charset="0"/>
+                <a:ea typeface="Lato" panose="020F0502020204030203" pitchFamily="34" charset="0"/>
+                <a:cs typeface="Lato" panose="020F0502020204030203" pitchFamily="34" charset="0"/>
+              </a:rPr>
+              <a:t>, </a:t>
+            </a:r>
+            <a:r>
+              <a:rPr lang="en-US" sz="2400" dirty="0" err="1">
+                <a:latin typeface="Lato" panose="020F0502020204030203" pitchFamily="34" charset="0"/>
+                <a:ea typeface="Lato" panose="020F0502020204030203" pitchFamily="34" charset="0"/>
+                <a:cs typeface="Lato" panose="020F0502020204030203" pitchFamily="34" charset="0"/>
+              </a:rPr>
+              <a:t>quản</a:t>
+            </a:r>
+            <a:r>
+              <a:rPr lang="en-US" sz="2400" dirty="0">
+                <a:latin typeface="Lato" panose="020F0502020204030203" pitchFamily="34" charset="0"/>
+                <a:ea typeface="Lato" panose="020F0502020204030203" pitchFamily="34" charset="0"/>
+                <a:cs typeface="Lato" panose="020F0502020204030203" pitchFamily="34" charset="0"/>
+              </a:rPr>
+              <a:t> </a:t>
+            </a:r>
+            <a:r>
+              <a:rPr lang="en-US" sz="2400" dirty="0" err="1">
+                <a:latin typeface="Lato" panose="020F0502020204030203" pitchFamily="34" charset="0"/>
+                <a:ea typeface="Lato" panose="020F0502020204030203" pitchFamily="34" charset="0"/>
+                <a:cs typeface="Lato" panose="020F0502020204030203" pitchFamily="34" charset="0"/>
+              </a:rPr>
+              <a:t>lí</a:t>
+            </a:r>
+            <a:r>
+              <a:rPr lang="en-US" sz="2400" dirty="0">
+                <a:latin typeface="Lato" panose="020F0502020204030203" pitchFamily="34" charset="0"/>
+                <a:ea typeface="Lato" panose="020F0502020204030203" pitchFamily="34" charset="0"/>
+                <a:cs typeface="Lato" panose="020F0502020204030203" pitchFamily="34" charset="0"/>
+              </a:rPr>
+              <a:t> </a:t>
+            </a:r>
+            <a:r>
+              <a:rPr lang="en-US" sz="2400" dirty="0" err="1">
+                <a:latin typeface="Lato" panose="020F0502020204030203" pitchFamily="34" charset="0"/>
+                <a:ea typeface="Lato" panose="020F0502020204030203" pitchFamily="34" charset="0"/>
+                <a:cs typeface="Lato" panose="020F0502020204030203" pitchFamily="34" charset="0"/>
+              </a:rPr>
+              <a:t>mã</a:t>
+            </a:r>
+            <a:r>
+              <a:rPr lang="en-US" sz="2400" dirty="0">
+                <a:latin typeface="Lato" panose="020F0502020204030203" pitchFamily="34" charset="0"/>
+                <a:ea typeface="Lato" panose="020F0502020204030203" pitchFamily="34" charset="0"/>
+                <a:cs typeface="Lato" panose="020F0502020204030203" pitchFamily="34" charset="0"/>
+              </a:rPr>
+              <a:t> </a:t>
+            </a:r>
+            <a:r>
+              <a:rPr lang="en-US" sz="2400" dirty="0" err="1">
+                <a:latin typeface="Lato" panose="020F0502020204030203" pitchFamily="34" charset="0"/>
+                <a:ea typeface="Lato" panose="020F0502020204030203" pitchFamily="34" charset="0"/>
+                <a:cs typeface="Lato" panose="020F0502020204030203" pitchFamily="34" charset="0"/>
+              </a:rPr>
+              <a:t>nguồn</a:t>
+            </a:r>
+            <a:endParaRPr lang="en-US" sz="2400" dirty="0">
+              <a:latin typeface="Lato" panose="020F0502020204030203" pitchFamily="34" charset="0"/>
+              <a:ea typeface="Lato" panose="020F0502020204030203" pitchFamily="34" charset="0"/>
+              <a:cs typeface="Lato" panose="020F0502020204030203" pitchFamily="34" charset="0"/>
+            </a:endParaRPr>
+          </a:p>
+          <a:p>
+            <a:r>
+              <a:rPr lang="en-US" sz="2400" dirty="0">
+                <a:latin typeface="Lato" panose="020F0502020204030203" pitchFamily="34" charset="0"/>
+                <a:ea typeface="Lato" panose="020F0502020204030203" pitchFamily="34" charset="0"/>
+                <a:cs typeface="Lato" panose="020F0502020204030203" pitchFamily="34" charset="0"/>
+              </a:rPr>
+              <a:t>( branch, merge )</a:t>
+            </a:r>
+          </a:p>
+          <a:p>
+            <a:pPr marL="342900" indent="-342900">
+              <a:buFont typeface="Arial" panose="020B0604020202020204" pitchFamily="34" charset="0"/>
+              <a:buChar char="•"/>
+            </a:pPr>
+            <a:r>
+              <a:rPr lang="en-US" sz="2400" dirty="0" err="1">
+                <a:latin typeface="Lato" panose="020F0502020204030203" pitchFamily="34" charset="0"/>
+                <a:ea typeface="Lato" panose="020F0502020204030203" pitchFamily="34" charset="0"/>
+                <a:cs typeface="Lato" panose="020F0502020204030203" pitchFamily="34" charset="0"/>
+              </a:rPr>
+              <a:t>Cộng</a:t>
+            </a:r>
+            <a:r>
+              <a:rPr lang="en-US" sz="2400" dirty="0">
+                <a:latin typeface="Lato" panose="020F0502020204030203" pitchFamily="34" charset="0"/>
+                <a:ea typeface="Lato" panose="020F0502020204030203" pitchFamily="34" charset="0"/>
+                <a:cs typeface="Lato" panose="020F0502020204030203" pitchFamily="34" charset="0"/>
+              </a:rPr>
+              <a:t> </a:t>
+            </a:r>
+            <a:r>
+              <a:rPr lang="en-US" sz="2400" dirty="0" err="1">
+                <a:latin typeface="Lato" panose="020F0502020204030203" pitchFamily="34" charset="0"/>
+                <a:ea typeface="Lato" panose="020F0502020204030203" pitchFamily="34" charset="0"/>
+                <a:cs typeface="Lato" panose="020F0502020204030203" pitchFamily="34" charset="0"/>
+              </a:rPr>
+              <a:t>tác</a:t>
+            </a:r>
+            <a:r>
+              <a:rPr lang="en-US" sz="2400" dirty="0">
+                <a:latin typeface="Lato" panose="020F0502020204030203" pitchFamily="34" charset="0"/>
+                <a:ea typeface="Lato" panose="020F0502020204030203" pitchFamily="34" charset="0"/>
+                <a:cs typeface="Lato" panose="020F0502020204030203" pitchFamily="34" charset="0"/>
+              </a:rPr>
+              <a:t> </a:t>
+            </a:r>
+            <a:r>
+              <a:rPr lang="en-US" sz="2400" dirty="0" err="1">
+                <a:latin typeface="Lato" panose="020F0502020204030203" pitchFamily="34" charset="0"/>
+                <a:ea typeface="Lato" panose="020F0502020204030203" pitchFamily="34" charset="0"/>
+                <a:cs typeface="Lato" panose="020F0502020204030203" pitchFamily="34" charset="0"/>
+              </a:rPr>
+              <a:t>nhóm</a:t>
+            </a:r>
+            <a:endParaRPr lang="en-US" sz="2400" dirty="0">
+              <a:latin typeface="Lato" panose="020F0502020204030203" pitchFamily="34" charset="0"/>
+              <a:ea typeface="Lato" panose="020F0502020204030203" pitchFamily="34" charset="0"/>
+              <a:cs typeface="Lato" panose="020F0502020204030203" pitchFamily="34" charset="0"/>
+            </a:endParaRPr>
+          </a:p>
+          <a:p>
+            <a:pPr marL="342900" indent="-342900">
+              <a:buFont typeface="Arial" panose="020B0604020202020204" pitchFamily="34" charset="0"/>
+              <a:buChar char="•"/>
+            </a:pPr>
+            <a:r>
+              <a:rPr lang="en-US" sz="2400" dirty="0" err="1">
+                <a:latin typeface="Lato" panose="020F0502020204030203" pitchFamily="34" charset="0"/>
+                <a:ea typeface="Lato" panose="020F0502020204030203" pitchFamily="34" charset="0"/>
+                <a:cs typeface="Lato" panose="020F0502020204030203" pitchFamily="34" charset="0"/>
+              </a:rPr>
+              <a:t>Quản</a:t>
+            </a:r>
+            <a:r>
+              <a:rPr lang="en-US" sz="2400" dirty="0">
+                <a:latin typeface="Lato" panose="020F0502020204030203" pitchFamily="34" charset="0"/>
+                <a:ea typeface="Lato" panose="020F0502020204030203" pitchFamily="34" charset="0"/>
+                <a:cs typeface="Lato" panose="020F0502020204030203" pitchFamily="34" charset="0"/>
+              </a:rPr>
+              <a:t> </a:t>
+            </a:r>
+            <a:r>
+              <a:rPr lang="en-US" sz="2400" dirty="0" err="1">
+                <a:latin typeface="Lato" panose="020F0502020204030203" pitchFamily="34" charset="0"/>
+                <a:ea typeface="Lato" panose="020F0502020204030203" pitchFamily="34" charset="0"/>
+                <a:cs typeface="Lato" panose="020F0502020204030203" pitchFamily="34" charset="0"/>
+              </a:rPr>
+              <a:t>lí</a:t>
+            </a:r>
+            <a:r>
+              <a:rPr lang="en-US" sz="2400" dirty="0">
+                <a:latin typeface="Lato" panose="020F0502020204030203" pitchFamily="34" charset="0"/>
+                <a:ea typeface="Lato" panose="020F0502020204030203" pitchFamily="34" charset="0"/>
+                <a:cs typeface="Lato" panose="020F0502020204030203" pitchFamily="34" charset="0"/>
+              </a:rPr>
+              <a:t> </a:t>
+            </a:r>
+            <a:r>
+              <a:rPr lang="en-US" sz="2400" dirty="0" err="1">
+                <a:latin typeface="Lato" panose="020F0502020204030203" pitchFamily="34" charset="0"/>
+                <a:ea typeface="Lato" panose="020F0502020204030203" pitchFamily="34" charset="0"/>
+                <a:cs typeface="Lato" panose="020F0502020204030203" pitchFamily="34" charset="0"/>
+              </a:rPr>
+              <a:t>phiên</a:t>
+            </a:r>
+            <a:r>
+              <a:rPr lang="en-US" sz="2400" dirty="0">
+                <a:latin typeface="Lato" panose="020F0502020204030203" pitchFamily="34" charset="0"/>
+                <a:ea typeface="Lato" panose="020F0502020204030203" pitchFamily="34" charset="0"/>
+                <a:cs typeface="Lato" panose="020F0502020204030203" pitchFamily="34" charset="0"/>
+              </a:rPr>
+              <a:t> </a:t>
+            </a:r>
+            <a:r>
+              <a:rPr lang="en-US" sz="2400" dirty="0" err="1">
+                <a:latin typeface="Lato" panose="020F0502020204030203" pitchFamily="34" charset="0"/>
+                <a:ea typeface="Lato" panose="020F0502020204030203" pitchFamily="34" charset="0"/>
+                <a:cs typeface="Lato" panose="020F0502020204030203" pitchFamily="34" charset="0"/>
+              </a:rPr>
+              <a:t>bản</a:t>
+            </a:r>
+            <a:endParaRPr lang="en-US" sz="2400" dirty="0">
+              <a:latin typeface="Lato" panose="020F0502020204030203" pitchFamily="34" charset="0"/>
+              <a:ea typeface="Lato" panose="020F0502020204030203" pitchFamily="34" charset="0"/>
+              <a:cs typeface="Lato" panose="020F0502020204030203" pitchFamily="34" charset="0"/>
+            </a:endParaRPr>
+          </a:p>
+        </p:txBody>
+      </p:sp>
+      <p:pic>
+        <p:nvPicPr>
+          <p:cNvPr id="1026" name="Picture 2" descr="Why you should start using GitHub Right now? | by Sourav Kumar Nanda |  codeburst">
+            <a:extLst>
+              <a:ext uri="{FF2B5EF4-FFF2-40B4-BE49-F238E27FC236}">
+                <a16:creationId xmlns:a16="http://schemas.microsoft.com/office/drawing/2014/main" id="{E9F041EF-E357-E90D-5EBB-68D7C6ED583E}"/>
+              </a:ext>
+            </a:extLst>
+          </p:cNvPr>
+          <p:cNvPicPr>
+            <a:picLocks noChangeAspect="1" noChangeArrowheads="1"/>
+          </p:cNvPicPr>
+          <p:nvPr/>
+        </p:nvPicPr>
+        <p:blipFill>
+          <a:blip r:embed="rId2">
+            <a:extLst>
+              <a:ext uri="{28A0092B-C50C-407E-A947-70E740481C1C}">
+                <a14:useLocalDpi xmlns:a14="http://schemas.microsoft.com/office/drawing/2010/main" val="0"/>
+              </a:ext>
+            </a:extLst>
+          </a:blip>
+          <a:srcRect/>
+          <a:stretch>
+            <a:fillRect/>
+          </a:stretch>
+        </p:blipFill>
+        <p:spPr bwMode="auto">
+          <a:xfrm>
+            <a:off x="4723077" y="2544417"/>
+            <a:ext cx="4083844" cy="2353585"/>
+          </a:xfrm>
+          <a:prstGeom prst="rect">
+            <a:avLst/>
+          </a:prstGeom>
+          <a:noFill/>
+          <a:extLst>
+            <a:ext uri="{909E8E84-426E-40DD-AFC4-6F175D3DCCD1}">
+              <a14:hiddenFill xmlns:a14="http://schemas.microsoft.com/office/drawing/2010/main">
+                <a:solidFill>
+                  <a:srgbClr val="FFFFFF"/>
+                </a:solidFill>
+              </a14:hiddenFill>
+            </a:ext>
+          </a:extLst>
+        </p:spPr>
+      </p:pic>
+      <p:sp>
+        <p:nvSpPr>
+          <p:cNvPr id="7" name="Chart Placeholder 2">
+            <a:extLst>
+              <a:ext uri="{FF2B5EF4-FFF2-40B4-BE49-F238E27FC236}">
+                <a16:creationId xmlns:a16="http://schemas.microsoft.com/office/drawing/2014/main" id="{190A5F72-E0D9-2191-9AA6-7A9F2BE412CB}"/>
+              </a:ext>
+            </a:extLst>
+          </p:cNvPr>
+          <p:cNvSpPr txBox="1">
+            <a:spLocks/>
+          </p:cNvSpPr>
+          <p:nvPr/>
+        </p:nvSpPr>
+        <p:spPr>
+          <a:xfrm>
+            <a:off x="190832" y="1329784"/>
+            <a:ext cx="1582309" cy="512227"/>
+          </a:xfrm>
+          <a:prstGeom prst="rect">
+            <a:avLst/>
+          </a:prstGeom>
+          <a:solidFill>
+            <a:srgbClr val="C00000"/>
+          </a:solidFill>
+          <a:ln w="28575"/>
+        </p:spPr>
+        <p:style>
+          <a:lnRef idx="2">
+            <a:schemeClr val="dk1"/>
+          </a:lnRef>
+          <a:fillRef idx="1">
+            <a:schemeClr val="lt1"/>
+          </a:fillRef>
+          <a:effectRef idx="0">
+            <a:schemeClr val="dk1"/>
+          </a:effectRef>
+          <a:fontRef idx="minor">
+            <a:schemeClr val="dk1"/>
+          </a:fontRef>
+        </p:style>
+        <p:txBody>
+          <a:bodyPr anchor="b"/>
+          <a:lstStyle>
+            <a:defPPr>
+              <a:defRPr lang="en-US"/>
+            </a:defPPr>
+            <a:lvl1pPr marL="228600" indent="-228600" algn="l" defTabSz="914400" rtl="0" eaLnBrk="1" latinLnBrk="0" hangingPunct="1">
+              <a:lnSpc>
+                <a:spcPct val="90000"/>
+              </a:lnSpc>
+              <a:spcBef>
+                <a:spcPts val="1000"/>
+              </a:spcBef>
+              <a:buFont typeface="Arial" panose="020B0604020202020204" pitchFamily="34" charset="0"/>
+              <a:buChar char="•"/>
+              <a:defRPr sz="2800" kern="1200">
+                <a:solidFill>
+                  <a:schemeClr val="tx1"/>
+                </a:solidFill>
+                <a:latin typeface="Lato" panose="020F0502020204030203" pitchFamily="34" charset="0"/>
+                <a:ea typeface="Lato" panose="020F0502020204030203" pitchFamily="34" charset="0"/>
+                <a:cs typeface="Lato" panose="020F0502020204030203" pitchFamily="34" charset="0"/>
+              </a:defRPr>
+            </a:lvl1pPr>
+            <a:lvl2pPr marL="685800" indent="-228600" algn="l" defTabSz="914400" rtl="0" eaLnBrk="1" latinLnBrk="0" hangingPunct="1">
+              <a:lnSpc>
+                <a:spcPct val="90000"/>
+              </a:lnSpc>
+              <a:spcBef>
+                <a:spcPts val="500"/>
+              </a:spcBef>
+              <a:buFont typeface="Arial" panose="020B0604020202020204" pitchFamily="34" charset="0"/>
+              <a:buChar char="•"/>
+              <a:defRPr sz="2400" kern="1200">
+                <a:solidFill>
+                  <a:schemeClr val="tx1"/>
+                </a:solidFill>
+                <a:latin typeface="+mn-lt"/>
+                <a:ea typeface="+mn-ea"/>
+                <a:cs typeface="+mn-cs"/>
+              </a:defRPr>
+            </a:lvl2pPr>
+            <a:lvl3pPr marL="1143000" indent="-228600" algn="l" defTabSz="914400" rtl="0" eaLnBrk="1" latinLnBrk="0" hangingPunct="1">
+              <a:lnSpc>
+                <a:spcPct val="90000"/>
+              </a:lnSpc>
+              <a:spcBef>
+                <a:spcPts val="500"/>
+              </a:spcBef>
+              <a:buFont typeface="Arial" panose="020B0604020202020204" pitchFamily="34" charset="0"/>
+              <a:buChar char="•"/>
+              <a:defRPr sz="2000" kern="1200">
+                <a:solidFill>
+                  <a:schemeClr val="tx1"/>
+                </a:solidFill>
+                <a:latin typeface="+mn-lt"/>
+                <a:ea typeface="+mn-ea"/>
+                <a:cs typeface="+mn-cs"/>
+              </a:defRPr>
+            </a:lvl3pPr>
+            <a:lvl4pPr marL="1600200" indent="-228600" algn="l" defTabSz="914400" rtl="0" eaLnBrk="1" latinLnBrk="0" hangingPunct="1">
+              <a:lnSpc>
+                <a:spcPct val="90000"/>
+              </a:lnSpc>
+              <a:spcBef>
+                <a:spcPts val="500"/>
+              </a:spcBef>
+              <a:buFont typeface="Arial" panose="020B0604020202020204" pitchFamily="34" charset="0"/>
+              <a:buChar char="•"/>
+              <a:defRPr sz="1800" kern="1200">
+                <a:solidFill>
+                  <a:schemeClr val="tx1"/>
+                </a:solidFill>
+                <a:latin typeface="+mn-lt"/>
+                <a:ea typeface="+mn-ea"/>
+                <a:cs typeface="+mn-cs"/>
+              </a:defRPr>
+            </a:lvl4pPr>
+            <a:lvl5pPr marL="2057400" indent="-228600" algn="l" defTabSz="914400" rtl="0" eaLnBrk="1" latinLnBrk="0" hangingPunct="1">
+              <a:lnSpc>
+                <a:spcPct val="90000"/>
+              </a:lnSpc>
+              <a:spcBef>
+                <a:spcPts val="500"/>
+              </a:spcBef>
+              <a:buFont typeface="Arial" panose="020B0604020202020204" pitchFamily="34" charset="0"/>
+              <a:buChar char="•"/>
+              <a:defRPr sz="1800" kern="1200">
+                <a:solidFill>
+                  <a:schemeClr val="tx1"/>
+                </a:solidFill>
+                <a:latin typeface="+mn-lt"/>
+                <a:ea typeface="+mn-ea"/>
+                <a:cs typeface="+mn-cs"/>
+              </a:defRPr>
+            </a:lvl5pPr>
+            <a:lvl6pPr marL="2514600" indent="-228600" algn="l" defTabSz="914400" rtl="0" eaLnBrk="1" latinLnBrk="0" hangingPunct="1">
+              <a:lnSpc>
+                <a:spcPct val="90000"/>
+              </a:lnSpc>
+              <a:spcBef>
+                <a:spcPts val="500"/>
+              </a:spcBef>
+              <a:buFont typeface="Arial" panose="020B0604020202020204" pitchFamily="34" charset="0"/>
+              <a:buChar char="•"/>
+              <a:defRPr sz="1800" kern="1200">
+                <a:solidFill>
+                  <a:schemeClr val="tx1"/>
+                </a:solidFill>
+                <a:latin typeface="+mn-lt"/>
+                <a:ea typeface="+mn-ea"/>
+                <a:cs typeface="+mn-cs"/>
+              </a:defRPr>
+            </a:lvl6pPr>
+            <a:lvl7pPr marL="2971800" indent="-228600" algn="l" defTabSz="914400" rtl="0" eaLnBrk="1" latinLnBrk="0" hangingPunct="1">
+              <a:lnSpc>
+                <a:spcPct val="90000"/>
+              </a:lnSpc>
+              <a:spcBef>
+                <a:spcPts val="500"/>
+              </a:spcBef>
+              <a:buFont typeface="Arial" panose="020B0604020202020204" pitchFamily="34" charset="0"/>
+              <a:buChar char="•"/>
+              <a:defRPr sz="1800" kern="1200">
+                <a:solidFill>
+                  <a:schemeClr val="tx1"/>
+                </a:solidFill>
+                <a:latin typeface="+mn-lt"/>
+                <a:ea typeface="+mn-ea"/>
+                <a:cs typeface="+mn-cs"/>
+              </a:defRPr>
+            </a:lvl7pPr>
+            <a:lvl8pPr marL="3429000" indent="-228600" algn="l" defTabSz="914400" rtl="0" eaLnBrk="1" latinLnBrk="0" hangingPunct="1">
+              <a:lnSpc>
+                <a:spcPct val="90000"/>
+              </a:lnSpc>
+              <a:spcBef>
+                <a:spcPts val="500"/>
+              </a:spcBef>
+              <a:buFont typeface="Arial" panose="020B0604020202020204" pitchFamily="34" charset="0"/>
+              <a:buChar char="•"/>
+              <a:defRPr sz="1800" kern="1200">
+                <a:solidFill>
+                  <a:schemeClr val="tx1"/>
+                </a:solidFill>
+                <a:latin typeface="+mn-lt"/>
+                <a:ea typeface="+mn-ea"/>
+                <a:cs typeface="+mn-cs"/>
+              </a:defRPr>
+            </a:lvl8pPr>
+            <a:lvl9pPr marL="3886200" indent="-228600" algn="l" defTabSz="914400" rtl="0" eaLnBrk="1" latinLnBrk="0" hangingPunct="1">
+              <a:lnSpc>
+                <a:spcPct val="90000"/>
+              </a:lnSpc>
+              <a:spcBef>
+                <a:spcPts val="500"/>
+              </a:spcBef>
+              <a:buFont typeface="Arial" panose="020B0604020202020204" pitchFamily="34" charset="0"/>
+              <a:buChar char="•"/>
+              <a:defRPr sz="1800" kern="1200">
+                <a:solidFill>
+                  <a:schemeClr val="tx1"/>
+                </a:solidFill>
+                <a:latin typeface="+mn-lt"/>
+                <a:ea typeface="+mn-ea"/>
+                <a:cs typeface="+mn-cs"/>
+              </a:defRPr>
+            </a:lvl9pPr>
+          </a:lstStyle>
+          <a:p>
+            <a:pPr marL="0" indent="0" algn="ctr">
+              <a:buNone/>
+            </a:pPr>
+            <a:r>
+              <a:rPr lang="en-US" b="1" dirty="0">
+                <a:solidFill>
+                  <a:schemeClr val="bg1"/>
+                </a:solidFill>
+              </a:rPr>
+              <a:t>GitHub</a:t>
+            </a:r>
+          </a:p>
+        </p:txBody>
+      </p:sp>
+    </p:spTree>
+    <p:extLst>
+      <p:ext uri="{BB962C8B-B14F-4D97-AF65-F5344CB8AC3E}">
+        <p14:creationId xmlns:p14="http://schemas.microsoft.com/office/powerpoint/2010/main" val="64084651"/>
       </p:ext>
     </p:extLst>
   </p:cSld>
